--- a/doc/Javascript.Objects.pptx
+++ b/doc/Javascript.Objects.pptx
@@ -5,7 +5,7 @@
     <p:sldMasterId id="2147483648" r:id="rId1"/>
   </p:sldMasterIdLst>
   <p:notesMasterIdLst>
-    <p:notesMasterId r:id="rId28"/>
+    <p:notesMasterId r:id="rId32"/>
   </p:notesMasterIdLst>
   <p:sldIdLst>
     <p:sldId id="256" r:id="rId2"/>
@@ -33,7 +33,11 @@
     <p:sldId id="278" r:id="rId24"/>
     <p:sldId id="279" r:id="rId25"/>
     <p:sldId id="280" r:id="rId26"/>
-    <p:sldId id="281" r:id="rId27"/>
+    <p:sldId id="286" r:id="rId27"/>
+    <p:sldId id="283" r:id="rId28"/>
+    <p:sldId id="284" r:id="rId29"/>
+    <p:sldId id="285" r:id="rId30"/>
+    <p:sldId id="281" r:id="rId31"/>
   </p:sldIdLst>
   <p:sldSz cx="12192000" cy="6858000"/>
   <p:notesSz cx="6858000" cy="9144000"/>
@@ -134,7 +138,7 @@
   </p:defaultTextStyle>
   <p:extLst>
     <p:ext uri="{EFAFB233-063F-42B5-8137-9DF3F51BA10A}">
-      <p15:sldGuideLst xmlns:p15="http://schemas.microsoft.com/office/powerpoint/2012/main" xmlns=""/>
+      <p15:sldGuideLst xmlns="" xmlns:p15="http://schemas.microsoft.com/office/powerpoint/2012/main"/>
     </p:ext>
   </p:extLst>
 </p:presentation>
@@ -222,7 +226,7 @@
           <a:p>
             <a:fld id="{117C65F9-EC04-9F48-8636-200133029CB6}" type="datetimeFigureOut">
               <a:rPr lang="en-US" smtClean="0"/>
-              <a:t>11/23/14</a:t>
+              <a:t>11/24/14</a:t>
             </a:fld>
             <a:endParaRPr lang="en-US"/>
           </a:p>
@@ -534,80 +538,6 @@
           <a:bodyPr/>
           <a:lstStyle/>
           <a:p>
-            <a:r>
-              <a:rPr lang="en-US" sz="1200" kern="1200" dirty="0" smtClean="0">
-                <a:solidFill>
-                  <a:schemeClr val="tx1"/>
-                </a:solidFill>
-                <a:latin typeface="+mn-lt"/>
-                <a:ea typeface="+mn-ea"/>
-                <a:cs typeface="+mn-cs"/>
-              </a:rPr>
-              <a:t>Single or Double quotes</a:t>
-            </a:r>
-          </a:p>
-          <a:p>
-            <a:r>
-              <a:rPr lang="en-US" sz="1200" kern="1200" dirty="0" err="1" smtClean="0">
-                <a:solidFill>
-                  <a:schemeClr val="tx1"/>
-                </a:solidFill>
-                <a:latin typeface="+mn-lt"/>
-                <a:ea typeface="+mn-ea"/>
-                <a:cs typeface="+mn-cs"/>
-              </a:rPr>
-              <a:t>Backslah</a:t>
-            </a:r>
-            <a:r>
-              <a:rPr lang="en-US" sz="1200" kern="1200" dirty="0" smtClean="0">
-                <a:solidFill>
-                  <a:schemeClr val="tx1"/>
-                </a:solidFill>
-                <a:latin typeface="+mn-lt"/>
-                <a:ea typeface="+mn-ea"/>
-                <a:cs typeface="+mn-cs"/>
-              </a:rPr>
-              <a:t> is the escape character</a:t>
-            </a:r>
-          </a:p>
-          <a:p>
-            <a:r>
-              <a:rPr lang="en-US" sz="1200" kern="1200" dirty="0" smtClean="0">
-                <a:solidFill>
-                  <a:schemeClr val="tx1"/>
-                </a:solidFill>
-                <a:latin typeface="+mn-lt"/>
-                <a:ea typeface="+mn-ea"/>
-                <a:cs typeface="+mn-cs"/>
-              </a:rPr>
-              <a:t>There is no character type</a:t>
-            </a:r>
-          </a:p>
-          <a:p>
-            <a:r>
-              <a:rPr lang="en-US" sz="1200" kern="1200" dirty="0" smtClean="0">
-                <a:solidFill>
-                  <a:schemeClr val="tx1"/>
-                </a:solidFill>
-                <a:latin typeface="+mn-lt"/>
-                <a:ea typeface="+mn-ea"/>
-                <a:cs typeface="+mn-cs"/>
-              </a:rPr>
-              <a:t>Unicode 16 character set (16 bits wide)</a:t>
-            </a:r>
-          </a:p>
-          <a:p>
-            <a:r>
-              <a:rPr lang="en-US" sz="1200" kern="1200" dirty="0" smtClean="0">
-                <a:solidFill>
-                  <a:schemeClr val="tx1"/>
-                </a:solidFill>
-                <a:latin typeface="+mn-lt"/>
-                <a:ea typeface="+mn-ea"/>
-                <a:cs typeface="+mn-cs"/>
-              </a:rPr>
-              <a:t>String's have length and functions</a:t>
-            </a:r>
             <a:endParaRPr lang="en-US" dirty="0"/>
           </a:p>
         </p:txBody>
@@ -1455,7 +1385,7 @@
             <a:fld id="{B61BEF0D-F0BB-DE4B-95CE-6DB70DBA9567}" type="datetimeFigureOut">
               <a:rPr lang="en-US" dirty="0"/>
               <a:pPr/>
-              <a:t>11/23/14</a:t>
+              <a:t>11/24/14</a:t>
             </a:fld>
             <a:endParaRPr lang="en-US" dirty="0"/>
           </a:p>
@@ -1750,7 +1680,7 @@
             <a:fld id="{B61BEF0D-F0BB-DE4B-95CE-6DB70DBA9567}" type="datetimeFigureOut">
               <a:rPr lang="en-US" dirty="0"/>
               <a:pPr/>
-              <a:t>11/23/14</a:t>
+              <a:t>11/24/14</a:t>
             </a:fld>
             <a:endParaRPr lang="en-US" dirty="0"/>
           </a:p>
@@ -2061,7 +1991,7 @@
             <a:fld id="{B61BEF0D-F0BB-DE4B-95CE-6DB70DBA9567}" type="datetimeFigureOut">
               <a:rPr lang="en-US" dirty="0"/>
               <a:pPr/>
-              <a:t>11/23/14</a:t>
+              <a:t>11/24/14</a:t>
             </a:fld>
             <a:endParaRPr lang="en-US" dirty="0"/>
           </a:p>
@@ -2399,7 +2329,7 @@
             <a:fld id="{B61BEF0D-F0BB-DE4B-95CE-6DB70DBA9567}" type="datetimeFigureOut">
               <a:rPr lang="en-US" dirty="0"/>
               <a:pPr/>
-              <a:t>11/23/14</a:t>
+              <a:t>11/24/14</a:t>
             </a:fld>
             <a:endParaRPr lang="en-US" dirty="0"/>
           </a:p>
@@ -2710,7 +2640,7 @@
             <a:fld id="{B61BEF0D-F0BB-DE4B-95CE-6DB70DBA9567}" type="datetimeFigureOut">
               <a:rPr lang="en-US" dirty="0"/>
               <a:pPr/>
-              <a:t>11/23/14</a:t>
+              <a:t>11/24/14</a:t>
             </a:fld>
             <a:endParaRPr lang="en-US" dirty="0"/>
           </a:p>
@@ -3100,7 +3030,7 @@
             <a:fld id="{B61BEF0D-F0BB-DE4B-95CE-6DB70DBA9567}" type="datetimeFigureOut">
               <a:rPr lang="en-US" dirty="0"/>
               <a:pPr/>
-              <a:t>11/23/14</a:t>
+              <a:t>11/24/14</a:t>
             </a:fld>
             <a:endParaRPr lang="en-US" dirty="0"/>
           </a:p>
@@ -3266,7 +3196,7 @@
           <a:p>
             <a:fld id="{55C6B4A9-1611-4792-9094-5F34BCA07E0B}" type="datetimeFigureOut">
               <a:rPr lang="en-US" dirty="0"/>
-              <a:t>11/23/14</a:t>
+              <a:t>11/24/14</a:t>
             </a:fld>
             <a:endParaRPr lang="en-US" dirty="0"/>
           </a:p>
@@ -3442,7 +3372,7 @@
             <a:fld id="{B61BEF0D-F0BB-DE4B-95CE-6DB70DBA9567}" type="datetimeFigureOut">
               <a:rPr lang="en-US" dirty="0"/>
               <a:pPr/>
-              <a:t>11/23/14</a:t>
+              <a:t>11/24/14</a:t>
             </a:fld>
             <a:endParaRPr lang="en-US" dirty="0"/>
           </a:p>
@@ -3615,7 +3545,7 @@
             <a:fld id="{B61BEF0D-F0BB-DE4B-95CE-6DB70DBA9567}" type="datetimeFigureOut">
               <a:rPr lang="en-US" dirty="0"/>
               <a:pPr/>
-              <a:t>11/23/14</a:t>
+              <a:t>11/24/14</a:t>
             </a:fld>
             <a:endParaRPr lang="en-US" dirty="0"/>
           </a:p>
@@ -3866,7 +3796,7 @@
             <a:fld id="{B61BEF0D-F0BB-DE4B-95CE-6DB70DBA9567}" type="datetimeFigureOut">
               <a:rPr lang="en-US" dirty="0"/>
               <a:pPr/>
-              <a:t>11/23/14</a:t>
+              <a:t>11/24/14</a:t>
             </a:fld>
             <a:endParaRPr lang="en-US" dirty="0"/>
           </a:p>
@@ -4094,7 +4024,7 @@
           <a:p>
             <a:fld id="{EB712588-04B1-427B-82EE-E8DB90309F08}" type="datetimeFigureOut">
               <a:rPr lang="en-US" dirty="0"/>
-              <a:t>11/23/14</a:t>
+              <a:t>11/24/14</a:t>
             </a:fld>
             <a:endParaRPr lang="en-US" dirty="0"/>
           </a:p>
@@ -4464,7 +4394,7 @@
             <a:fld id="{B61BEF0D-F0BB-DE4B-95CE-6DB70DBA9567}" type="datetimeFigureOut">
               <a:rPr lang="en-US" dirty="0"/>
               <a:pPr/>
-              <a:t>11/23/14</a:t>
+              <a:t>11/24/14</a:t>
             </a:fld>
             <a:endParaRPr lang="en-US" dirty="0"/>
           </a:p>
@@ -4584,7 +4514,7 @@
             <a:fld id="{B61BEF0D-F0BB-DE4B-95CE-6DB70DBA9567}" type="datetimeFigureOut">
               <a:rPr lang="en-US" dirty="0"/>
               <a:pPr/>
-              <a:t>11/23/14</a:t>
+              <a:t>11/24/14</a:t>
             </a:fld>
             <a:endParaRPr lang="en-US" dirty="0"/>
           </a:p>
@@ -4676,7 +4606,7 @@
             <a:fld id="{B61BEF0D-F0BB-DE4B-95CE-6DB70DBA9567}" type="datetimeFigureOut">
               <a:rPr lang="en-US" dirty="0"/>
               <a:pPr/>
-              <a:t>11/23/14</a:t>
+              <a:t>11/24/14</a:t>
             </a:fld>
             <a:endParaRPr lang="en-US" dirty="0"/>
           </a:p>
@@ -4927,7 +4857,7 @@
           <a:p>
             <a:fld id="{42A54C80-263E-416B-A8E0-580EDEADCBDC}" type="datetimeFigureOut">
               <a:rPr lang="en-US" dirty="0"/>
-              <a:t>11/23/14</a:t>
+              <a:t>11/24/14</a:t>
             </a:fld>
             <a:endParaRPr lang="en-US" dirty="0"/>
           </a:p>
@@ -5186,7 +5116,7 @@
             <a:fld id="{B61BEF0D-F0BB-DE4B-95CE-6DB70DBA9567}" type="datetimeFigureOut">
               <a:rPr lang="en-US" dirty="0"/>
               <a:pPr/>
-              <a:t>11/23/14</a:t>
+              <a:t>11/24/14</a:t>
             </a:fld>
             <a:endParaRPr lang="en-US" dirty="0"/>
           </a:p>
@@ -5926,7 +5856,7 @@
             <a:fld id="{B61BEF0D-F0BB-DE4B-95CE-6DB70DBA9567}" type="datetimeFigureOut">
               <a:rPr lang="en-US" dirty="0"/>
               <a:pPr/>
-              <a:t>11/23/14</a:t>
+              <a:t>11/24/14</a:t>
             </a:fld>
             <a:endParaRPr lang="en-US" dirty="0"/>
           </a:p>
@@ -6527,15 +6457,7 @@
           <a:p>
             <a:r>
               <a:rPr lang="en-US" dirty="0" err="1" smtClean="0"/>
-              <a:t>Jeffrey.williams</a:t>
-            </a:r>
-            <a:r>
-              <a:rPr lang="en-US" dirty="0" err="1" smtClean="0"/>
-              <a:t>@</a:t>
-            </a:r>
-            <a:r>
-              <a:rPr lang="en-US" dirty="0" err="1" smtClean="0"/>
-              <a:t>cdk.com</a:t>
+              <a:t>Jeffrey.williams@cdk.com</a:t>
             </a:r>
             <a:endParaRPr lang="en-US" dirty="0"/>
           </a:p>
@@ -11353,6 +11275,13 @@
   <p:clrMapOvr>
     <a:masterClrMapping/>
   </p:clrMapOvr>
+  <p:timing>
+    <p:tnLst>
+      <p:par>
+        <p:cTn xmlns:p14="http://schemas.microsoft.com/office/powerpoint/2010/main" id="1" dur="indefinite" restart="never" nodeType="tmRoot"/>
+      </p:par>
+    </p:tnLst>
+  </p:timing>
 </p:sld>
 </file>
 
@@ -11464,6 +11393,13 @@
   <p:clrMapOvr>
     <a:masterClrMapping/>
   </p:clrMapOvr>
+  <p:timing>
+    <p:tnLst>
+      <p:par>
+        <p:cTn xmlns:p14="http://schemas.microsoft.com/office/powerpoint/2010/main" id="1" dur="indefinite" restart="never" nodeType="tmRoot"/>
+      </p:par>
+    </p:tnLst>
+  </p:timing>
 </p:sld>
 </file>
 
@@ -12084,9 +12020,231 @@
   <p:timing>
     <p:tnLst>
       <p:par>
-        <p:cTn xmlns:p14="http://schemas.microsoft.com/office/powerpoint/2010/main" id="1" dur="indefinite" restart="never" nodeType="tmRoot"/>
+        <p:cTn xmlns:p14="http://schemas.microsoft.com/office/powerpoint/2010/main" id="1" dur="indefinite" restart="never" nodeType="tmRoot">
+          <p:childTnLst>
+            <p:seq concurrent="1" nextAc="seek">
+              <p:cTn id="2" dur="indefinite" nodeType="mainSeq">
+                <p:childTnLst>
+                  <p:par>
+                    <p:cTn id="3" fill="hold">
+                      <p:stCondLst>
+                        <p:cond delay="indefinite"/>
+                      </p:stCondLst>
+                      <p:childTnLst>
+                        <p:par>
+                          <p:cTn id="4" fill="hold">
+                            <p:stCondLst>
+                              <p:cond delay="0"/>
+                            </p:stCondLst>
+                            <p:childTnLst>
+                              <p:par>
+                                <p:cTn id="5" presetID="1" presetClass="entr" presetSubtype="0" fill="hold" grpId="0" nodeType="clickEffect">
+                                  <p:stCondLst>
+                                    <p:cond delay="0"/>
+                                  </p:stCondLst>
+                                  <p:childTnLst>
+                                    <p:set>
+                                      <p:cBhvr>
+                                        <p:cTn id="6" dur="1" fill="hold">
+                                          <p:stCondLst>
+                                            <p:cond delay="0"/>
+                                          </p:stCondLst>
+                                        </p:cTn>
+                                        <p:tgtEl>
+                                          <p:spTgt spid="4">
+                                            <p:txEl>
+                                              <p:pRg st="0" end="0"/>
+                                            </p:txEl>
+                                          </p:spTgt>
+                                        </p:tgtEl>
+                                        <p:attrNameLst>
+                                          <p:attrName>style.visibility</p:attrName>
+                                        </p:attrNameLst>
+                                      </p:cBhvr>
+                                      <p:to>
+                                        <p:strVal val="visible"/>
+                                      </p:to>
+                                    </p:set>
+                                  </p:childTnLst>
+                                </p:cTn>
+                              </p:par>
+                            </p:childTnLst>
+                          </p:cTn>
+                        </p:par>
+                      </p:childTnLst>
+                    </p:cTn>
+                  </p:par>
+                  <p:par>
+                    <p:cTn id="7" fill="hold">
+                      <p:stCondLst>
+                        <p:cond delay="indefinite"/>
+                      </p:stCondLst>
+                      <p:childTnLst>
+                        <p:par>
+                          <p:cTn id="8" fill="hold">
+                            <p:stCondLst>
+                              <p:cond delay="0"/>
+                            </p:stCondLst>
+                            <p:childTnLst>
+                              <p:par>
+                                <p:cTn id="9" presetID="1" presetClass="entr" presetSubtype="0" fill="hold" grpId="0" nodeType="clickEffect">
+                                  <p:stCondLst>
+                                    <p:cond delay="0"/>
+                                  </p:stCondLst>
+                                  <p:childTnLst>
+                                    <p:set>
+                                      <p:cBhvr>
+                                        <p:cTn id="10" dur="1" fill="hold">
+                                          <p:stCondLst>
+                                            <p:cond delay="0"/>
+                                          </p:stCondLst>
+                                        </p:cTn>
+                                        <p:tgtEl>
+                                          <p:spTgt spid="4">
+                                            <p:txEl>
+                                              <p:pRg st="1" end="1"/>
+                                            </p:txEl>
+                                          </p:spTgt>
+                                        </p:tgtEl>
+                                        <p:attrNameLst>
+                                          <p:attrName>style.visibility</p:attrName>
+                                        </p:attrNameLst>
+                                      </p:cBhvr>
+                                      <p:to>
+                                        <p:strVal val="visible"/>
+                                      </p:to>
+                                    </p:set>
+                                  </p:childTnLst>
+                                </p:cTn>
+                              </p:par>
+                            </p:childTnLst>
+                          </p:cTn>
+                        </p:par>
+                      </p:childTnLst>
+                    </p:cTn>
+                  </p:par>
+                  <p:par>
+                    <p:cTn id="11" fill="hold">
+                      <p:stCondLst>
+                        <p:cond delay="indefinite"/>
+                      </p:stCondLst>
+                      <p:childTnLst>
+                        <p:par>
+                          <p:cTn id="12" fill="hold">
+                            <p:stCondLst>
+                              <p:cond delay="0"/>
+                            </p:stCondLst>
+                            <p:childTnLst>
+                              <p:par>
+                                <p:cTn id="13" presetID="1" presetClass="entr" presetSubtype="0" fill="hold" grpId="0" nodeType="clickEffect">
+                                  <p:stCondLst>
+                                    <p:cond delay="0"/>
+                                  </p:stCondLst>
+                                  <p:childTnLst>
+                                    <p:set>
+                                      <p:cBhvr>
+                                        <p:cTn id="14" dur="1" fill="hold">
+                                          <p:stCondLst>
+                                            <p:cond delay="0"/>
+                                          </p:stCondLst>
+                                        </p:cTn>
+                                        <p:tgtEl>
+                                          <p:spTgt spid="4">
+                                            <p:txEl>
+                                              <p:pRg st="2" end="2"/>
+                                            </p:txEl>
+                                          </p:spTgt>
+                                        </p:tgtEl>
+                                        <p:attrNameLst>
+                                          <p:attrName>style.visibility</p:attrName>
+                                        </p:attrNameLst>
+                                      </p:cBhvr>
+                                      <p:to>
+                                        <p:strVal val="visible"/>
+                                      </p:to>
+                                    </p:set>
+                                  </p:childTnLst>
+                                </p:cTn>
+                              </p:par>
+                            </p:childTnLst>
+                          </p:cTn>
+                        </p:par>
+                      </p:childTnLst>
+                    </p:cTn>
+                  </p:par>
+                  <p:par>
+                    <p:cTn id="15" fill="hold">
+                      <p:stCondLst>
+                        <p:cond delay="indefinite"/>
+                      </p:stCondLst>
+                      <p:childTnLst>
+                        <p:par>
+                          <p:cTn id="16" fill="hold">
+                            <p:stCondLst>
+                              <p:cond delay="0"/>
+                            </p:stCondLst>
+                            <p:childTnLst>
+                              <p:par>
+                                <p:cTn id="17" presetID="1" presetClass="entr" presetSubtype="0" fill="hold" grpId="0" nodeType="clickEffect">
+                                  <p:stCondLst>
+                                    <p:cond delay="0"/>
+                                  </p:stCondLst>
+                                  <p:childTnLst>
+                                    <p:set>
+                                      <p:cBhvr>
+                                        <p:cTn id="18" dur="1" fill="hold">
+                                          <p:stCondLst>
+                                            <p:cond delay="0"/>
+                                          </p:stCondLst>
+                                        </p:cTn>
+                                        <p:tgtEl>
+                                          <p:spTgt spid="4">
+                                            <p:txEl>
+                                              <p:pRg st="3" end="3"/>
+                                            </p:txEl>
+                                          </p:spTgt>
+                                        </p:tgtEl>
+                                        <p:attrNameLst>
+                                          <p:attrName>style.visibility</p:attrName>
+                                        </p:attrNameLst>
+                                      </p:cBhvr>
+                                      <p:to>
+                                        <p:strVal val="visible"/>
+                                      </p:to>
+                                    </p:set>
+                                  </p:childTnLst>
+                                </p:cTn>
+                              </p:par>
+                            </p:childTnLst>
+                          </p:cTn>
+                        </p:par>
+                      </p:childTnLst>
+                    </p:cTn>
+                  </p:par>
+                </p:childTnLst>
+              </p:cTn>
+              <p:prevCondLst>
+                <p:cond evt="onPrev" delay="0">
+                  <p:tgtEl>
+                    <p:sldTgt/>
+                  </p:tgtEl>
+                </p:cond>
+              </p:prevCondLst>
+              <p:nextCondLst>
+                <p:cond evt="onNext" delay="0">
+                  <p:tgtEl>
+                    <p:sldTgt/>
+                  </p:tgtEl>
+                </p:cond>
+              </p:nextCondLst>
+            </p:seq>
+          </p:childTnLst>
+        </p:cTn>
       </p:par>
     </p:tnLst>
+    <p:bldLst>
+      <p:bldP spid="4" grpId="0" build="p"/>
+    </p:bldLst>
   </p:timing>
 </p:sld>
 </file>
@@ -12156,13 +12314,8 @@
           <a:p>
             <a:r>
               <a:rPr lang="en-US" sz="2800" dirty="0" smtClean="0"/>
-              <a:t>Simple</a:t>
-            </a:r>
-            <a:r>
-              <a:rPr lang="en-US" sz="2800" dirty="0" smtClean="0"/>
-              <a:t> data types</a:t>
-            </a:r>
-            <a:endParaRPr lang="en-US" sz="2800" dirty="0" smtClean="0"/>
+              <a:t>Simple data types</a:t>
+            </a:r>
           </a:p>
           <a:p>
             <a:r>
@@ -12173,11 +12326,7 @@
           <a:p>
             <a:r>
               <a:rPr lang="en-US" sz="2800" dirty="0" smtClean="0"/>
-              <a:t>Creatin</a:t>
-            </a:r>
-            <a:r>
-              <a:rPr lang="en-US" sz="2800" dirty="0" smtClean="0"/>
-              <a:t>g Objects</a:t>
+              <a:t>Creating Objects</a:t>
             </a:r>
           </a:p>
           <a:p>
@@ -12191,7 +12340,6 @@
               <a:rPr lang="en-US" sz="2800" dirty="0" smtClean="0"/>
               <a:t>Constructor Vs. Prototype Methods</a:t>
             </a:r>
-            <a:endParaRPr lang="en-US" sz="2800" dirty="0" smtClean="0"/>
           </a:p>
         </p:txBody>
       </p:sp>
@@ -12349,520 +12497,6 @@
   <p:timing>
     <p:tnLst>
       <p:par>
-        <p:cTn xmlns:p14="http://schemas.microsoft.com/office/powerpoint/2010/main" id="1" dur="indefinite" restart="never" nodeType="tmRoot"/>
-      </p:par>
-    </p:tnLst>
-  </p:timing>
-</p:sld>
-</file>
-
-<file path=ppt/slides/slide21.xml><?xml version="1.0" encoding="utf-8"?>
-<p:sld xmlns:a="http://schemas.openxmlformats.org/drawingml/2006/main" xmlns:r="http://schemas.openxmlformats.org/officeDocument/2006/relationships" xmlns:p="http://schemas.openxmlformats.org/presentationml/2006/main">
-  <p:cSld>
-    <p:spTree>
-      <p:nvGrpSpPr>
-        <p:cNvPr id="1" name=""/>
-        <p:cNvGrpSpPr/>
-        <p:nvPr/>
-      </p:nvGrpSpPr>
-      <p:grpSpPr>
-        <a:xfrm>
-          <a:off x="0" y="0"/>
-          <a:ext cx="0" cy="0"/>
-          <a:chOff x="0" y="0"/>
-          <a:chExt cx="0" cy="0"/>
-        </a:xfrm>
-      </p:grpSpPr>
-      <p:sp>
-        <p:nvSpPr>
-          <p:cNvPr id="2" name="Title 1"/>
-          <p:cNvSpPr>
-            <a:spLocks noGrp="1"/>
-          </p:cNvSpPr>
-          <p:nvPr>
-            <p:ph type="title"/>
-          </p:nvPr>
-        </p:nvSpPr>
-        <p:spPr/>
-        <p:txBody>
-          <a:bodyPr/>
-          <a:lstStyle/>
-          <a:p>
-            <a:r>
-              <a:rPr lang="en-US" dirty="0" smtClean="0"/>
-              <a:t>Constructor Vs. Prototype Methods</a:t>
-            </a:r>
-            <a:endParaRPr lang="en-US" dirty="0"/>
-          </a:p>
-        </p:txBody>
-      </p:sp>
-      <p:sp>
-        <p:nvSpPr>
-          <p:cNvPr id="3" name="Text Placeholder 2"/>
-          <p:cNvSpPr>
-            <a:spLocks noGrp="1"/>
-          </p:cNvSpPr>
-          <p:nvPr>
-            <p:ph type="body" idx="1"/>
-          </p:nvPr>
-        </p:nvSpPr>
-        <p:spPr/>
-        <p:txBody>
-          <a:bodyPr/>
-          <a:lstStyle/>
-          <a:p>
-            <a:endParaRPr lang="en-US"/>
-          </a:p>
-        </p:txBody>
-      </p:sp>
-    </p:spTree>
-    <p:extLst>
-      <p:ext uri="{BB962C8B-B14F-4D97-AF65-F5344CB8AC3E}">
-        <p14:creationId xmlns:p14="http://schemas.microsoft.com/office/powerpoint/2010/main" val="893729798"/>
-      </p:ext>
-    </p:extLst>
-  </p:cSld>
-  <p:clrMapOvr>
-    <a:masterClrMapping/>
-  </p:clrMapOvr>
-</p:sld>
-</file>
-
-<file path=ppt/slides/slide22.xml><?xml version="1.0" encoding="utf-8"?>
-<p:sld xmlns:a="http://schemas.openxmlformats.org/drawingml/2006/main" xmlns:r="http://schemas.openxmlformats.org/officeDocument/2006/relationships" xmlns:p="http://schemas.openxmlformats.org/presentationml/2006/main">
-  <p:cSld>
-    <p:spTree>
-      <p:nvGrpSpPr>
-        <p:cNvPr id="1" name=""/>
-        <p:cNvGrpSpPr/>
-        <p:nvPr/>
-      </p:nvGrpSpPr>
-      <p:grpSpPr>
-        <a:xfrm>
-          <a:off x="0" y="0"/>
-          <a:ext cx="0" cy="0"/>
-          <a:chOff x="0" y="0"/>
-          <a:chExt cx="0" cy="0"/>
-        </a:xfrm>
-      </p:grpSpPr>
-      <p:sp>
-        <p:nvSpPr>
-          <p:cNvPr id="2" name="Title 1"/>
-          <p:cNvSpPr>
-            <a:spLocks noGrp="1"/>
-          </p:cNvSpPr>
-          <p:nvPr>
-            <p:ph type="title"/>
-          </p:nvPr>
-        </p:nvSpPr>
-        <p:spPr/>
-        <p:txBody>
-          <a:bodyPr/>
-          <a:lstStyle/>
-          <a:p>
-            <a:r>
-              <a:rPr lang="en-US" dirty="0"/>
-              <a:t>Constructor Vs. Prototype </a:t>
-            </a:r>
-            <a:r>
-              <a:rPr lang="en-US" dirty="0" smtClean="0"/>
-              <a:t>Methods</a:t>
-            </a:r>
-            <a:endParaRPr lang="en-US" dirty="0"/>
-          </a:p>
-        </p:txBody>
-      </p:sp>
-      <p:sp>
-        <p:nvSpPr>
-          <p:cNvPr id="6" name="Rectangle 2"/>
-          <p:cNvSpPr>
-            <a:spLocks noChangeArrowheads="1"/>
-          </p:cNvSpPr>
-          <p:nvPr/>
-        </p:nvSpPr>
-        <p:spPr bwMode="auto">
-          <a:xfrm>
-            <a:off x="787400" y="2586772"/>
-            <a:ext cx="9702800" cy="3477875"/>
-          </a:xfrm>
-          <a:prstGeom prst="rect">
-            <a:avLst/>
-          </a:prstGeom>
-          <a:noFill/>
-          <a:ln>
-            <a:noFill/>
-          </a:ln>
-          <a:effectLst/>
-          <a:extLst>
-            <a:ext uri="{909E8E84-426E-40dd-AFC4-6F175D3DCCD1}">
-              <a14:hiddenFill xmlns:a14="http://schemas.microsoft.com/office/drawing/2010/main">
-                <a:solidFill>
-                  <a:schemeClr val="accent1"/>
-                </a:solidFill>
-              </a14:hiddenFill>
-            </a:ext>
-            <a:ext uri="{91240B29-F687-4f45-9708-019B960494DF}">
-              <a14:hiddenLine xmlns:a14="http://schemas.microsoft.com/office/drawing/2010/main" w="9525">
-                <a:solidFill>
-                  <a:schemeClr val="tx1"/>
-                </a:solidFill>
-                <a:miter lim="800000"/>
-                <a:headEnd/>
-                <a:tailEnd/>
-              </a14:hiddenLine>
-            </a:ext>
-            <a:ext uri="{AF507438-7753-43e0-B8FC-AC1667EBCBE1}">
-              <a14:hiddenEffects xmlns:a14="http://schemas.microsoft.com/office/drawing/2010/main">
-                <a:effectLst>
-                  <a:outerShdw dist="35921" dir="2700000" algn="ctr" rotWithShape="0">
-                    <a:schemeClr val="bg2"/>
-                  </a:outerShdw>
-                </a:effectLst>
-              </a14:hiddenEffects>
-            </a:ext>
-          </a:extLst>
-        </p:spPr>
-        <p:txBody>
-          <a:bodyPr vert="horz" wrap="square" lIns="91440" tIns="45720" rIns="91440" bIns="45720" numCol="1" anchor="ctr" anchorCtr="0" compatLnSpc="1">
-            <a:prstTxWarp prst="textNoShape">
-              <a:avLst/>
-            </a:prstTxWarp>
-            <a:spAutoFit/>
-          </a:bodyPr>
-          <a:lstStyle/>
-          <a:p>
-            <a:pPr lvl="0" defTabSz="914400" eaLnBrk="0" fontAlgn="base" hangingPunct="0">
-              <a:spcBef>
-                <a:spcPct val="0"/>
-              </a:spcBef>
-              <a:spcAft>
-                <a:spcPct val="0"/>
-              </a:spcAft>
-            </a:pPr>
-            <a:r>
-              <a:rPr lang="en-US" altLang="en-US" sz="2000" dirty="0">
-                <a:latin typeface="Consolas" panose="020B0609020204030204" pitchFamily="49" charset="0"/>
-                <a:cs typeface="Consolas" panose="020B0609020204030204" pitchFamily="49" charset="0"/>
-              </a:rPr>
-              <a:t>function Car() {</a:t>
-            </a:r>
-          </a:p>
-          <a:p>
-            <a:pPr lvl="0" defTabSz="914400" eaLnBrk="0" fontAlgn="base" hangingPunct="0">
-              <a:spcBef>
-                <a:spcPct val="0"/>
-              </a:spcBef>
-              <a:spcAft>
-                <a:spcPct val="0"/>
-              </a:spcAft>
-            </a:pPr>
-            <a:r>
-              <a:rPr lang="en-US" altLang="en-US" sz="2000" dirty="0" smtClean="0">
-                <a:latin typeface="Consolas" panose="020B0609020204030204" pitchFamily="49" charset="0"/>
-                <a:cs typeface="Consolas" panose="020B0609020204030204" pitchFamily="49" charset="0"/>
-              </a:rPr>
-              <a:t>	</a:t>
-            </a:r>
-            <a:r>
-              <a:rPr lang="en-US" altLang="en-US" sz="2000" dirty="0" err="1" smtClean="0">
-                <a:latin typeface="Consolas" panose="020B0609020204030204" pitchFamily="49" charset="0"/>
-                <a:cs typeface="Consolas" panose="020B0609020204030204" pitchFamily="49" charset="0"/>
-              </a:rPr>
-              <a:t>this.color</a:t>
-            </a:r>
-            <a:r>
-              <a:rPr lang="en-US" altLang="en-US" sz="2000" dirty="0" smtClean="0">
-                <a:latin typeface="Consolas" panose="020B0609020204030204" pitchFamily="49" charset="0"/>
-                <a:cs typeface="Consolas" panose="020B0609020204030204" pitchFamily="49" charset="0"/>
-              </a:rPr>
-              <a:t> </a:t>
-            </a:r>
-            <a:r>
-              <a:rPr lang="en-US" altLang="en-US" sz="2000" dirty="0">
-                <a:latin typeface="Consolas" panose="020B0609020204030204" pitchFamily="49" charset="0"/>
-                <a:cs typeface="Consolas" panose="020B0609020204030204" pitchFamily="49" charset="0"/>
-              </a:rPr>
-              <a:t>= "red";</a:t>
-            </a:r>
-          </a:p>
-          <a:p>
-            <a:pPr lvl="0" defTabSz="914400" eaLnBrk="0" fontAlgn="base" hangingPunct="0">
-              <a:spcBef>
-                <a:spcPct val="0"/>
-              </a:spcBef>
-              <a:spcAft>
-                <a:spcPct val="0"/>
-              </a:spcAft>
-            </a:pPr>
-            <a:r>
-              <a:rPr lang="en-US" altLang="en-US" sz="2000" dirty="0" smtClean="0">
-                <a:latin typeface="Consolas" panose="020B0609020204030204" pitchFamily="49" charset="0"/>
-                <a:cs typeface="Consolas" panose="020B0609020204030204" pitchFamily="49" charset="0"/>
-              </a:rPr>
-              <a:t>	</a:t>
-            </a:r>
-            <a:r>
-              <a:rPr lang="en-US" altLang="en-US" sz="2000" dirty="0" err="1" smtClean="0">
-                <a:latin typeface="Consolas" panose="020B0609020204030204" pitchFamily="49" charset="0"/>
-                <a:cs typeface="Consolas" panose="020B0609020204030204" pitchFamily="49" charset="0"/>
-              </a:rPr>
-              <a:t>this.speed</a:t>
-            </a:r>
-            <a:r>
-              <a:rPr lang="en-US" altLang="en-US" sz="2000" dirty="0" smtClean="0">
-                <a:latin typeface="Consolas" panose="020B0609020204030204" pitchFamily="49" charset="0"/>
-                <a:cs typeface="Consolas" panose="020B0609020204030204" pitchFamily="49" charset="0"/>
-              </a:rPr>
-              <a:t> </a:t>
-            </a:r>
-            <a:r>
-              <a:rPr lang="en-US" altLang="en-US" sz="2000" dirty="0">
-                <a:latin typeface="Consolas" panose="020B0609020204030204" pitchFamily="49" charset="0"/>
-                <a:cs typeface="Consolas" panose="020B0609020204030204" pitchFamily="49" charset="0"/>
-              </a:rPr>
-              <a:t>= 0;</a:t>
-            </a:r>
-          </a:p>
-          <a:p>
-            <a:pPr lvl="0" defTabSz="914400" eaLnBrk="0" fontAlgn="base" hangingPunct="0">
-              <a:spcBef>
-                <a:spcPct val="0"/>
-              </a:spcBef>
-              <a:spcAft>
-                <a:spcPct val="0"/>
-              </a:spcAft>
-            </a:pPr>
-            <a:r>
-              <a:rPr lang="en-US" altLang="en-US" sz="2000" dirty="0" smtClean="0">
-                <a:latin typeface="Consolas" panose="020B0609020204030204" pitchFamily="49" charset="0"/>
-                <a:cs typeface="Consolas" panose="020B0609020204030204" pitchFamily="49" charset="0"/>
-              </a:rPr>
-              <a:t>	</a:t>
-            </a:r>
-            <a:r>
-              <a:rPr lang="en-US" altLang="en-US" sz="2000" dirty="0" err="1" smtClean="0">
-                <a:latin typeface="Consolas" panose="020B0609020204030204" pitchFamily="49" charset="0"/>
-                <a:cs typeface="Consolas" panose="020B0609020204030204" pitchFamily="49" charset="0"/>
-              </a:rPr>
-              <a:t>this.accelerate</a:t>
-            </a:r>
-            <a:r>
-              <a:rPr lang="en-US" altLang="en-US" sz="2000" dirty="0" smtClean="0">
-                <a:latin typeface="Consolas" panose="020B0609020204030204" pitchFamily="49" charset="0"/>
-                <a:cs typeface="Consolas" panose="020B0609020204030204" pitchFamily="49" charset="0"/>
-              </a:rPr>
-              <a:t> </a:t>
-            </a:r>
-            <a:r>
-              <a:rPr lang="en-US" altLang="en-US" sz="2000" dirty="0">
-                <a:latin typeface="Consolas" panose="020B0609020204030204" pitchFamily="49" charset="0"/>
-                <a:cs typeface="Consolas" panose="020B0609020204030204" pitchFamily="49" charset="0"/>
-              </a:rPr>
-              <a:t>= function (){</a:t>
-            </a:r>
-          </a:p>
-          <a:p>
-            <a:pPr lvl="0" defTabSz="914400" eaLnBrk="0" fontAlgn="base" hangingPunct="0">
-              <a:spcBef>
-                <a:spcPct val="0"/>
-              </a:spcBef>
-              <a:spcAft>
-                <a:spcPct val="0"/>
-              </a:spcAft>
-            </a:pPr>
-            <a:r>
-              <a:rPr lang="en-US" altLang="en-US" sz="2000" dirty="0" smtClean="0">
-                <a:latin typeface="Consolas" panose="020B0609020204030204" pitchFamily="49" charset="0"/>
-                <a:cs typeface="Consolas" panose="020B0609020204030204" pitchFamily="49" charset="0"/>
-              </a:rPr>
-              <a:t>		</a:t>
-            </a:r>
-            <a:r>
-              <a:rPr lang="en-US" altLang="en-US" sz="2000" dirty="0" err="1" smtClean="0">
-                <a:latin typeface="Consolas" panose="020B0609020204030204" pitchFamily="49" charset="0"/>
-                <a:cs typeface="Consolas" panose="020B0609020204030204" pitchFamily="49" charset="0"/>
-              </a:rPr>
-              <a:t>this.speed</a:t>
-            </a:r>
-            <a:r>
-              <a:rPr lang="en-US" altLang="en-US" sz="2000" dirty="0" smtClean="0">
-                <a:latin typeface="Consolas" panose="020B0609020204030204" pitchFamily="49" charset="0"/>
-                <a:cs typeface="Consolas" panose="020B0609020204030204" pitchFamily="49" charset="0"/>
-              </a:rPr>
-              <a:t> </a:t>
-            </a:r>
-            <a:r>
-              <a:rPr lang="en-US" altLang="en-US" sz="2000" dirty="0">
-                <a:latin typeface="Consolas" panose="020B0609020204030204" pitchFamily="49" charset="0"/>
-                <a:cs typeface="Consolas" panose="020B0609020204030204" pitchFamily="49" charset="0"/>
-              </a:rPr>
-              <a:t>+= 1;</a:t>
-            </a:r>
-          </a:p>
-          <a:p>
-            <a:pPr lvl="1" defTabSz="914400" eaLnBrk="0" fontAlgn="base" hangingPunct="0">
-              <a:spcBef>
-                <a:spcPct val="0"/>
-              </a:spcBef>
-              <a:spcAft>
-                <a:spcPct val="0"/>
-              </a:spcAft>
-            </a:pPr>
-            <a:r>
-              <a:rPr lang="en-US" altLang="en-US" sz="2000" dirty="0" smtClean="0">
-                <a:latin typeface="Consolas" panose="020B0609020204030204" pitchFamily="49" charset="0"/>
-                <a:cs typeface="Consolas" panose="020B0609020204030204" pitchFamily="49" charset="0"/>
-              </a:rPr>
-              <a:t>	}</a:t>
-            </a:r>
-            <a:endParaRPr lang="en-US" altLang="en-US" sz="2000" dirty="0">
-              <a:latin typeface="Consolas" panose="020B0609020204030204" pitchFamily="49" charset="0"/>
-              <a:cs typeface="Consolas" panose="020B0609020204030204" pitchFamily="49" charset="0"/>
-            </a:endParaRPr>
-          </a:p>
-          <a:p>
-            <a:pPr lvl="0" defTabSz="914400" eaLnBrk="0" fontAlgn="base" hangingPunct="0">
-              <a:spcBef>
-                <a:spcPct val="0"/>
-              </a:spcBef>
-              <a:spcAft>
-                <a:spcPct val="0"/>
-              </a:spcAft>
-            </a:pPr>
-            <a:r>
-              <a:rPr lang="en-US" altLang="en-US" sz="2000" dirty="0" smtClean="0">
-                <a:latin typeface="Consolas" panose="020B0609020204030204" pitchFamily="49" charset="0"/>
-                <a:cs typeface="Consolas" panose="020B0609020204030204" pitchFamily="49" charset="0"/>
-              </a:rPr>
-              <a:t>}</a:t>
-            </a:r>
-            <a:endParaRPr lang="en-US" altLang="en-US" sz="2000" dirty="0">
-              <a:latin typeface="Consolas" panose="020B0609020204030204" pitchFamily="49" charset="0"/>
-              <a:cs typeface="Consolas" panose="020B0609020204030204" pitchFamily="49" charset="0"/>
-            </a:endParaRPr>
-          </a:p>
-          <a:p>
-            <a:pPr lvl="0" defTabSz="914400" eaLnBrk="0" fontAlgn="base" hangingPunct="0">
-              <a:spcBef>
-                <a:spcPct val="0"/>
-              </a:spcBef>
-              <a:spcAft>
-                <a:spcPct val="0"/>
-              </a:spcAft>
-            </a:pPr>
-            <a:endParaRPr lang="en-US" altLang="en-US" sz="2000" dirty="0">
-              <a:latin typeface="Consolas" panose="020B0609020204030204" pitchFamily="49" charset="0"/>
-              <a:cs typeface="Consolas" panose="020B0609020204030204" pitchFamily="49" charset="0"/>
-            </a:endParaRPr>
-          </a:p>
-          <a:p>
-            <a:pPr lvl="0" defTabSz="914400" eaLnBrk="0" fontAlgn="base" hangingPunct="0">
-              <a:spcBef>
-                <a:spcPct val="0"/>
-              </a:spcBef>
-              <a:spcAft>
-                <a:spcPct val="0"/>
-              </a:spcAft>
-            </a:pPr>
-            <a:r>
-              <a:rPr lang="en-US" altLang="en-US" sz="2000" dirty="0" err="1" smtClean="0">
-                <a:latin typeface="Consolas" panose="020B0609020204030204" pitchFamily="49" charset="0"/>
-                <a:cs typeface="Consolas" panose="020B0609020204030204" pitchFamily="49" charset="0"/>
-              </a:rPr>
-              <a:t>Car.prototype.accelerate</a:t>
-            </a:r>
-            <a:r>
-              <a:rPr lang="en-US" altLang="en-US" sz="2000" dirty="0" smtClean="0">
-                <a:latin typeface="Consolas" panose="020B0609020204030204" pitchFamily="49" charset="0"/>
-                <a:cs typeface="Consolas" panose="020B0609020204030204" pitchFamily="49" charset="0"/>
-              </a:rPr>
-              <a:t> </a:t>
-            </a:r>
-            <a:r>
-              <a:rPr lang="en-US" altLang="en-US" sz="2000" dirty="0">
-                <a:latin typeface="Consolas" panose="020B0609020204030204" pitchFamily="49" charset="0"/>
-                <a:cs typeface="Consolas" panose="020B0609020204030204" pitchFamily="49" charset="0"/>
-              </a:rPr>
-              <a:t>= function (){</a:t>
-            </a:r>
-          </a:p>
-          <a:p>
-            <a:pPr lvl="0" defTabSz="914400" eaLnBrk="0" fontAlgn="base" hangingPunct="0">
-              <a:spcBef>
-                <a:spcPct val="0"/>
-              </a:spcBef>
-              <a:spcAft>
-                <a:spcPct val="0"/>
-              </a:spcAft>
-            </a:pPr>
-            <a:r>
-              <a:rPr lang="en-US" altLang="en-US" sz="2000" dirty="0" smtClean="0">
-                <a:latin typeface="Consolas" panose="020B0609020204030204" pitchFamily="49" charset="0"/>
-                <a:cs typeface="Consolas" panose="020B0609020204030204" pitchFamily="49" charset="0"/>
-              </a:rPr>
-              <a:t>	</a:t>
-            </a:r>
-            <a:r>
-              <a:rPr lang="en-US" altLang="en-US" sz="2000" dirty="0" err="1" smtClean="0">
-                <a:latin typeface="Consolas" panose="020B0609020204030204" pitchFamily="49" charset="0"/>
-                <a:cs typeface="Consolas" panose="020B0609020204030204" pitchFamily="49" charset="0"/>
-              </a:rPr>
-              <a:t>this.speed</a:t>
-            </a:r>
-            <a:r>
-              <a:rPr lang="en-US" altLang="en-US" sz="2000" dirty="0" smtClean="0">
-                <a:latin typeface="Consolas" panose="020B0609020204030204" pitchFamily="49" charset="0"/>
-                <a:cs typeface="Consolas" panose="020B0609020204030204" pitchFamily="49" charset="0"/>
-              </a:rPr>
-              <a:t> </a:t>
-            </a:r>
-            <a:r>
-              <a:rPr lang="en-US" altLang="en-US" sz="2000" dirty="0">
-                <a:latin typeface="Consolas" panose="020B0609020204030204" pitchFamily="49" charset="0"/>
-                <a:cs typeface="Consolas" panose="020B0609020204030204" pitchFamily="49" charset="0"/>
-              </a:rPr>
-              <a:t>+= 1;	</a:t>
-            </a:r>
-          </a:p>
-          <a:p>
-            <a:pPr lvl="0" defTabSz="914400" eaLnBrk="0" fontAlgn="base" hangingPunct="0">
-              <a:spcBef>
-                <a:spcPct val="0"/>
-              </a:spcBef>
-              <a:spcAft>
-                <a:spcPct val="0"/>
-              </a:spcAft>
-            </a:pPr>
-            <a:r>
-              <a:rPr lang="en-US" altLang="en-US" sz="2000" dirty="0" smtClean="0">
-                <a:latin typeface="Consolas" panose="020B0609020204030204" pitchFamily="49" charset="0"/>
-                <a:cs typeface="Consolas" panose="020B0609020204030204" pitchFamily="49" charset="0"/>
-              </a:rPr>
-              <a:t>}</a:t>
-            </a:r>
-            <a:r>
-              <a:rPr lang="en-US" altLang="en-US" sz="2000" dirty="0">
-                <a:latin typeface="Consolas" panose="020B0609020204030204" pitchFamily="49" charset="0"/>
-                <a:cs typeface="Consolas" panose="020B0609020204030204" pitchFamily="49" charset="0"/>
-              </a:rPr>
-              <a:t>;</a:t>
-            </a:r>
-          </a:p>
-        </p:txBody>
-      </p:sp>
-    </p:spTree>
-    <p:extLst>
-      <p:ext uri="{BB962C8B-B14F-4D97-AF65-F5344CB8AC3E}">
-        <p14:creationId xmlns:p14="http://schemas.microsoft.com/office/powerpoint/2010/main" val="422507294"/>
-      </p:ext>
-    </p:extLst>
-  </p:cSld>
-  <p:clrMapOvr>
-    <a:masterClrMapping/>
-  </p:clrMapOvr>
-  <p:timing>
-    <p:tnLst>
-      <p:par>
         <p:cTn xmlns:p14="http://schemas.microsoft.com/office/powerpoint/2010/main" id="1" dur="indefinite" restart="never" nodeType="tmRoot">
           <p:childTnLst>
             <p:seq concurrent="1" nextAc="seek">
@@ -12894,7 +12528,7 @@
                                           </p:stCondLst>
                                         </p:cTn>
                                         <p:tgtEl>
-                                          <p:spTgt spid="6">
+                                          <p:spTgt spid="4">
                                             <p:txEl>
                                               <p:pRg st="0" end="0"/>
                                             </p:txEl>
@@ -12943,7 +12577,7 @@
                                           </p:stCondLst>
                                         </p:cTn>
                                         <p:tgtEl>
-                                          <p:spTgt spid="6">
+                                          <p:spTgt spid="4">
                                             <p:txEl>
                                               <p:pRg st="1" end="1"/>
                                             </p:txEl>
@@ -12958,6 +12592,26 @@
                                       </p:to>
                                     </p:set>
                                   </p:childTnLst>
+                                  <p:subTnLst>
+                                    <p:animClr clrSpc="rgb" dir="cw">
+                                      <p:cBhvr override="childStyle">
+                                        <p:cTn dur="1" fill="hold" display="0" masterRel="nextClick" afterEffect="1"/>
+                                        <p:tgtEl>
+                                          <p:spTgt spid="4">
+                                            <p:txEl>
+                                              <p:pRg st="1" end="1"/>
+                                            </p:txEl>
+                                          </p:spTgt>
+                                        </p:tgtEl>
+                                        <p:attrNameLst>
+                                          <p:attrName>ppt_c</p:attrName>
+                                        </p:attrNameLst>
+                                      </p:cBhvr>
+                                      <p:to>
+                                        <a:schemeClr val="tx2"/>
+                                      </p:to>
+                                    </p:animClr>
+                                  </p:subTnLst>
                                 </p:cTn>
                               </p:par>
                             </p:childTnLst>
@@ -12992,7 +12646,7 @@
                                           </p:stCondLst>
                                         </p:cTn>
                                         <p:tgtEl>
-                                          <p:spTgt spid="6">
+                                          <p:spTgt spid="4">
                                             <p:txEl>
                                               <p:pRg st="2" end="2"/>
                                             </p:txEl>
@@ -13007,6 +12661,26 @@
                                       </p:to>
                                     </p:set>
                                   </p:childTnLst>
+                                  <p:subTnLst>
+                                    <p:animClr clrSpc="rgb" dir="cw">
+                                      <p:cBhvr override="childStyle">
+                                        <p:cTn dur="1" fill="hold" display="0" masterRel="nextClick" afterEffect="1"/>
+                                        <p:tgtEl>
+                                          <p:spTgt spid="4">
+                                            <p:txEl>
+                                              <p:pRg st="2" end="2"/>
+                                            </p:txEl>
+                                          </p:spTgt>
+                                        </p:tgtEl>
+                                        <p:attrNameLst>
+                                          <p:attrName>ppt_c</p:attrName>
+                                        </p:attrNameLst>
+                                      </p:cBhvr>
+                                      <p:to>
+                                        <a:schemeClr val="tx2"/>
+                                      </p:to>
+                                    </p:animClr>
+                                  </p:subTnLst>
                                 </p:cTn>
                               </p:par>
                             </p:childTnLst>
@@ -13041,9 +12715,932 @@
                                           </p:stCondLst>
                                         </p:cTn>
                                         <p:tgtEl>
+                                          <p:spTgt spid="4">
+                                            <p:txEl>
+                                              <p:pRg st="3" end="3"/>
+                                            </p:txEl>
+                                          </p:spTgt>
+                                        </p:tgtEl>
+                                        <p:attrNameLst>
+                                          <p:attrName>style.visibility</p:attrName>
+                                        </p:attrNameLst>
+                                      </p:cBhvr>
+                                      <p:to>
+                                        <p:strVal val="visible"/>
+                                      </p:to>
+                                    </p:set>
+                                  </p:childTnLst>
+                                  <p:subTnLst>
+                                    <p:animClr clrSpc="rgb" dir="cw">
+                                      <p:cBhvr override="childStyle">
+                                        <p:cTn dur="1" fill="hold" display="0" masterRel="nextClick" afterEffect="1"/>
+                                        <p:tgtEl>
+                                          <p:spTgt spid="4">
+                                            <p:txEl>
+                                              <p:pRg st="3" end="3"/>
+                                            </p:txEl>
+                                          </p:spTgt>
+                                        </p:tgtEl>
+                                        <p:attrNameLst>
+                                          <p:attrName>ppt_c</p:attrName>
+                                        </p:attrNameLst>
+                                      </p:cBhvr>
+                                      <p:to>
+                                        <a:schemeClr val="tx2"/>
+                                      </p:to>
+                                    </p:animClr>
+                                  </p:subTnLst>
+                                </p:cTn>
+                              </p:par>
+                            </p:childTnLst>
+                          </p:cTn>
+                        </p:par>
+                      </p:childTnLst>
+                    </p:cTn>
+                  </p:par>
+                  <p:par>
+                    <p:cTn id="19" fill="hold">
+                      <p:stCondLst>
+                        <p:cond delay="indefinite"/>
+                      </p:stCondLst>
+                      <p:childTnLst>
+                        <p:par>
+                          <p:cTn id="20" fill="hold">
+                            <p:stCondLst>
+                              <p:cond delay="0"/>
+                            </p:stCondLst>
+                            <p:childTnLst>
+                              <p:par>
+                                <p:cTn id="21" presetID="1" presetClass="entr" presetSubtype="0" fill="hold" grpId="0" nodeType="clickEffect">
+                                  <p:stCondLst>
+                                    <p:cond delay="0"/>
+                                  </p:stCondLst>
+                                  <p:childTnLst>
+                                    <p:set>
+                                      <p:cBhvr>
+                                        <p:cTn id="22" dur="1" fill="hold">
+                                          <p:stCondLst>
+                                            <p:cond delay="0"/>
+                                          </p:stCondLst>
+                                        </p:cTn>
+                                        <p:tgtEl>
+                                          <p:spTgt spid="4">
+                                            <p:txEl>
+                                              <p:pRg st="4" end="4"/>
+                                            </p:txEl>
+                                          </p:spTgt>
+                                        </p:tgtEl>
+                                        <p:attrNameLst>
+                                          <p:attrName>style.visibility</p:attrName>
+                                        </p:attrNameLst>
+                                      </p:cBhvr>
+                                      <p:to>
+                                        <p:strVal val="visible"/>
+                                      </p:to>
+                                    </p:set>
+                                  </p:childTnLst>
+                                  <p:subTnLst>
+                                    <p:animClr clrSpc="rgb" dir="cw">
+                                      <p:cBhvr override="childStyle">
+                                        <p:cTn dur="1" fill="hold" display="0" masterRel="nextClick" afterEffect="1"/>
+                                        <p:tgtEl>
+                                          <p:spTgt spid="4">
+                                            <p:txEl>
+                                              <p:pRg st="4" end="4"/>
+                                            </p:txEl>
+                                          </p:spTgt>
+                                        </p:tgtEl>
+                                        <p:attrNameLst>
+                                          <p:attrName>ppt_c</p:attrName>
+                                        </p:attrNameLst>
+                                      </p:cBhvr>
+                                      <p:to>
+                                        <a:schemeClr val="tx2"/>
+                                      </p:to>
+                                    </p:animClr>
+                                  </p:subTnLst>
+                                </p:cTn>
+                              </p:par>
+                            </p:childTnLst>
+                          </p:cTn>
+                        </p:par>
+                      </p:childTnLst>
+                    </p:cTn>
+                  </p:par>
+                  <p:par>
+                    <p:cTn id="23" fill="hold">
+                      <p:stCondLst>
+                        <p:cond delay="indefinite"/>
+                      </p:stCondLst>
+                      <p:childTnLst>
+                        <p:par>
+                          <p:cTn id="24" fill="hold">
+                            <p:stCondLst>
+                              <p:cond delay="0"/>
+                            </p:stCondLst>
+                            <p:childTnLst>
+                              <p:par>
+                                <p:cTn id="25" presetID="1" presetClass="entr" presetSubtype="0" fill="hold" grpId="0" nodeType="clickEffect">
+                                  <p:stCondLst>
+                                    <p:cond delay="0"/>
+                                  </p:stCondLst>
+                                  <p:childTnLst>
+                                    <p:set>
+                                      <p:cBhvr>
+                                        <p:cTn id="26" dur="1" fill="hold">
+                                          <p:stCondLst>
+                                            <p:cond delay="0"/>
+                                          </p:stCondLst>
+                                        </p:cTn>
+                                        <p:tgtEl>
+                                          <p:spTgt spid="4">
+                                            <p:txEl>
+                                              <p:pRg st="6" end="6"/>
+                                            </p:txEl>
+                                          </p:spTgt>
+                                        </p:tgtEl>
+                                        <p:attrNameLst>
+                                          <p:attrName>style.visibility</p:attrName>
+                                        </p:attrNameLst>
+                                      </p:cBhvr>
+                                      <p:to>
+                                        <p:strVal val="visible"/>
+                                      </p:to>
+                                    </p:set>
+                                  </p:childTnLst>
+                                </p:cTn>
+                              </p:par>
+                            </p:childTnLst>
+                          </p:cTn>
+                        </p:par>
+                      </p:childTnLst>
+                    </p:cTn>
+                  </p:par>
+                </p:childTnLst>
+              </p:cTn>
+              <p:prevCondLst>
+                <p:cond evt="onPrev" delay="0">
+                  <p:tgtEl>
+                    <p:sldTgt/>
+                  </p:tgtEl>
+                </p:cond>
+              </p:prevCondLst>
+              <p:nextCondLst>
+                <p:cond evt="onNext" delay="0">
+                  <p:tgtEl>
+                    <p:sldTgt/>
+                  </p:tgtEl>
+                </p:cond>
+              </p:nextCondLst>
+            </p:seq>
+          </p:childTnLst>
+        </p:cTn>
+      </p:par>
+    </p:tnLst>
+    <p:bldLst>
+      <p:bldP spid="4" grpId="0" build="p"/>
+    </p:bldLst>
+  </p:timing>
+</p:sld>
+</file>
+
+<file path=ppt/slides/slide21.xml><?xml version="1.0" encoding="utf-8"?>
+<p:sld xmlns:a="http://schemas.openxmlformats.org/drawingml/2006/main" xmlns:r="http://schemas.openxmlformats.org/officeDocument/2006/relationships" xmlns:p="http://schemas.openxmlformats.org/presentationml/2006/main">
+  <p:cSld>
+    <p:spTree>
+      <p:nvGrpSpPr>
+        <p:cNvPr id="1" name=""/>
+        <p:cNvGrpSpPr/>
+        <p:nvPr/>
+      </p:nvGrpSpPr>
+      <p:grpSpPr>
+        <a:xfrm>
+          <a:off x="0" y="0"/>
+          <a:ext cx="0" cy="0"/>
+          <a:chOff x="0" y="0"/>
+          <a:chExt cx="0" cy="0"/>
+        </a:xfrm>
+      </p:grpSpPr>
+      <p:sp>
+        <p:nvSpPr>
+          <p:cNvPr id="2" name="Title 1"/>
+          <p:cNvSpPr>
+            <a:spLocks noGrp="1"/>
+          </p:cNvSpPr>
+          <p:nvPr>
+            <p:ph type="title"/>
+          </p:nvPr>
+        </p:nvSpPr>
+        <p:spPr/>
+        <p:txBody>
+          <a:bodyPr/>
+          <a:lstStyle/>
+          <a:p>
+            <a:r>
+              <a:rPr lang="en-US" dirty="0" smtClean="0"/>
+              <a:t>Constructor Vs. Prototype Methods</a:t>
+            </a:r>
+            <a:endParaRPr lang="en-US" dirty="0"/>
+          </a:p>
+        </p:txBody>
+      </p:sp>
+      <p:sp>
+        <p:nvSpPr>
+          <p:cNvPr id="3" name="Text Placeholder 2"/>
+          <p:cNvSpPr>
+            <a:spLocks noGrp="1"/>
+          </p:cNvSpPr>
+          <p:nvPr>
+            <p:ph type="body" idx="1"/>
+          </p:nvPr>
+        </p:nvSpPr>
+        <p:spPr/>
+        <p:txBody>
+          <a:bodyPr/>
+          <a:lstStyle/>
+          <a:p>
+            <a:endParaRPr lang="en-US"/>
+          </a:p>
+        </p:txBody>
+      </p:sp>
+    </p:spTree>
+    <p:extLst>
+      <p:ext uri="{BB962C8B-B14F-4D97-AF65-F5344CB8AC3E}">
+        <p14:creationId xmlns:p14="http://schemas.microsoft.com/office/powerpoint/2010/main" val="893729798"/>
+      </p:ext>
+    </p:extLst>
+  </p:cSld>
+  <p:clrMapOvr>
+    <a:masterClrMapping/>
+  </p:clrMapOvr>
+  <p:timing>
+    <p:tnLst>
+      <p:par>
+        <p:cTn xmlns:p14="http://schemas.microsoft.com/office/powerpoint/2010/main" id="1" dur="indefinite" restart="never" nodeType="tmRoot"/>
+      </p:par>
+    </p:tnLst>
+  </p:timing>
+</p:sld>
+</file>
+
+<file path=ppt/slides/slide22.xml><?xml version="1.0" encoding="utf-8"?>
+<p:sld xmlns:a="http://schemas.openxmlformats.org/drawingml/2006/main" xmlns:r="http://schemas.openxmlformats.org/officeDocument/2006/relationships" xmlns:p="http://schemas.openxmlformats.org/presentationml/2006/main">
+  <p:cSld>
+    <p:spTree>
+      <p:nvGrpSpPr>
+        <p:cNvPr id="1" name=""/>
+        <p:cNvGrpSpPr/>
+        <p:nvPr/>
+      </p:nvGrpSpPr>
+      <p:grpSpPr>
+        <a:xfrm>
+          <a:off x="0" y="0"/>
+          <a:ext cx="0" cy="0"/>
+          <a:chOff x="0" y="0"/>
+          <a:chExt cx="0" cy="0"/>
+        </a:xfrm>
+      </p:grpSpPr>
+      <p:sp>
+        <p:nvSpPr>
+          <p:cNvPr id="2" name="Title 1"/>
+          <p:cNvSpPr>
+            <a:spLocks noGrp="1"/>
+          </p:cNvSpPr>
+          <p:nvPr>
+            <p:ph type="title"/>
+          </p:nvPr>
+        </p:nvSpPr>
+        <p:spPr/>
+        <p:txBody>
+          <a:bodyPr/>
+          <a:lstStyle/>
+          <a:p>
+            <a:r>
+              <a:rPr lang="en-US" dirty="0"/>
+              <a:t>Constructor Vs. Prototype </a:t>
+            </a:r>
+            <a:r>
+              <a:rPr lang="en-US" dirty="0" smtClean="0"/>
+              <a:t>Methods</a:t>
+            </a:r>
+            <a:endParaRPr lang="en-US" dirty="0"/>
+          </a:p>
+        </p:txBody>
+      </p:sp>
+      <p:sp>
+        <p:nvSpPr>
+          <p:cNvPr id="6" name="Rectangle 2"/>
+          <p:cNvSpPr>
+            <a:spLocks noChangeArrowheads="1"/>
+          </p:cNvSpPr>
+          <p:nvPr/>
+        </p:nvSpPr>
+        <p:spPr bwMode="auto">
+          <a:xfrm>
+            <a:off x="787400" y="1855015"/>
+            <a:ext cx="9702800" cy="3477875"/>
+          </a:xfrm>
+          <a:prstGeom prst="rect">
+            <a:avLst/>
+          </a:prstGeom>
+          <a:noFill/>
+          <a:ln>
+            <a:noFill/>
+          </a:ln>
+          <a:effectLst/>
+          <a:extLst>
+            <a:ext uri="{909E8E84-426E-40dd-AFC4-6F175D3DCCD1}">
+              <a14:hiddenFill xmlns:a14="http://schemas.microsoft.com/office/drawing/2010/main">
+                <a:solidFill>
+                  <a:schemeClr val="accent1"/>
+                </a:solidFill>
+              </a14:hiddenFill>
+            </a:ext>
+            <a:ext uri="{91240B29-F687-4f45-9708-019B960494DF}">
+              <a14:hiddenLine xmlns:a14="http://schemas.microsoft.com/office/drawing/2010/main" w="9525">
+                <a:solidFill>
+                  <a:schemeClr val="tx1"/>
+                </a:solidFill>
+                <a:miter lim="800000"/>
+                <a:headEnd/>
+                <a:tailEnd/>
+              </a14:hiddenLine>
+            </a:ext>
+            <a:ext uri="{AF507438-7753-43e0-B8FC-AC1667EBCBE1}">
+              <a14:hiddenEffects xmlns:a14="http://schemas.microsoft.com/office/drawing/2010/main">
+                <a:effectLst>
+                  <a:outerShdw dist="35921" dir="2700000" algn="ctr" rotWithShape="0">
+                    <a:schemeClr val="bg2"/>
+                  </a:outerShdw>
+                </a:effectLst>
+              </a14:hiddenEffects>
+            </a:ext>
+          </a:extLst>
+        </p:spPr>
+        <p:txBody>
+          <a:bodyPr vert="horz" wrap="square" lIns="91440" tIns="45720" rIns="91440" bIns="45720" numCol="1" anchor="ctr" anchorCtr="0" compatLnSpc="1">
+            <a:prstTxWarp prst="textNoShape">
+              <a:avLst/>
+            </a:prstTxWarp>
+            <a:spAutoFit/>
+          </a:bodyPr>
+          <a:lstStyle/>
+          <a:p>
+            <a:pPr lvl="0" defTabSz="914400" eaLnBrk="0" fontAlgn="base" hangingPunct="0">
+              <a:spcBef>
+                <a:spcPct val="0"/>
+              </a:spcBef>
+              <a:spcAft>
+                <a:spcPct val="0"/>
+              </a:spcAft>
+            </a:pPr>
+            <a:r>
+              <a:rPr lang="en-US" altLang="en-US" sz="2000" dirty="0">
+                <a:latin typeface="Consolas" panose="020B0609020204030204" pitchFamily="49" charset="0"/>
+                <a:cs typeface="Consolas" panose="020B0609020204030204" pitchFamily="49" charset="0"/>
+              </a:rPr>
+              <a:t>function Car() {</a:t>
+            </a:r>
+          </a:p>
+          <a:p>
+            <a:pPr lvl="0" defTabSz="914400" eaLnBrk="0" fontAlgn="base" hangingPunct="0">
+              <a:spcBef>
+                <a:spcPct val="0"/>
+              </a:spcBef>
+              <a:spcAft>
+                <a:spcPct val="0"/>
+              </a:spcAft>
+            </a:pPr>
+            <a:r>
+              <a:rPr lang="en-US" altLang="en-US" sz="2000" dirty="0" smtClean="0">
+                <a:latin typeface="Consolas" panose="020B0609020204030204" pitchFamily="49" charset="0"/>
+                <a:cs typeface="Consolas" panose="020B0609020204030204" pitchFamily="49" charset="0"/>
+              </a:rPr>
+              <a:t>	</a:t>
+            </a:r>
+            <a:r>
+              <a:rPr lang="en-US" altLang="en-US" sz="2000" dirty="0" err="1" smtClean="0">
+                <a:latin typeface="Consolas" panose="020B0609020204030204" pitchFamily="49" charset="0"/>
+                <a:cs typeface="Consolas" panose="020B0609020204030204" pitchFamily="49" charset="0"/>
+              </a:rPr>
+              <a:t>this.color</a:t>
+            </a:r>
+            <a:r>
+              <a:rPr lang="en-US" altLang="en-US" sz="2000" dirty="0" smtClean="0">
+                <a:latin typeface="Consolas" panose="020B0609020204030204" pitchFamily="49" charset="0"/>
+                <a:cs typeface="Consolas" panose="020B0609020204030204" pitchFamily="49" charset="0"/>
+              </a:rPr>
+              <a:t> </a:t>
+            </a:r>
+            <a:r>
+              <a:rPr lang="en-US" altLang="en-US" sz="2000" dirty="0">
+                <a:latin typeface="Consolas" panose="020B0609020204030204" pitchFamily="49" charset="0"/>
+                <a:cs typeface="Consolas" panose="020B0609020204030204" pitchFamily="49" charset="0"/>
+              </a:rPr>
+              <a:t>= "red";</a:t>
+            </a:r>
+          </a:p>
+          <a:p>
+            <a:pPr lvl="0" defTabSz="914400" eaLnBrk="0" fontAlgn="base" hangingPunct="0">
+              <a:spcBef>
+                <a:spcPct val="0"/>
+              </a:spcBef>
+              <a:spcAft>
+                <a:spcPct val="0"/>
+              </a:spcAft>
+            </a:pPr>
+            <a:r>
+              <a:rPr lang="en-US" altLang="en-US" sz="2000" dirty="0" smtClean="0">
+                <a:latin typeface="Consolas" panose="020B0609020204030204" pitchFamily="49" charset="0"/>
+                <a:cs typeface="Consolas" panose="020B0609020204030204" pitchFamily="49" charset="0"/>
+              </a:rPr>
+              <a:t>	</a:t>
+            </a:r>
+            <a:r>
+              <a:rPr lang="en-US" altLang="en-US" sz="2000" dirty="0" err="1" smtClean="0">
+                <a:latin typeface="Consolas" panose="020B0609020204030204" pitchFamily="49" charset="0"/>
+                <a:cs typeface="Consolas" panose="020B0609020204030204" pitchFamily="49" charset="0"/>
+              </a:rPr>
+              <a:t>this.speed</a:t>
+            </a:r>
+            <a:r>
+              <a:rPr lang="en-US" altLang="en-US" sz="2000" dirty="0" smtClean="0">
+                <a:latin typeface="Consolas" panose="020B0609020204030204" pitchFamily="49" charset="0"/>
+                <a:cs typeface="Consolas" panose="020B0609020204030204" pitchFamily="49" charset="0"/>
+              </a:rPr>
+              <a:t> </a:t>
+            </a:r>
+            <a:r>
+              <a:rPr lang="en-US" altLang="en-US" sz="2000" dirty="0">
+                <a:latin typeface="Consolas" panose="020B0609020204030204" pitchFamily="49" charset="0"/>
+                <a:cs typeface="Consolas" panose="020B0609020204030204" pitchFamily="49" charset="0"/>
+              </a:rPr>
+              <a:t>= 0;</a:t>
+            </a:r>
+          </a:p>
+          <a:p>
+            <a:pPr lvl="0" defTabSz="914400" eaLnBrk="0" fontAlgn="base" hangingPunct="0">
+              <a:spcBef>
+                <a:spcPct val="0"/>
+              </a:spcBef>
+              <a:spcAft>
+                <a:spcPct val="0"/>
+              </a:spcAft>
+            </a:pPr>
+            <a:r>
+              <a:rPr lang="en-US" altLang="en-US" sz="2000" dirty="0" smtClean="0">
+                <a:latin typeface="Consolas" panose="020B0609020204030204" pitchFamily="49" charset="0"/>
+                <a:cs typeface="Consolas" panose="020B0609020204030204" pitchFamily="49" charset="0"/>
+              </a:rPr>
+              <a:t>	</a:t>
+            </a:r>
+            <a:r>
+              <a:rPr lang="en-US" altLang="en-US" sz="2000" dirty="0" err="1" smtClean="0">
+                <a:latin typeface="Consolas" panose="020B0609020204030204" pitchFamily="49" charset="0"/>
+                <a:cs typeface="Consolas" panose="020B0609020204030204" pitchFamily="49" charset="0"/>
+              </a:rPr>
+              <a:t>this.accelerate</a:t>
+            </a:r>
+            <a:r>
+              <a:rPr lang="en-US" altLang="en-US" sz="2000" dirty="0" smtClean="0">
+                <a:latin typeface="Consolas" panose="020B0609020204030204" pitchFamily="49" charset="0"/>
+                <a:cs typeface="Consolas" panose="020B0609020204030204" pitchFamily="49" charset="0"/>
+              </a:rPr>
+              <a:t> </a:t>
+            </a:r>
+            <a:r>
+              <a:rPr lang="en-US" altLang="en-US" sz="2000" dirty="0">
+                <a:latin typeface="Consolas" panose="020B0609020204030204" pitchFamily="49" charset="0"/>
+                <a:cs typeface="Consolas" panose="020B0609020204030204" pitchFamily="49" charset="0"/>
+              </a:rPr>
+              <a:t>= function (){</a:t>
+            </a:r>
+          </a:p>
+          <a:p>
+            <a:pPr lvl="0" defTabSz="914400" eaLnBrk="0" fontAlgn="base" hangingPunct="0">
+              <a:spcBef>
+                <a:spcPct val="0"/>
+              </a:spcBef>
+              <a:spcAft>
+                <a:spcPct val="0"/>
+              </a:spcAft>
+            </a:pPr>
+            <a:r>
+              <a:rPr lang="en-US" altLang="en-US" sz="2000" dirty="0" smtClean="0">
+                <a:latin typeface="Consolas" panose="020B0609020204030204" pitchFamily="49" charset="0"/>
+                <a:cs typeface="Consolas" panose="020B0609020204030204" pitchFamily="49" charset="0"/>
+              </a:rPr>
+              <a:t>		</a:t>
+            </a:r>
+            <a:r>
+              <a:rPr lang="en-US" altLang="en-US" sz="2000" dirty="0" err="1" smtClean="0">
+                <a:latin typeface="Consolas" panose="020B0609020204030204" pitchFamily="49" charset="0"/>
+                <a:cs typeface="Consolas" panose="020B0609020204030204" pitchFamily="49" charset="0"/>
+              </a:rPr>
+              <a:t>this.speed</a:t>
+            </a:r>
+            <a:r>
+              <a:rPr lang="en-US" altLang="en-US" sz="2000" dirty="0" smtClean="0">
+                <a:latin typeface="Consolas" panose="020B0609020204030204" pitchFamily="49" charset="0"/>
+                <a:cs typeface="Consolas" panose="020B0609020204030204" pitchFamily="49" charset="0"/>
+              </a:rPr>
+              <a:t> </a:t>
+            </a:r>
+            <a:r>
+              <a:rPr lang="en-US" altLang="en-US" sz="2000" dirty="0">
+                <a:latin typeface="Consolas" panose="020B0609020204030204" pitchFamily="49" charset="0"/>
+                <a:cs typeface="Consolas" panose="020B0609020204030204" pitchFamily="49" charset="0"/>
+              </a:rPr>
+              <a:t>+= 1;</a:t>
+            </a:r>
+          </a:p>
+          <a:p>
+            <a:pPr lvl="1" defTabSz="914400" eaLnBrk="0" fontAlgn="base" hangingPunct="0">
+              <a:spcBef>
+                <a:spcPct val="0"/>
+              </a:spcBef>
+              <a:spcAft>
+                <a:spcPct val="0"/>
+              </a:spcAft>
+            </a:pPr>
+            <a:r>
+              <a:rPr lang="en-US" altLang="en-US" sz="2000" dirty="0" smtClean="0">
+                <a:latin typeface="Consolas" panose="020B0609020204030204" pitchFamily="49" charset="0"/>
+                <a:cs typeface="Consolas" panose="020B0609020204030204" pitchFamily="49" charset="0"/>
+              </a:rPr>
+              <a:t>	}</a:t>
+            </a:r>
+            <a:endParaRPr lang="en-US" altLang="en-US" sz="2000" dirty="0">
+              <a:latin typeface="Consolas" panose="020B0609020204030204" pitchFamily="49" charset="0"/>
+              <a:cs typeface="Consolas" panose="020B0609020204030204" pitchFamily="49" charset="0"/>
+            </a:endParaRPr>
+          </a:p>
+          <a:p>
+            <a:pPr lvl="0" defTabSz="914400" eaLnBrk="0" fontAlgn="base" hangingPunct="0">
+              <a:spcBef>
+                <a:spcPct val="0"/>
+              </a:spcBef>
+              <a:spcAft>
+                <a:spcPct val="0"/>
+              </a:spcAft>
+            </a:pPr>
+            <a:r>
+              <a:rPr lang="en-US" altLang="en-US" sz="2000" dirty="0" smtClean="0">
+                <a:latin typeface="Consolas" panose="020B0609020204030204" pitchFamily="49" charset="0"/>
+                <a:cs typeface="Consolas" panose="020B0609020204030204" pitchFamily="49" charset="0"/>
+              </a:rPr>
+              <a:t>}</a:t>
+            </a:r>
+            <a:endParaRPr lang="en-US" altLang="en-US" sz="2000" dirty="0">
+              <a:latin typeface="Consolas" panose="020B0609020204030204" pitchFamily="49" charset="0"/>
+              <a:cs typeface="Consolas" panose="020B0609020204030204" pitchFamily="49" charset="0"/>
+            </a:endParaRPr>
+          </a:p>
+          <a:p>
+            <a:pPr lvl="0" defTabSz="914400" eaLnBrk="0" fontAlgn="base" hangingPunct="0">
+              <a:spcBef>
+                <a:spcPct val="0"/>
+              </a:spcBef>
+              <a:spcAft>
+                <a:spcPct val="0"/>
+              </a:spcAft>
+            </a:pPr>
+            <a:endParaRPr lang="en-US" altLang="en-US" sz="2000" dirty="0">
+              <a:latin typeface="Consolas" panose="020B0609020204030204" pitchFamily="49" charset="0"/>
+              <a:cs typeface="Consolas" panose="020B0609020204030204" pitchFamily="49" charset="0"/>
+            </a:endParaRPr>
+          </a:p>
+          <a:p>
+            <a:pPr lvl="0" defTabSz="914400" eaLnBrk="0" fontAlgn="base" hangingPunct="0">
+              <a:spcBef>
+                <a:spcPct val="0"/>
+              </a:spcBef>
+              <a:spcAft>
+                <a:spcPct val="0"/>
+              </a:spcAft>
+            </a:pPr>
+            <a:r>
+              <a:rPr lang="en-US" altLang="en-US" sz="2000" dirty="0" err="1" smtClean="0">
+                <a:latin typeface="Consolas" panose="020B0609020204030204" pitchFamily="49" charset="0"/>
+                <a:cs typeface="Consolas" panose="020B0609020204030204" pitchFamily="49" charset="0"/>
+              </a:rPr>
+              <a:t>Car.prototype.accelerate</a:t>
+            </a:r>
+            <a:r>
+              <a:rPr lang="en-US" altLang="en-US" sz="2000" dirty="0" smtClean="0">
+                <a:latin typeface="Consolas" panose="020B0609020204030204" pitchFamily="49" charset="0"/>
+                <a:cs typeface="Consolas" panose="020B0609020204030204" pitchFamily="49" charset="0"/>
+              </a:rPr>
+              <a:t> </a:t>
+            </a:r>
+            <a:r>
+              <a:rPr lang="en-US" altLang="en-US" sz="2000" dirty="0">
+                <a:latin typeface="Consolas" panose="020B0609020204030204" pitchFamily="49" charset="0"/>
+                <a:cs typeface="Consolas" panose="020B0609020204030204" pitchFamily="49" charset="0"/>
+              </a:rPr>
+              <a:t>= function (){</a:t>
+            </a:r>
+          </a:p>
+          <a:p>
+            <a:pPr lvl="0" defTabSz="914400" eaLnBrk="0" fontAlgn="base" hangingPunct="0">
+              <a:spcBef>
+                <a:spcPct val="0"/>
+              </a:spcBef>
+              <a:spcAft>
+                <a:spcPct val="0"/>
+              </a:spcAft>
+            </a:pPr>
+            <a:r>
+              <a:rPr lang="en-US" altLang="en-US" sz="2000" dirty="0" smtClean="0">
+                <a:latin typeface="Consolas" panose="020B0609020204030204" pitchFamily="49" charset="0"/>
+                <a:cs typeface="Consolas" panose="020B0609020204030204" pitchFamily="49" charset="0"/>
+              </a:rPr>
+              <a:t>	</a:t>
+            </a:r>
+            <a:r>
+              <a:rPr lang="en-US" altLang="en-US" sz="2000" dirty="0" err="1" smtClean="0">
+                <a:latin typeface="Consolas" panose="020B0609020204030204" pitchFamily="49" charset="0"/>
+                <a:cs typeface="Consolas" panose="020B0609020204030204" pitchFamily="49" charset="0"/>
+              </a:rPr>
+              <a:t>this.speed</a:t>
+            </a:r>
+            <a:r>
+              <a:rPr lang="en-US" altLang="en-US" sz="2000" dirty="0" smtClean="0">
+                <a:latin typeface="Consolas" panose="020B0609020204030204" pitchFamily="49" charset="0"/>
+                <a:cs typeface="Consolas" panose="020B0609020204030204" pitchFamily="49" charset="0"/>
+              </a:rPr>
+              <a:t> </a:t>
+            </a:r>
+            <a:r>
+              <a:rPr lang="en-US" altLang="en-US" sz="2000" dirty="0">
+                <a:latin typeface="Consolas" panose="020B0609020204030204" pitchFamily="49" charset="0"/>
+                <a:cs typeface="Consolas" panose="020B0609020204030204" pitchFamily="49" charset="0"/>
+              </a:rPr>
+              <a:t>+= 1;	</a:t>
+            </a:r>
+          </a:p>
+          <a:p>
+            <a:pPr lvl="0" defTabSz="914400" eaLnBrk="0" fontAlgn="base" hangingPunct="0">
+              <a:spcBef>
+                <a:spcPct val="0"/>
+              </a:spcBef>
+              <a:spcAft>
+                <a:spcPct val="0"/>
+              </a:spcAft>
+            </a:pPr>
+            <a:r>
+              <a:rPr lang="en-US" altLang="en-US" sz="2000" dirty="0" smtClean="0">
+                <a:latin typeface="Consolas" panose="020B0609020204030204" pitchFamily="49" charset="0"/>
+                <a:cs typeface="Consolas" panose="020B0609020204030204" pitchFamily="49" charset="0"/>
+              </a:rPr>
+              <a:t>}</a:t>
+            </a:r>
+            <a:r>
+              <a:rPr lang="en-US" altLang="en-US" sz="2000" dirty="0">
+                <a:latin typeface="Consolas" panose="020B0609020204030204" pitchFamily="49" charset="0"/>
+                <a:cs typeface="Consolas" panose="020B0609020204030204" pitchFamily="49" charset="0"/>
+              </a:rPr>
+              <a:t>;</a:t>
+            </a:r>
+          </a:p>
+        </p:txBody>
+      </p:sp>
+    </p:spTree>
+    <p:extLst>
+      <p:ext uri="{BB962C8B-B14F-4D97-AF65-F5344CB8AC3E}">
+        <p14:creationId xmlns:p14="http://schemas.microsoft.com/office/powerpoint/2010/main" val="422507294"/>
+      </p:ext>
+    </p:extLst>
+  </p:cSld>
+  <p:clrMapOvr>
+    <a:masterClrMapping/>
+  </p:clrMapOvr>
+  <p:timing>
+    <p:tnLst>
+      <p:par>
+        <p:cTn xmlns:p14="http://schemas.microsoft.com/office/powerpoint/2010/main" id="1" dur="indefinite" restart="never" nodeType="tmRoot">
+          <p:childTnLst>
+            <p:seq concurrent="1" nextAc="seek">
+              <p:cTn id="2" dur="indefinite" nodeType="mainSeq">
+                <p:childTnLst>
+                  <p:par>
+                    <p:cTn id="3" fill="hold">
+                      <p:stCondLst>
+                        <p:cond delay="indefinite"/>
+                        <p:cond evt="onBegin" delay="0">
+                          <p:tn val="2"/>
+                        </p:cond>
+                      </p:stCondLst>
+                      <p:childTnLst>
+                        <p:par>
+                          <p:cTn id="4" fill="hold">
+                            <p:stCondLst>
+                              <p:cond delay="0"/>
+                            </p:stCondLst>
+                            <p:childTnLst>
+                              <p:par>
+                                <p:cTn id="5" presetID="1" presetClass="entr" presetSubtype="0" fill="hold" grpId="0" nodeType="withEffect">
+                                  <p:stCondLst>
+                                    <p:cond delay="0"/>
+                                  </p:stCondLst>
+                                  <p:childTnLst>
+                                    <p:set>
+                                      <p:cBhvr>
+                                        <p:cTn id="6" dur="1" fill="hold">
+                                          <p:stCondLst>
+                                            <p:cond delay="0"/>
+                                          </p:stCondLst>
+                                        </p:cTn>
+                                        <p:tgtEl>
+                                          <p:spTgt spid="6">
+                                            <p:txEl>
+                                              <p:pRg st="0" end="0"/>
+                                            </p:txEl>
+                                          </p:spTgt>
+                                        </p:tgtEl>
+                                        <p:attrNameLst>
+                                          <p:attrName>style.visibility</p:attrName>
+                                        </p:attrNameLst>
+                                      </p:cBhvr>
+                                      <p:to>
+                                        <p:strVal val="visible"/>
+                                      </p:to>
+                                    </p:set>
+                                  </p:childTnLst>
+                                </p:cTn>
+                              </p:par>
+                              <p:par>
+                                <p:cTn id="7" presetID="1" presetClass="entr" presetSubtype="0" fill="hold" grpId="0" nodeType="withEffect">
+                                  <p:stCondLst>
+                                    <p:cond delay="0"/>
+                                  </p:stCondLst>
+                                  <p:childTnLst>
+                                    <p:set>
+                                      <p:cBhvr>
+                                        <p:cTn id="8" dur="1" fill="hold">
+                                          <p:stCondLst>
+                                            <p:cond delay="0"/>
+                                          </p:stCondLst>
+                                        </p:cTn>
+                                        <p:tgtEl>
+                                          <p:spTgt spid="6">
+                                            <p:txEl>
+                                              <p:pRg st="1" end="1"/>
+                                            </p:txEl>
+                                          </p:spTgt>
+                                        </p:tgtEl>
+                                        <p:attrNameLst>
+                                          <p:attrName>style.visibility</p:attrName>
+                                        </p:attrNameLst>
+                                      </p:cBhvr>
+                                      <p:to>
+                                        <p:strVal val="visible"/>
+                                      </p:to>
+                                    </p:set>
+                                  </p:childTnLst>
+                                </p:cTn>
+                              </p:par>
+                              <p:par>
+                                <p:cTn id="9" presetID="1" presetClass="entr" presetSubtype="0" fill="hold" grpId="0" nodeType="withEffect">
+                                  <p:stCondLst>
+                                    <p:cond delay="0"/>
+                                  </p:stCondLst>
+                                  <p:childTnLst>
+                                    <p:set>
+                                      <p:cBhvr>
+                                        <p:cTn id="10" dur="1" fill="hold">
+                                          <p:stCondLst>
+                                            <p:cond delay="0"/>
+                                          </p:stCondLst>
+                                        </p:cTn>
+                                        <p:tgtEl>
+                                          <p:spTgt spid="6">
+                                            <p:txEl>
+                                              <p:pRg st="2" end="2"/>
+                                            </p:txEl>
+                                          </p:spTgt>
+                                        </p:tgtEl>
+                                        <p:attrNameLst>
+                                          <p:attrName>style.visibility</p:attrName>
+                                        </p:attrNameLst>
+                                      </p:cBhvr>
+                                      <p:to>
+                                        <p:strVal val="visible"/>
+                                      </p:to>
+                                    </p:set>
+                                  </p:childTnLst>
+                                </p:cTn>
+                              </p:par>
+                              <p:par>
+                                <p:cTn id="11" presetID="1" presetClass="entr" presetSubtype="0" fill="hold" grpId="0" nodeType="withEffect">
+                                  <p:stCondLst>
+                                    <p:cond delay="0"/>
+                                  </p:stCondLst>
+                                  <p:childTnLst>
+                                    <p:set>
+                                      <p:cBhvr>
+                                        <p:cTn id="12" dur="1" fill="hold">
+                                          <p:stCondLst>
+                                            <p:cond delay="0"/>
+                                          </p:stCondLst>
+                                        </p:cTn>
+                                        <p:tgtEl>
                                           <p:spTgt spid="6">
                                             <p:txEl>
                                               <p:pRg st="3" end="3"/>
+                                            </p:txEl>
+                                          </p:spTgt>
+                                        </p:tgtEl>
+                                        <p:attrNameLst>
+                                          <p:attrName>style.visibility</p:attrName>
+                                        </p:attrNameLst>
+                                      </p:cBhvr>
+                                      <p:to>
+                                        <p:strVal val="visible"/>
+                                      </p:to>
+                                    </p:set>
+                                  </p:childTnLst>
+                                </p:cTn>
+                              </p:par>
+                              <p:par>
+                                <p:cTn id="13" presetID="1" presetClass="entr" presetSubtype="0" fill="hold" grpId="0" nodeType="withEffect">
+                                  <p:stCondLst>
+                                    <p:cond delay="0"/>
+                                  </p:stCondLst>
+                                  <p:childTnLst>
+                                    <p:set>
+                                      <p:cBhvr>
+                                        <p:cTn id="14" dur="1" fill="hold">
+                                          <p:stCondLst>
+                                            <p:cond delay="0"/>
+                                          </p:stCondLst>
+                                        </p:cTn>
+                                        <p:tgtEl>
+                                          <p:spTgt spid="6">
+                                            <p:txEl>
+                                              <p:pRg st="4" end="4"/>
+                                            </p:txEl>
+                                          </p:spTgt>
+                                        </p:tgtEl>
+                                        <p:attrNameLst>
+                                          <p:attrName>style.visibility</p:attrName>
+                                        </p:attrNameLst>
+                                      </p:cBhvr>
+                                      <p:to>
+                                        <p:strVal val="visible"/>
+                                      </p:to>
+                                    </p:set>
+                                  </p:childTnLst>
+                                </p:cTn>
+                              </p:par>
+                              <p:par>
+                                <p:cTn id="15" presetID="1" presetClass="entr" presetSubtype="0" fill="hold" grpId="0" nodeType="withEffect">
+                                  <p:stCondLst>
+                                    <p:cond delay="0"/>
+                                  </p:stCondLst>
+                                  <p:childTnLst>
+                                    <p:set>
+                                      <p:cBhvr>
+                                        <p:cTn id="16" dur="1" fill="hold">
+                                          <p:stCondLst>
+                                            <p:cond delay="0"/>
+                                          </p:stCondLst>
+                                        </p:cTn>
+                                        <p:tgtEl>
+                                          <p:spTgt spid="6">
+                                            <p:txEl>
+                                              <p:pRg st="5" end="5"/>
+                                            </p:txEl>
+                                          </p:spTgt>
+                                        </p:tgtEl>
+                                        <p:attrNameLst>
+                                          <p:attrName>style.visibility</p:attrName>
+                                        </p:attrNameLst>
+                                      </p:cBhvr>
+                                      <p:to>
+                                        <p:strVal val="visible"/>
+                                      </p:to>
+                                    </p:set>
+                                  </p:childTnLst>
+                                </p:cTn>
+                              </p:par>
+                              <p:par>
+                                <p:cTn id="17" presetID="1" presetClass="entr" presetSubtype="0" fill="hold" grpId="0" nodeType="withEffect">
+                                  <p:stCondLst>
+                                    <p:cond delay="0"/>
+                                  </p:stCondLst>
+                                  <p:childTnLst>
+                                    <p:set>
+                                      <p:cBhvr>
+                                        <p:cTn id="18" dur="1" fill="hold">
+                                          <p:stCondLst>
+                                            <p:cond delay="0"/>
+                                          </p:stCondLst>
+                                        </p:cTn>
+                                        <p:tgtEl>
+                                          <p:spTgt spid="6">
+                                            <p:txEl>
+                                              <p:pRg st="6" end="6"/>
                                             </p:txEl>
                                           </p:spTgt>
                                         </p:tgtEl>
@@ -13092,7 +13689,7 @@
                                         <p:tgtEl>
                                           <p:spTgt spid="6">
                                             <p:txEl>
-                                              <p:pRg st="4" end="4"/>
+                                              <p:pRg st="8" end="8"/>
                                             </p:txEl>
                                           </p:spTgt>
                                         </p:tgtEl>
@@ -13123,153 +13720,6 @@
                                         <p:tgtEl>
                                           <p:spTgt spid="6">
                                             <p:txEl>
-                                              <p:pRg st="5" end="5"/>
-                                            </p:txEl>
-                                          </p:spTgt>
-                                        </p:tgtEl>
-                                        <p:attrNameLst>
-                                          <p:attrName>style.visibility</p:attrName>
-                                        </p:attrNameLst>
-                                      </p:cBhvr>
-                                      <p:to>
-                                        <p:strVal val="visible"/>
-                                      </p:to>
-                                    </p:set>
-                                  </p:childTnLst>
-                                </p:cTn>
-                              </p:par>
-                            </p:childTnLst>
-                          </p:cTn>
-                        </p:par>
-                      </p:childTnLst>
-                    </p:cTn>
-                  </p:par>
-                  <p:par>
-                    <p:cTn id="25" fill="hold">
-                      <p:stCondLst>
-                        <p:cond delay="indefinite"/>
-                      </p:stCondLst>
-                      <p:childTnLst>
-                        <p:par>
-                          <p:cTn id="26" fill="hold">
-                            <p:stCondLst>
-                              <p:cond delay="0"/>
-                            </p:stCondLst>
-                            <p:childTnLst>
-                              <p:par>
-                                <p:cTn id="27" presetID="1" presetClass="entr" presetSubtype="0" fill="hold" grpId="0" nodeType="clickEffect">
-                                  <p:stCondLst>
-                                    <p:cond delay="0"/>
-                                  </p:stCondLst>
-                                  <p:childTnLst>
-                                    <p:set>
-                                      <p:cBhvr>
-                                        <p:cTn id="28" dur="1" fill="hold">
-                                          <p:stCondLst>
-                                            <p:cond delay="0"/>
-                                          </p:stCondLst>
-                                        </p:cTn>
-                                        <p:tgtEl>
-                                          <p:spTgt spid="6">
-                                            <p:txEl>
-                                              <p:pRg st="6" end="6"/>
-                                            </p:txEl>
-                                          </p:spTgt>
-                                        </p:tgtEl>
-                                        <p:attrNameLst>
-                                          <p:attrName>style.visibility</p:attrName>
-                                        </p:attrNameLst>
-                                      </p:cBhvr>
-                                      <p:to>
-                                        <p:strVal val="visible"/>
-                                      </p:to>
-                                    </p:set>
-                                  </p:childTnLst>
-                                </p:cTn>
-                              </p:par>
-                            </p:childTnLst>
-                          </p:cTn>
-                        </p:par>
-                      </p:childTnLst>
-                    </p:cTn>
-                  </p:par>
-                  <p:par>
-                    <p:cTn id="29" fill="hold">
-                      <p:stCondLst>
-                        <p:cond delay="indefinite"/>
-                      </p:stCondLst>
-                      <p:childTnLst>
-                        <p:par>
-                          <p:cTn id="30" fill="hold">
-                            <p:stCondLst>
-                              <p:cond delay="0"/>
-                            </p:stCondLst>
-                            <p:childTnLst>
-                              <p:par>
-                                <p:cTn id="31" presetID="1" presetClass="entr" presetSubtype="0" fill="hold" grpId="0" nodeType="clickEffect">
-                                  <p:stCondLst>
-                                    <p:cond delay="0"/>
-                                  </p:stCondLst>
-                                  <p:childTnLst>
-                                    <p:set>
-                                      <p:cBhvr>
-                                        <p:cTn id="32" dur="1" fill="hold">
-                                          <p:stCondLst>
-                                            <p:cond delay="0"/>
-                                          </p:stCondLst>
-                                        </p:cTn>
-                                        <p:tgtEl>
-                                          <p:spTgt spid="6">
-                                            <p:txEl>
-                                              <p:pRg st="8" end="8"/>
-                                            </p:txEl>
-                                          </p:spTgt>
-                                        </p:tgtEl>
-                                        <p:attrNameLst>
-                                          <p:attrName>style.visibility</p:attrName>
-                                        </p:attrNameLst>
-                                      </p:cBhvr>
-                                      <p:to>
-                                        <p:strVal val="visible"/>
-                                      </p:to>
-                                    </p:set>
-                                  </p:childTnLst>
-                                </p:cTn>
-                              </p:par>
-                            </p:childTnLst>
-                          </p:cTn>
-                        </p:par>
-                      </p:childTnLst>
-                    </p:cTn>
-                  </p:par>
-                  <p:par>
-                    <p:cTn id="33" fill="hold">
-                      <p:stCondLst>
-                        <p:cond delay="indefinite"/>
-                      </p:stCondLst>
-                      <p:childTnLst>
-                        <p:par>
-                          <p:cTn id="34" fill="hold">
-                            <p:stCondLst>
-                              <p:cond delay="0"/>
-                            </p:stCondLst>
-                            <p:childTnLst>
-                              <p:par>
-                                <p:cTn id="35" presetID="1" presetClass="entr" presetSubtype="0" fill="hold" grpId="0" nodeType="clickEffect">
-                                  <p:stCondLst>
-                                    <p:cond delay="0"/>
-                                  </p:stCondLst>
-                                  <p:childTnLst>
-                                    <p:set>
-                                      <p:cBhvr>
-                                        <p:cTn id="36" dur="1" fill="hold">
-                                          <p:stCondLst>
-                                            <p:cond delay="0"/>
-                                          </p:stCondLst>
-                                        </p:cTn>
-                                        <p:tgtEl>
-                                          <p:spTgt spid="6">
-                                            <p:txEl>
                                               <p:pRg st="9" end="9"/>
                                             </p:txEl>
                                           </p:spTgt>
@@ -13285,33 +13735,15 @@
                                   </p:childTnLst>
                                 </p:cTn>
                               </p:par>
-                            </p:childTnLst>
-                          </p:cTn>
-                        </p:par>
-                      </p:childTnLst>
-                    </p:cTn>
-                  </p:par>
-                  <p:par>
-                    <p:cTn id="37" fill="hold">
-                      <p:stCondLst>
-                        <p:cond delay="indefinite"/>
-                      </p:stCondLst>
-                      <p:childTnLst>
-                        <p:par>
-                          <p:cTn id="38" fill="hold">
-                            <p:stCondLst>
-                              <p:cond delay="0"/>
-                            </p:stCondLst>
-                            <p:childTnLst>
                               <p:par>
-                                <p:cTn id="39" presetID="1" presetClass="entr" presetSubtype="0" fill="hold" grpId="0" nodeType="clickEffect">
+                                <p:cTn id="25" presetID="1" presetClass="entr" presetSubtype="0" fill="hold" grpId="0" nodeType="withEffect">
                                   <p:stCondLst>
                                     <p:cond delay="0"/>
                                   </p:stCondLst>
                                   <p:childTnLst>
                                     <p:set>
                                       <p:cBhvr>
-                                        <p:cTn id="40" dur="1" fill="hold">
+                                        <p:cTn id="26" dur="1" fill="hold">
                                           <p:stCondLst>
                                             <p:cond delay="0"/>
                                           </p:stCondLst>
@@ -13502,9 +13934,280 @@
   <p:timing>
     <p:tnLst>
       <p:par>
-        <p:cTn xmlns:p14="http://schemas.microsoft.com/office/powerpoint/2010/main" id="1" dur="indefinite" restart="never" nodeType="tmRoot"/>
+        <p:cTn xmlns:p14="http://schemas.microsoft.com/office/powerpoint/2010/main" id="1" dur="indefinite" restart="never" nodeType="tmRoot">
+          <p:childTnLst>
+            <p:seq concurrent="1" nextAc="seek">
+              <p:cTn id="2" dur="indefinite" nodeType="mainSeq">
+                <p:childTnLst>
+                  <p:par>
+                    <p:cTn id="3" fill="hold">
+                      <p:stCondLst>
+                        <p:cond delay="indefinite"/>
+                      </p:stCondLst>
+                      <p:childTnLst>
+                        <p:par>
+                          <p:cTn id="4" fill="hold">
+                            <p:stCondLst>
+                              <p:cond delay="0"/>
+                            </p:stCondLst>
+                            <p:childTnLst>
+                              <p:par>
+                                <p:cTn id="5" presetID="1" presetClass="entr" presetSubtype="0" fill="hold" grpId="0" nodeType="clickEffect">
+                                  <p:stCondLst>
+                                    <p:cond delay="0"/>
+                                  </p:stCondLst>
+                                  <p:childTnLst>
+                                    <p:set>
+                                      <p:cBhvr>
+                                        <p:cTn id="6" dur="1" fill="hold">
+                                          <p:stCondLst>
+                                            <p:cond delay="0"/>
+                                          </p:stCondLst>
+                                        </p:cTn>
+                                        <p:tgtEl>
+                                          <p:spTgt spid="4">
+                                            <p:txEl>
+                                              <p:pRg st="0" end="0"/>
+                                            </p:txEl>
+                                          </p:spTgt>
+                                        </p:tgtEl>
+                                        <p:attrNameLst>
+                                          <p:attrName>style.visibility</p:attrName>
+                                        </p:attrNameLst>
+                                      </p:cBhvr>
+                                      <p:to>
+                                        <p:strVal val="visible"/>
+                                      </p:to>
+                                    </p:set>
+                                  </p:childTnLst>
+                                </p:cTn>
+                              </p:par>
+                            </p:childTnLst>
+                          </p:cTn>
+                        </p:par>
+                      </p:childTnLst>
+                    </p:cTn>
+                  </p:par>
+                  <p:par>
+                    <p:cTn id="7" fill="hold">
+                      <p:stCondLst>
+                        <p:cond delay="indefinite"/>
+                      </p:stCondLst>
+                      <p:childTnLst>
+                        <p:par>
+                          <p:cTn id="8" fill="hold">
+                            <p:stCondLst>
+                              <p:cond delay="0"/>
+                            </p:stCondLst>
+                            <p:childTnLst>
+                              <p:par>
+                                <p:cTn id="9" presetID="1" presetClass="entr" presetSubtype="0" fill="hold" grpId="0" nodeType="clickEffect">
+                                  <p:stCondLst>
+                                    <p:cond delay="0"/>
+                                  </p:stCondLst>
+                                  <p:childTnLst>
+                                    <p:set>
+                                      <p:cBhvr>
+                                        <p:cTn id="10" dur="1" fill="hold">
+                                          <p:stCondLst>
+                                            <p:cond delay="0"/>
+                                          </p:stCondLst>
+                                        </p:cTn>
+                                        <p:tgtEl>
+                                          <p:spTgt spid="4">
+                                            <p:txEl>
+                                              <p:pRg st="1" end="1"/>
+                                            </p:txEl>
+                                          </p:spTgt>
+                                        </p:tgtEl>
+                                        <p:attrNameLst>
+                                          <p:attrName>style.visibility</p:attrName>
+                                        </p:attrNameLst>
+                                      </p:cBhvr>
+                                      <p:to>
+                                        <p:strVal val="visible"/>
+                                      </p:to>
+                                    </p:set>
+                                  </p:childTnLst>
+                                </p:cTn>
+                              </p:par>
+                            </p:childTnLst>
+                          </p:cTn>
+                        </p:par>
+                      </p:childTnLst>
+                    </p:cTn>
+                  </p:par>
+                  <p:par>
+                    <p:cTn id="11" fill="hold">
+                      <p:stCondLst>
+                        <p:cond delay="indefinite"/>
+                      </p:stCondLst>
+                      <p:childTnLst>
+                        <p:par>
+                          <p:cTn id="12" fill="hold">
+                            <p:stCondLst>
+                              <p:cond delay="0"/>
+                            </p:stCondLst>
+                            <p:childTnLst>
+                              <p:par>
+                                <p:cTn id="13" presetID="1" presetClass="entr" presetSubtype="0" fill="hold" grpId="0" nodeType="clickEffect">
+                                  <p:stCondLst>
+                                    <p:cond delay="0"/>
+                                  </p:stCondLst>
+                                  <p:childTnLst>
+                                    <p:set>
+                                      <p:cBhvr>
+                                        <p:cTn id="14" dur="1" fill="hold">
+                                          <p:stCondLst>
+                                            <p:cond delay="0"/>
+                                          </p:stCondLst>
+                                        </p:cTn>
+                                        <p:tgtEl>
+                                          <p:spTgt spid="4">
+                                            <p:txEl>
+                                              <p:pRg st="2" end="2"/>
+                                            </p:txEl>
+                                          </p:spTgt>
+                                        </p:tgtEl>
+                                        <p:attrNameLst>
+                                          <p:attrName>style.visibility</p:attrName>
+                                        </p:attrNameLst>
+                                      </p:cBhvr>
+                                      <p:to>
+                                        <p:strVal val="visible"/>
+                                      </p:to>
+                                    </p:set>
+                                  </p:childTnLst>
+                                </p:cTn>
+                              </p:par>
+                            </p:childTnLst>
+                          </p:cTn>
+                        </p:par>
+                      </p:childTnLst>
+                    </p:cTn>
+                  </p:par>
+                  <p:par>
+                    <p:cTn id="15" fill="hold">
+                      <p:stCondLst>
+                        <p:cond delay="indefinite"/>
+                      </p:stCondLst>
+                      <p:childTnLst>
+                        <p:par>
+                          <p:cTn id="16" fill="hold">
+                            <p:stCondLst>
+                              <p:cond delay="0"/>
+                            </p:stCondLst>
+                            <p:childTnLst>
+                              <p:par>
+                                <p:cTn id="17" presetID="1" presetClass="entr" presetSubtype="0" fill="hold" grpId="0" nodeType="clickEffect">
+                                  <p:stCondLst>
+                                    <p:cond delay="0"/>
+                                  </p:stCondLst>
+                                  <p:childTnLst>
+                                    <p:set>
+                                      <p:cBhvr>
+                                        <p:cTn id="18" dur="1" fill="hold">
+                                          <p:stCondLst>
+                                            <p:cond delay="0"/>
+                                          </p:stCondLst>
+                                        </p:cTn>
+                                        <p:tgtEl>
+                                          <p:spTgt spid="4">
+                                            <p:txEl>
+                                              <p:pRg st="3" end="3"/>
+                                            </p:txEl>
+                                          </p:spTgt>
+                                        </p:tgtEl>
+                                        <p:attrNameLst>
+                                          <p:attrName>style.visibility</p:attrName>
+                                        </p:attrNameLst>
+                                      </p:cBhvr>
+                                      <p:to>
+                                        <p:strVal val="visible"/>
+                                      </p:to>
+                                    </p:set>
+                                  </p:childTnLst>
+                                </p:cTn>
+                              </p:par>
+                            </p:childTnLst>
+                          </p:cTn>
+                        </p:par>
+                      </p:childTnLst>
+                    </p:cTn>
+                  </p:par>
+                  <p:par>
+                    <p:cTn id="19" fill="hold">
+                      <p:stCondLst>
+                        <p:cond delay="indefinite"/>
+                      </p:stCondLst>
+                      <p:childTnLst>
+                        <p:par>
+                          <p:cTn id="20" fill="hold">
+                            <p:stCondLst>
+                              <p:cond delay="0"/>
+                            </p:stCondLst>
+                            <p:childTnLst>
+                              <p:par>
+                                <p:cTn id="21" presetID="1" presetClass="entr" presetSubtype="0" fill="hold" grpId="0" nodeType="clickEffect">
+                                  <p:stCondLst>
+                                    <p:cond delay="0"/>
+                                  </p:stCondLst>
+                                  <p:childTnLst>
+                                    <p:set>
+                                      <p:cBhvr>
+                                        <p:cTn id="22" dur="1" fill="hold">
+                                          <p:stCondLst>
+                                            <p:cond delay="0"/>
+                                          </p:stCondLst>
+                                        </p:cTn>
+                                        <p:tgtEl>
+                                          <p:spTgt spid="4">
+                                            <p:txEl>
+                                              <p:pRg st="4" end="4"/>
+                                            </p:txEl>
+                                          </p:spTgt>
+                                        </p:tgtEl>
+                                        <p:attrNameLst>
+                                          <p:attrName>style.visibility</p:attrName>
+                                        </p:attrNameLst>
+                                      </p:cBhvr>
+                                      <p:to>
+                                        <p:strVal val="visible"/>
+                                      </p:to>
+                                    </p:set>
+                                  </p:childTnLst>
+                                </p:cTn>
+                              </p:par>
+                            </p:childTnLst>
+                          </p:cTn>
+                        </p:par>
+                      </p:childTnLst>
+                    </p:cTn>
+                  </p:par>
+                </p:childTnLst>
+              </p:cTn>
+              <p:prevCondLst>
+                <p:cond evt="onPrev" delay="0">
+                  <p:tgtEl>
+                    <p:sldTgt/>
+                  </p:tgtEl>
+                </p:cond>
+              </p:prevCondLst>
+              <p:nextCondLst>
+                <p:cond evt="onNext" delay="0">
+                  <p:tgtEl>
+                    <p:sldTgt/>
+                  </p:tgtEl>
+                </p:cond>
+              </p:nextCondLst>
+            </p:seq>
+          </p:childTnLst>
+        </p:cTn>
       </p:par>
     </p:tnLst>
+    <p:bldLst>
+      <p:bldP spid="4" grpId="0" build="p"/>
+    </p:bldLst>
   </p:timing>
 </p:sld>
 </file>
@@ -13710,6 +14413,89 @@
           </a:p>
         </p:txBody>
       </p:sp>
+      <p:sp>
+        <p:nvSpPr>
+          <p:cNvPr id="4" name="Rectangle 2"/>
+          <p:cNvSpPr>
+            <a:spLocks noChangeArrowheads="1"/>
+          </p:cNvSpPr>
+          <p:nvPr/>
+        </p:nvSpPr>
+        <p:spPr bwMode="auto">
+          <a:xfrm>
+            <a:off x="787400" y="3393897"/>
+            <a:ext cx="9702800" cy="400110"/>
+          </a:xfrm>
+          <a:prstGeom prst="rect">
+            <a:avLst/>
+          </a:prstGeom>
+          <a:noFill/>
+          <a:ln>
+            <a:noFill/>
+          </a:ln>
+          <a:effectLst/>
+          <a:extLst>
+            <a:ext uri="{909E8E84-426E-40dd-AFC4-6F175D3DCCD1}">
+              <a14:hiddenFill xmlns:a14="http://schemas.microsoft.com/office/drawing/2010/main">
+                <a:solidFill>
+                  <a:schemeClr val="accent1"/>
+                </a:solidFill>
+              </a14:hiddenFill>
+            </a:ext>
+            <a:ext uri="{91240B29-F687-4f45-9708-019B960494DF}">
+              <a14:hiddenLine xmlns:a14="http://schemas.microsoft.com/office/drawing/2010/main" w="9525">
+                <a:solidFill>
+                  <a:schemeClr val="tx1"/>
+                </a:solidFill>
+                <a:miter lim="800000"/>
+                <a:headEnd/>
+                <a:tailEnd/>
+              </a14:hiddenLine>
+            </a:ext>
+            <a:ext uri="{AF507438-7753-43e0-B8FC-AC1667EBCBE1}">
+              <a14:hiddenEffects xmlns:a14="http://schemas.microsoft.com/office/drawing/2010/main">
+                <a:effectLst>
+                  <a:outerShdw dist="35921" dir="2700000" algn="ctr" rotWithShape="0">
+                    <a:schemeClr val="bg2"/>
+                  </a:outerShdw>
+                </a:effectLst>
+              </a14:hiddenEffects>
+            </a:ext>
+          </a:extLst>
+        </p:spPr>
+        <p:txBody>
+          <a:bodyPr vert="horz" wrap="square" lIns="91440" tIns="45720" rIns="91440" bIns="45720" numCol="1" anchor="ctr" anchorCtr="0" compatLnSpc="1">
+            <a:prstTxWarp prst="textNoShape">
+              <a:avLst/>
+            </a:prstTxWarp>
+            <a:spAutoFit/>
+          </a:bodyPr>
+          <a:lstStyle/>
+          <a:p>
+            <a:r>
+              <a:rPr lang="en-US" sz="2000" dirty="0" err="1"/>
+              <a:t>git</a:t>
+            </a:r>
+            <a:r>
+              <a:rPr lang="en-US" sz="2000" dirty="0"/>
+              <a:t> clone </a:t>
+            </a:r>
+            <a:r>
+              <a:rPr lang="en-US" sz="2000" dirty="0" err="1"/>
+              <a:t>git@github.com:jeffxor</a:t>
+            </a:r>
+            <a:r>
+              <a:rPr lang="en-US" sz="2000" dirty="0"/>
+              <a:t>/</a:t>
+            </a:r>
+            <a:r>
+              <a:rPr lang="en-US" sz="2000" dirty="0" err="1"/>
+              <a:t>prototypes.git</a:t>
+            </a:r>
+            <a:endParaRPr lang="en-US" sz="2000" dirty="0"/>
+          </a:p>
+        </p:txBody>
+      </p:sp>
     </p:spTree>
     <p:extLst>
       <p:ext uri="{BB962C8B-B14F-4D97-AF65-F5344CB8AC3E}">
@@ -13723,9 +14509,87 @@
   <p:timing>
     <p:tnLst>
       <p:par>
-        <p:cTn xmlns:p14="http://schemas.microsoft.com/office/powerpoint/2010/main" id="1" dur="indefinite" restart="never" nodeType="tmRoot"/>
+        <p:cTn xmlns:p14="http://schemas.microsoft.com/office/powerpoint/2010/main" id="1" dur="indefinite" restart="never" nodeType="tmRoot">
+          <p:childTnLst>
+            <p:seq concurrent="1" nextAc="seek">
+              <p:cTn id="2" dur="indefinite" nodeType="mainSeq">
+                <p:childTnLst>
+                  <p:par>
+                    <p:cTn id="3" fill="hold">
+                      <p:stCondLst>
+                        <p:cond delay="indefinite"/>
+                        <p:cond evt="onBegin" delay="0">
+                          <p:tn val="2"/>
+                        </p:cond>
+                      </p:stCondLst>
+                      <p:childTnLst>
+                        <p:par>
+                          <p:cTn id="4" fill="hold">
+                            <p:stCondLst>
+                              <p:cond delay="0"/>
+                            </p:stCondLst>
+                            <p:childTnLst>
+                              <p:par>
+                                <p:cTn id="5" presetID="1" presetClass="entr" presetSubtype="0" fill="hold" grpId="0" nodeType="withEffect">
+                                  <p:stCondLst>
+                                    <p:cond delay="0"/>
+                                  </p:stCondLst>
+                                  <p:childTnLst>
+                                    <p:set>
+                                      <p:cBhvr>
+                                        <p:cTn id="6" dur="1" fill="hold">
+                                          <p:stCondLst>
+                                            <p:cond delay="0"/>
+                                          </p:stCondLst>
+                                        </p:cTn>
+                                        <p:tgtEl>
+                                          <p:spTgt spid="4">
+                                            <p:txEl>
+                                              <p:pRg st="0" end="0"/>
+                                            </p:txEl>
+                                          </p:spTgt>
+                                        </p:tgtEl>
+                                        <p:attrNameLst>
+                                          <p:attrName>style.visibility</p:attrName>
+                                        </p:attrNameLst>
+                                      </p:cBhvr>
+                                      <p:to>
+                                        <p:strVal val="visible"/>
+                                      </p:to>
+                                    </p:set>
+                                  </p:childTnLst>
+                                </p:cTn>
+                              </p:par>
+                            </p:childTnLst>
+                          </p:cTn>
+                        </p:par>
+                      </p:childTnLst>
+                    </p:cTn>
+                  </p:par>
+                </p:childTnLst>
+              </p:cTn>
+              <p:prevCondLst>
+                <p:cond evt="onPrev" delay="0">
+                  <p:tgtEl>
+                    <p:sldTgt/>
+                  </p:tgtEl>
+                </p:cond>
+              </p:prevCondLst>
+              <p:nextCondLst>
+                <p:cond evt="onNext" delay="0">
+                  <p:tgtEl>
+                    <p:sldTgt/>
+                  </p:tgtEl>
+                </p:cond>
+              </p:nextCondLst>
+            </p:seq>
+          </p:childTnLst>
+        </p:cTn>
       </p:par>
     </p:tnLst>
+    <p:bldLst>
+      <p:bldP spid="4" grpId="0" build="p"/>
+    </p:bldLst>
   </p:timing>
 </p:sld>
 </file>
@@ -13764,7 +14628,1476 @@
           <a:p>
             <a:r>
               <a:rPr lang="en-US" dirty="0" smtClean="0"/>
-              <a:t>Further Reading</a:t>
+              <a:t>ECMAScript 6 Classes</a:t>
+            </a:r>
+            <a:endParaRPr lang="en-US" dirty="0"/>
+          </a:p>
+        </p:txBody>
+      </p:sp>
+      <p:sp>
+        <p:nvSpPr>
+          <p:cNvPr id="3" name="Text Placeholder 2"/>
+          <p:cNvSpPr>
+            <a:spLocks noGrp="1"/>
+          </p:cNvSpPr>
+          <p:nvPr>
+            <p:ph type="body" idx="1"/>
+          </p:nvPr>
+        </p:nvSpPr>
+        <p:spPr/>
+        <p:txBody>
+          <a:bodyPr/>
+          <a:lstStyle/>
+          <a:p>
+            <a:endParaRPr lang="en-US"/>
+          </a:p>
+        </p:txBody>
+      </p:sp>
+    </p:spTree>
+    <p:extLst>
+      <p:ext uri="{BB962C8B-B14F-4D97-AF65-F5344CB8AC3E}">
+        <p14:creationId xmlns:p14="http://schemas.microsoft.com/office/powerpoint/2010/main" val="2795109881"/>
+      </p:ext>
+    </p:extLst>
+  </p:cSld>
+  <p:clrMapOvr>
+    <a:masterClrMapping/>
+  </p:clrMapOvr>
+</p:sld>
+</file>
+
+<file path=ppt/slides/slide27.xml><?xml version="1.0" encoding="utf-8"?>
+<p:sld xmlns:a="http://schemas.openxmlformats.org/drawingml/2006/main" xmlns:r="http://schemas.openxmlformats.org/officeDocument/2006/relationships" xmlns:p="http://schemas.openxmlformats.org/presentationml/2006/main">
+  <p:cSld>
+    <p:spTree>
+      <p:nvGrpSpPr>
+        <p:cNvPr id="1" name=""/>
+        <p:cNvGrpSpPr/>
+        <p:nvPr/>
+      </p:nvGrpSpPr>
+      <p:grpSpPr>
+        <a:xfrm>
+          <a:off x="0" y="0"/>
+          <a:ext cx="0" cy="0"/>
+          <a:chOff x="0" y="0"/>
+          <a:chExt cx="0" cy="0"/>
+        </a:xfrm>
+      </p:grpSpPr>
+      <p:sp>
+        <p:nvSpPr>
+          <p:cNvPr id="4" name="Title 3"/>
+          <p:cNvSpPr>
+            <a:spLocks noGrp="1"/>
+          </p:cNvSpPr>
+          <p:nvPr>
+            <p:ph type="title"/>
+          </p:nvPr>
+        </p:nvSpPr>
+        <p:spPr/>
+        <p:txBody>
+          <a:bodyPr/>
+          <a:lstStyle/>
+          <a:p>
+            <a:r>
+              <a:rPr lang="en-US" dirty="0" smtClean="0">
+                <a:solidFill>
+                  <a:schemeClr val="accent1">
+                    <a:lumMod val="60000"/>
+                    <a:lumOff val="40000"/>
+                  </a:schemeClr>
+                </a:solidFill>
+              </a:rPr>
+              <a:t>class</a:t>
+            </a:r>
+            <a:r>
+              <a:rPr lang="en-US" dirty="0" smtClean="0"/>
+              <a:t>es magic</a:t>
+            </a:r>
+            <a:endParaRPr lang="en-US" dirty="0"/>
+          </a:p>
+        </p:txBody>
+      </p:sp>
+      <p:sp>
+        <p:nvSpPr>
+          <p:cNvPr id="6" name="Text Placeholder 5"/>
+          <p:cNvSpPr>
+            <a:spLocks noGrp="1"/>
+          </p:cNvSpPr>
+          <p:nvPr>
+            <p:ph type="body" idx="1"/>
+          </p:nvPr>
+        </p:nvSpPr>
+        <p:spPr/>
+        <p:txBody>
+          <a:bodyPr/>
+          <a:lstStyle/>
+          <a:p>
+            <a:r>
+              <a:rPr lang="en-US" dirty="0" smtClean="0"/>
+              <a:t>In the past</a:t>
+            </a:r>
+            <a:endParaRPr lang="en-US" dirty="0"/>
+          </a:p>
+        </p:txBody>
+      </p:sp>
+      <p:sp>
+        <p:nvSpPr>
+          <p:cNvPr id="7" name="Content Placeholder 6"/>
+          <p:cNvSpPr>
+            <a:spLocks noGrp="1"/>
+          </p:cNvSpPr>
+          <p:nvPr>
+            <p:ph sz="half" idx="2"/>
+          </p:nvPr>
+        </p:nvSpPr>
+        <p:spPr/>
+        <p:txBody>
+          <a:bodyPr/>
+          <a:lstStyle/>
+          <a:p>
+            <a:pPr marL="0" indent="0">
+              <a:buNone/>
+            </a:pPr>
+            <a:r>
+              <a:rPr lang="en-US" dirty="0" err="1" smtClean="0">
+                <a:latin typeface="Consolas" panose="020B0609020204030204" pitchFamily="49" charset="0"/>
+                <a:cs typeface="Consolas" panose="020B0609020204030204" pitchFamily="49" charset="0"/>
+              </a:rPr>
+              <a:t>var</a:t>
+            </a:r>
+            <a:r>
+              <a:rPr lang="en-US" dirty="0" smtClean="0">
+                <a:latin typeface="Consolas" panose="020B0609020204030204" pitchFamily="49" charset="0"/>
+                <a:cs typeface="Consolas" panose="020B0609020204030204" pitchFamily="49" charset="0"/>
+              </a:rPr>
+              <a:t> Car = function() {</a:t>
+            </a:r>
+            <a:br>
+              <a:rPr lang="en-US" dirty="0" smtClean="0">
+                <a:latin typeface="Consolas" panose="020B0609020204030204" pitchFamily="49" charset="0"/>
+                <a:cs typeface="Consolas" panose="020B0609020204030204" pitchFamily="49" charset="0"/>
+              </a:rPr>
+            </a:br>
+            <a:r>
+              <a:rPr lang="en-US" dirty="0" smtClean="0">
+                <a:latin typeface="Consolas" panose="020B0609020204030204" pitchFamily="49" charset="0"/>
+                <a:cs typeface="Consolas" panose="020B0609020204030204" pitchFamily="49" charset="0"/>
+              </a:rPr>
+              <a:t>    // </a:t>
+            </a:r>
+            <a:r>
+              <a:rPr lang="en-US" dirty="0" err="1" smtClean="0">
+                <a:latin typeface="Consolas" panose="020B0609020204030204" pitchFamily="49" charset="0"/>
+                <a:cs typeface="Consolas" panose="020B0609020204030204" pitchFamily="49" charset="0"/>
+              </a:rPr>
+              <a:t>init</a:t>
+            </a:r>
+            <a:r>
+              <a:rPr lang="en-US" dirty="0" smtClean="0">
+                <a:latin typeface="Consolas" panose="020B0609020204030204" pitchFamily="49" charset="0"/>
+                <a:cs typeface="Consolas" panose="020B0609020204030204" pitchFamily="49" charset="0"/>
+              </a:rPr>
+              <a:t> variables</a:t>
+            </a:r>
+            <a:br>
+              <a:rPr lang="en-US" dirty="0" smtClean="0">
+                <a:latin typeface="Consolas" panose="020B0609020204030204" pitchFamily="49" charset="0"/>
+                <a:cs typeface="Consolas" panose="020B0609020204030204" pitchFamily="49" charset="0"/>
+              </a:rPr>
+            </a:br>
+            <a:r>
+              <a:rPr lang="en-US" dirty="0" smtClean="0">
+                <a:latin typeface="Consolas" panose="020B0609020204030204" pitchFamily="49" charset="0"/>
+                <a:cs typeface="Consolas" panose="020B0609020204030204" pitchFamily="49" charset="0"/>
+              </a:rPr>
+              <a:t>};</a:t>
+            </a:r>
+            <a:br>
+              <a:rPr lang="en-US" dirty="0" smtClean="0">
+                <a:latin typeface="Consolas" panose="020B0609020204030204" pitchFamily="49" charset="0"/>
+                <a:cs typeface="Consolas" panose="020B0609020204030204" pitchFamily="49" charset="0"/>
+              </a:rPr>
+            </a:br>
+            <a:r>
+              <a:rPr lang="en-US" dirty="0" smtClean="0">
+                <a:latin typeface="Consolas" panose="020B0609020204030204" pitchFamily="49" charset="0"/>
+                <a:cs typeface="Consolas" panose="020B0609020204030204" pitchFamily="49" charset="0"/>
+              </a:rPr>
+              <a:t/>
+            </a:r>
+            <a:br>
+              <a:rPr lang="en-US" dirty="0" smtClean="0">
+                <a:latin typeface="Consolas" panose="020B0609020204030204" pitchFamily="49" charset="0"/>
+                <a:cs typeface="Consolas" panose="020B0609020204030204" pitchFamily="49" charset="0"/>
+              </a:rPr>
+            </a:br>
+            <a:r>
+              <a:rPr lang="en-US" dirty="0" err="1" smtClean="0">
+                <a:latin typeface="Consolas" panose="020B0609020204030204" pitchFamily="49" charset="0"/>
+                <a:cs typeface="Consolas" panose="020B0609020204030204" pitchFamily="49" charset="0"/>
+              </a:rPr>
+              <a:t>Car.prototype</a:t>
+            </a:r>
+            <a:r>
+              <a:rPr lang="en-US" dirty="0" smtClean="0">
+                <a:latin typeface="Consolas" panose="020B0609020204030204" pitchFamily="49" charset="0"/>
+                <a:cs typeface="Consolas" panose="020B0609020204030204" pitchFamily="49" charset="0"/>
+              </a:rPr>
+              <a:t> = {</a:t>
+            </a:r>
+            <a:br>
+              <a:rPr lang="en-US" dirty="0" smtClean="0">
+                <a:latin typeface="Consolas" panose="020B0609020204030204" pitchFamily="49" charset="0"/>
+                <a:cs typeface="Consolas" panose="020B0609020204030204" pitchFamily="49" charset="0"/>
+              </a:rPr>
+            </a:br>
+            <a:r>
+              <a:rPr lang="en-US" dirty="0" smtClean="0">
+                <a:latin typeface="Consolas" panose="020B0609020204030204" pitchFamily="49" charset="0"/>
+                <a:cs typeface="Consolas" panose="020B0609020204030204" pitchFamily="49" charset="0"/>
+              </a:rPr>
+              <a:t>    foo: function() {</a:t>
+            </a:r>
+            <a:br>
+              <a:rPr lang="en-US" dirty="0" smtClean="0">
+                <a:latin typeface="Consolas" panose="020B0609020204030204" pitchFamily="49" charset="0"/>
+                <a:cs typeface="Consolas" panose="020B0609020204030204" pitchFamily="49" charset="0"/>
+              </a:rPr>
+            </a:br>
+            <a:r>
+              <a:rPr lang="en-US" dirty="0" smtClean="0">
+                <a:latin typeface="Consolas" panose="020B0609020204030204" pitchFamily="49" charset="0"/>
+                <a:cs typeface="Consolas" panose="020B0609020204030204" pitchFamily="49" charset="0"/>
+              </a:rPr>
+              <a:t>        return “</a:t>
+            </a:r>
+            <a:r>
+              <a:rPr lang="en-US" dirty="0" err="1" smtClean="0">
+                <a:latin typeface="Consolas" panose="020B0609020204030204" pitchFamily="49" charset="0"/>
+                <a:cs typeface="Consolas" panose="020B0609020204030204" pitchFamily="49" charset="0"/>
+              </a:rPr>
+              <a:t>whazzz</a:t>
+            </a:r>
+            <a:r>
+              <a:rPr lang="en-US" dirty="0" smtClean="0">
+                <a:latin typeface="Consolas" panose="020B0609020204030204" pitchFamily="49" charset="0"/>
+                <a:cs typeface="Consolas" panose="020B0609020204030204" pitchFamily="49" charset="0"/>
+              </a:rPr>
+              <a:t> up”;</a:t>
+            </a:r>
+            <a:br>
+              <a:rPr lang="en-US" dirty="0" smtClean="0">
+                <a:latin typeface="Consolas" panose="020B0609020204030204" pitchFamily="49" charset="0"/>
+                <a:cs typeface="Consolas" panose="020B0609020204030204" pitchFamily="49" charset="0"/>
+              </a:rPr>
+            </a:br>
+            <a:r>
+              <a:rPr lang="en-US" dirty="0" smtClean="0">
+                <a:latin typeface="Consolas" panose="020B0609020204030204" pitchFamily="49" charset="0"/>
+                <a:cs typeface="Consolas" panose="020B0609020204030204" pitchFamily="49" charset="0"/>
+              </a:rPr>
+              <a:t>    }</a:t>
+            </a:r>
+            <a:br>
+              <a:rPr lang="en-US" dirty="0" smtClean="0">
+                <a:latin typeface="Consolas" panose="020B0609020204030204" pitchFamily="49" charset="0"/>
+                <a:cs typeface="Consolas" panose="020B0609020204030204" pitchFamily="49" charset="0"/>
+              </a:rPr>
+            </a:br>
+            <a:r>
+              <a:rPr lang="en-US" dirty="0" smtClean="0">
+                <a:latin typeface="Consolas" panose="020B0609020204030204" pitchFamily="49" charset="0"/>
+                <a:cs typeface="Consolas" panose="020B0609020204030204" pitchFamily="49" charset="0"/>
+              </a:rPr>
+              <a:t>};</a:t>
+            </a:r>
+            <a:br>
+              <a:rPr lang="en-US" dirty="0" smtClean="0">
+                <a:latin typeface="Consolas" panose="020B0609020204030204" pitchFamily="49" charset="0"/>
+                <a:cs typeface="Consolas" panose="020B0609020204030204" pitchFamily="49" charset="0"/>
+              </a:rPr>
+            </a:br>
+            <a:r>
+              <a:rPr lang="en-US" dirty="0" smtClean="0">
+                <a:latin typeface="Consolas" panose="020B0609020204030204" pitchFamily="49" charset="0"/>
+                <a:cs typeface="Consolas" panose="020B0609020204030204" pitchFamily="49" charset="0"/>
+              </a:rPr>
+              <a:t/>
+            </a:r>
+            <a:br>
+              <a:rPr lang="en-US" dirty="0" smtClean="0">
+                <a:latin typeface="Consolas" panose="020B0609020204030204" pitchFamily="49" charset="0"/>
+                <a:cs typeface="Consolas" panose="020B0609020204030204" pitchFamily="49" charset="0"/>
+              </a:rPr>
+            </a:br>
+            <a:r>
+              <a:rPr lang="en-US" dirty="0" err="1" smtClean="0">
+                <a:latin typeface="Consolas" panose="020B0609020204030204" pitchFamily="49" charset="0"/>
+                <a:cs typeface="Consolas" panose="020B0609020204030204" pitchFamily="49" charset="0"/>
+              </a:rPr>
+              <a:t>var</a:t>
+            </a:r>
+            <a:r>
+              <a:rPr lang="en-US" dirty="0" smtClean="0">
+                <a:latin typeface="Consolas" panose="020B0609020204030204" pitchFamily="49" charset="0"/>
+                <a:cs typeface="Consolas" panose="020B0609020204030204" pitchFamily="49" charset="0"/>
+              </a:rPr>
+              <a:t> </a:t>
+            </a:r>
+            <a:r>
+              <a:rPr lang="en-US" dirty="0" err="1" smtClean="0">
+                <a:latin typeface="Consolas" panose="020B0609020204030204" pitchFamily="49" charset="0"/>
+                <a:cs typeface="Consolas" panose="020B0609020204030204" pitchFamily="49" charset="0"/>
+              </a:rPr>
+              <a:t>porsche</a:t>
+            </a:r>
+            <a:r>
+              <a:rPr lang="en-US" dirty="0" smtClean="0">
+                <a:latin typeface="Consolas" panose="020B0609020204030204" pitchFamily="49" charset="0"/>
+                <a:cs typeface="Consolas" panose="020B0609020204030204" pitchFamily="49" charset="0"/>
+              </a:rPr>
+              <a:t> = new Car();</a:t>
+            </a:r>
+          </a:p>
+        </p:txBody>
+      </p:sp>
+      <p:sp>
+        <p:nvSpPr>
+          <p:cNvPr id="8" name="Text Placeholder 7"/>
+          <p:cNvSpPr>
+            <a:spLocks noGrp="1"/>
+          </p:cNvSpPr>
+          <p:nvPr>
+            <p:ph type="body" sz="quarter" idx="3"/>
+          </p:nvPr>
+        </p:nvSpPr>
+        <p:spPr/>
+        <p:txBody>
+          <a:bodyPr/>
+          <a:lstStyle/>
+          <a:p>
+            <a:r>
+              <a:rPr lang="en-US" dirty="0" smtClean="0"/>
+              <a:t>Today</a:t>
+            </a:r>
+            <a:endParaRPr lang="en-US" dirty="0"/>
+          </a:p>
+        </p:txBody>
+      </p:sp>
+      <p:sp>
+        <p:nvSpPr>
+          <p:cNvPr id="9" name="Content Placeholder 8"/>
+          <p:cNvSpPr>
+            <a:spLocks noGrp="1"/>
+          </p:cNvSpPr>
+          <p:nvPr>
+            <p:ph sz="quarter" idx="4"/>
+          </p:nvPr>
+        </p:nvSpPr>
+        <p:spPr/>
+        <p:txBody>
+          <a:bodyPr/>
+          <a:lstStyle/>
+          <a:p>
+            <a:pPr marL="0" indent="0">
+              <a:buNone/>
+            </a:pPr>
+            <a:r>
+              <a:rPr lang="en-US" dirty="0" smtClean="0">
+                <a:solidFill>
+                  <a:schemeClr val="accent1">
+                    <a:lumMod val="60000"/>
+                    <a:lumOff val="40000"/>
+                  </a:schemeClr>
+                </a:solidFill>
+                <a:latin typeface="Consolas" panose="020B0609020204030204" pitchFamily="49" charset="0"/>
+                <a:cs typeface="Consolas" panose="020B0609020204030204" pitchFamily="49" charset="0"/>
+              </a:rPr>
+              <a:t>class</a:t>
+            </a:r>
+            <a:r>
+              <a:rPr lang="en-US" dirty="0" smtClean="0">
+                <a:latin typeface="Consolas" panose="020B0609020204030204" pitchFamily="49" charset="0"/>
+                <a:cs typeface="Consolas" panose="020B0609020204030204" pitchFamily="49" charset="0"/>
+              </a:rPr>
+              <a:t> Car {</a:t>
+            </a:r>
+            <a:br>
+              <a:rPr lang="en-US" dirty="0" smtClean="0">
+                <a:latin typeface="Consolas" panose="020B0609020204030204" pitchFamily="49" charset="0"/>
+                <a:cs typeface="Consolas" panose="020B0609020204030204" pitchFamily="49" charset="0"/>
+              </a:rPr>
+            </a:br>
+            <a:r>
+              <a:rPr lang="en-US" dirty="0" smtClean="0">
+                <a:latin typeface="Consolas" panose="020B0609020204030204" pitchFamily="49" charset="0"/>
+                <a:cs typeface="Consolas" panose="020B0609020204030204" pitchFamily="49" charset="0"/>
+              </a:rPr>
+              <a:t>    foo() {</a:t>
+            </a:r>
+            <a:br>
+              <a:rPr lang="en-US" dirty="0" smtClean="0">
+                <a:latin typeface="Consolas" panose="020B0609020204030204" pitchFamily="49" charset="0"/>
+                <a:cs typeface="Consolas" panose="020B0609020204030204" pitchFamily="49" charset="0"/>
+              </a:rPr>
+            </a:br>
+            <a:r>
+              <a:rPr lang="en-US" dirty="0" smtClean="0">
+                <a:latin typeface="Consolas" panose="020B0609020204030204" pitchFamily="49" charset="0"/>
+                <a:cs typeface="Consolas" panose="020B0609020204030204" pitchFamily="49" charset="0"/>
+              </a:rPr>
+              <a:t>        return “</a:t>
+            </a:r>
+            <a:r>
+              <a:rPr lang="en-US" dirty="0" err="1" smtClean="0">
+                <a:latin typeface="Consolas" panose="020B0609020204030204" pitchFamily="49" charset="0"/>
+                <a:cs typeface="Consolas" panose="020B0609020204030204" pitchFamily="49" charset="0"/>
+              </a:rPr>
+              <a:t>whazzz</a:t>
+            </a:r>
+            <a:r>
+              <a:rPr lang="en-US" dirty="0" smtClean="0">
+                <a:latin typeface="Consolas" panose="020B0609020204030204" pitchFamily="49" charset="0"/>
+                <a:cs typeface="Consolas" panose="020B0609020204030204" pitchFamily="49" charset="0"/>
+              </a:rPr>
+              <a:t> up”;</a:t>
+            </a:r>
+            <a:br>
+              <a:rPr lang="en-US" dirty="0" smtClean="0">
+                <a:latin typeface="Consolas" panose="020B0609020204030204" pitchFamily="49" charset="0"/>
+                <a:cs typeface="Consolas" panose="020B0609020204030204" pitchFamily="49" charset="0"/>
+              </a:rPr>
+            </a:br>
+            <a:r>
+              <a:rPr lang="en-US" dirty="0" smtClean="0">
+                <a:latin typeface="Consolas" panose="020B0609020204030204" pitchFamily="49" charset="0"/>
+                <a:cs typeface="Consolas" panose="020B0609020204030204" pitchFamily="49" charset="0"/>
+              </a:rPr>
+              <a:t>    }</a:t>
+            </a:r>
+            <a:br>
+              <a:rPr lang="en-US" dirty="0" smtClean="0">
+                <a:latin typeface="Consolas" panose="020B0609020204030204" pitchFamily="49" charset="0"/>
+                <a:cs typeface="Consolas" panose="020B0609020204030204" pitchFamily="49" charset="0"/>
+              </a:rPr>
+            </a:br>
+            <a:r>
+              <a:rPr lang="en-US" dirty="0" smtClean="0">
+                <a:latin typeface="Consolas" panose="020B0609020204030204" pitchFamily="49" charset="0"/>
+                <a:cs typeface="Consolas" panose="020B0609020204030204" pitchFamily="49" charset="0"/>
+              </a:rPr>
+              <a:t>}</a:t>
+            </a:r>
+            <a:br>
+              <a:rPr lang="en-US" dirty="0" smtClean="0">
+                <a:latin typeface="Consolas" panose="020B0609020204030204" pitchFamily="49" charset="0"/>
+                <a:cs typeface="Consolas" panose="020B0609020204030204" pitchFamily="49" charset="0"/>
+              </a:rPr>
+            </a:br>
+            <a:r>
+              <a:rPr lang="en-US" dirty="0" smtClean="0">
+                <a:latin typeface="Consolas" panose="020B0609020204030204" pitchFamily="49" charset="0"/>
+                <a:cs typeface="Consolas" panose="020B0609020204030204" pitchFamily="49" charset="0"/>
+              </a:rPr>
+              <a:t/>
+            </a:r>
+            <a:br>
+              <a:rPr lang="en-US" dirty="0" smtClean="0">
+                <a:latin typeface="Consolas" panose="020B0609020204030204" pitchFamily="49" charset="0"/>
+                <a:cs typeface="Consolas" panose="020B0609020204030204" pitchFamily="49" charset="0"/>
+              </a:rPr>
+            </a:br>
+            <a:r>
+              <a:rPr lang="en-US" dirty="0" smtClean="0">
+                <a:latin typeface="Consolas" panose="020B0609020204030204" pitchFamily="49" charset="0"/>
+                <a:cs typeface="Consolas" panose="020B0609020204030204" pitchFamily="49" charset="0"/>
+              </a:rPr>
+              <a:t/>
+            </a:r>
+            <a:br>
+              <a:rPr lang="en-US" dirty="0" smtClean="0">
+                <a:latin typeface="Consolas" panose="020B0609020204030204" pitchFamily="49" charset="0"/>
+                <a:cs typeface="Consolas" panose="020B0609020204030204" pitchFamily="49" charset="0"/>
+              </a:rPr>
+            </a:br>
+            <a:r>
+              <a:rPr lang="en-US" dirty="0" smtClean="0">
+                <a:latin typeface="Consolas" panose="020B0609020204030204" pitchFamily="49" charset="0"/>
+                <a:cs typeface="Consolas" panose="020B0609020204030204" pitchFamily="49" charset="0"/>
+              </a:rPr>
+              <a:t/>
+            </a:r>
+            <a:br>
+              <a:rPr lang="en-US" dirty="0" smtClean="0">
+                <a:latin typeface="Consolas" panose="020B0609020204030204" pitchFamily="49" charset="0"/>
+                <a:cs typeface="Consolas" panose="020B0609020204030204" pitchFamily="49" charset="0"/>
+              </a:rPr>
+            </a:br>
+            <a:r>
+              <a:rPr lang="en-US" dirty="0" smtClean="0">
+                <a:latin typeface="Consolas" panose="020B0609020204030204" pitchFamily="49" charset="0"/>
+                <a:cs typeface="Consolas" panose="020B0609020204030204" pitchFamily="49" charset="0"/>
+              </a:rPr>
+              <a:t/>
+            </a:r>
+            <a:br>
+              <a:rPr lang="en-US" dirty="0" smtClean="0">
+                <a:latin typeface="Consolas" panose="020B0609020204030204" pitchFamily="49" charset="0"/>
+                <a:cs typeface="Consolas" panose="020B0609020204030204" pitchFamily="49" charset="0"/>
+              </a:rPr>
+            </a:br>
+            <a:r>
+              <a:rPr lang="en-US" dirty="0" smtClean="0">
+                <a:latin typeface="Consolas" panose="020B0609020204030204" pitchFamily="49" charset="0"/>
+                <a:cs typeface="Consolas" panose="020B0609020204030204" pitchFamily="49" charset="0"/>
+              </a:rPr>
+              <a:t/>
+            </a:r>
+            <a:br>
+              <a:rPr lang="en-US" dirty="0" smtClean="0">
+                <a:latin typeface="Consolas" panose="020B0609020204030204" pitchFamily="49" charset="0"/>
+                <a:cs typeface="Consolas" panose="020B0609020204030204" pitchFamily="49" charset="0"/>
+              </a:rPr>
+            </a:br>
+            <a:r>
+              <a:rPr lang="en-US" dirty="0" smtClean="0">
+                <a:solidFill>
+                  <a:schemeClr val="accent1">
+                    <a:lumMod val="60000"/>
+                    <a:lumOff val="40000"/>
+                  </a:schemeClr>
+                </a:solidFill>
+                <a:latin typeface="Consolas" panose="020B0609020204030204" pitchFamily="49" charset="0"/>
+                <a:cs typeface="Consolas" panose="020B0609020204030204" pitchFamily="49" charset="0"/>
+              </a:rPr>
+              <a:t>let</a:t>
+            </a:r>
+            <a:r>
+              <a:rPr lang="en-US" dirty="0" smtClean="0">
+                <a:latin typeface="Consolas" panose="020B0609020204030204" pitchFamily="49" charset="0"/>
+                <a:cs typeface="Consolas" panose="020B0609020204030204" pitchFamily="49" charset="0"/>
+              </a:rPr>
+              <a:t> </a:t>
+            </a:r>
+            <a:r>
+              <a:rPr lang="en-US" dirty="0" err="1" smtClean="0">
+                <a:latin typeface="Consolas" panose="020B0609020204030204" pitchFamily="49" charset="0"/>
+                <a:cs typeface="Consolas" panose="020B0609020204030204" pitchFamily="49" charset="0"/>
+              </a:rPr>
+              <a:t>porsche</a:t>
+            </a:r>
+            <a:r>
+              <a:rPr lang="en-US" dirty="0" smtClean="0">
+                <a:latin typeface="Consolas" panose="020B0609020204030204" pitchFamily="49" charset="0"/>
+                <a:cs typeface="Consolas" panose="020B0609020204030204" pitchFamily="49" charset="0"/>
+              </a:rPr>
+              <a:t> = new Car();</a:t>
+            </a:r>
+          </a:p>
+        </p:txBody>
+      </p:sp>
+      <p:cxnSp>
+        <p:nvCxnSpPr>
+          <p:cNvPr id="10" name="Straight Arrow Connector 9"/>
+          <p:cNvCxnSpPr/>
+          <p:nvPr/>
+        </p:nvCxnSpPr>
+        <p:spPr>
+          <a:xfrm flipH="1" flipV="1">
+            <a:off x="5895357" y="3907199"/>
+            <a:ext cx="293426" cy="389034"/>
+          </a:xfrm>
+          <a:prstGeom prst="straightConnector1">
+            <a:avLst/>
+          </a:prstGeom>
+          <a:ln>
+            <a:tailEnd type="triangle"/>
+          </a:ln>
+        </p:spPr>
+        <p:style>
+          <a:lnRef idx="3">
+            <a:schemeClr val="accent3"/>
+          </a:lnRef>
+          <a:fillRef idx="0">
+            <a:schemeClr val="accent3"/>
+          </a:fillRef>
+          <a:effectRef idx="2">
+            <a:schemeClr val="accent3"/>
+          </a:effectRef>
+          <a:fontRef idx="minor">
+            <a:schemeClr val="tx1"/>
+          </a:fontRef>
+        </p:style>
+      </p:cxnSp>
+      <p:sp>
+        <p:nvSpPr>
+          <p:cNvPr id="11" name="TextBox 10"/>
+          <p:cNvSpPr txBox="1"/>
+          <p:nvPr/>
+        </p:nvSpPr>
+        <p:spPr>
+          <a:xfrm>
+            <a:off x="5815603" y="4229463"/>
+            <a:ext cx="2408032" cy="369332"/>
+          </a:xfrm>
+          <a:prstGeom prst="rect">
+            <a:avLst/>
+          </a:prstGeom>
+          <a:noFill/>
+        </p:spPr>
+        <p:txBody>
+          <a:bodyPr wrap="none" rtlCol="0">
+            <a:spAutoFit/>
+          </a:bodyPr>
+          <a:lstStyle/>
+          <a:p>
+            <a:r>
+              <a:rPr lang="en-US" dirty="0">
+                <a:solidFill>
+                  <a:schemeClr val="accent3">
+                    <a:lumMod val="60000"/>
+                    <a:lumOff val="40000"/>
+                  </a:schemeClr>
+                </a:solidFill>
+              </a:rPr>
+              <a:t>o</a:t>
+            </a:r>
+            <a:r>
+              <a:rPr lang="en-US" dirty="0" smtClean="0">
+                <a:solidFill>
+                  <a:schemeClr val="accent3">
+                    <a:lumMod val="60000"/>
+                    <a:lumOff val="40000"/>
+                  </a:schemeClr>
+                </a:solidFill>
+              </a:rPr>
+              <a:t>ptional semicolons</a:t>
+            </a:r>
+            <a:endParaRPr lang="en-US" dirty="0">
+              <a:solidFill>
+                <a:schemeClr val="accent3">
+                  <a:lumMod val="60000"/>
+                  <a:lumOff val="40000"/>
+                </a:schemeClr>
+              </a:solidFill>
+            </a:endParaRPr>
+          </a:p>
+        </p:txBody>
+      </p:sp>
+      <p:cxnSp>
+        <p:nvCxnSpPr>
+          <p:cNvPr id="12" name="Straight Arrow Connector 11"/>
+          <p:cNvCxnSpPr/>
+          <p:nvPr/>
+        </p:nvCxnSpPr>
+        <p:spPr>
+          <a:xfrm flipH="1" flipV="1">
+            <a:off x="5403018" y="4107104"/>
+            <a:ext cx="492339" cy="131376"/>
+          </a:xfrm>
+          <a:prstGeom prst="straightConnector1">
+            <a:avLst/>
+          </a:prstGeom>
+          <a:ln>
+            <a:tailEnd type="triangle"/>
+          </a:ln>
+        </p:spPr>
+        <p:style>
+          <a:lnRef idx="3">
+            <a:schemeClr val="accent3"/>
+          </a:lnRef>
+          <a:fillRef idx="0">
+            <a:schemeClr val="accent3"/>
+          </a:fillRef>
+          <a:effectRef idx="2">
+            <a:schemeClr val="accent3"/>
+          </a:effectRef>
+          <a:fontRef idx="minor">
+            <a:schemeClr val="tx1"/>
+          </a:fontRef>
+        </p:style>
+      </p:cxnSp>
+    </p:spTree>
+    <p:extLst>
+      <p:ext uri="{BB962C8B-B14F-4D97-AF65-F5344CB8AC3E}">
+        <p14:creationId xmlns:p14="http://schemas.microsoft.com/office/powerpoint/2010/main" val="3231031204"/>
+      </p:ext>
+    </p:extLst>
+  </p:cSld>
+  <p:clrMapOvr>
+    <a:masterClrMapping/>
+  </p:clrMapOvr>
+  <p:timing>
+    <p:tnLst>
+      <p:par>
+        <p:cTn xmlns:p14="http://schemas.microsoft.com/office/powerpoint/2010/main" id="1" dur="indefinite" restart="never" nodeType="tmRoot"/>
+      </p:par>
+    </p:tnLst>
+  </p:timing>
+</p:sld>
+</file>
+
+<file path=ppt/slides/slide28.xml><?xml version="1.0" encoding="utf-8"?>
+<p:sld xmlns:a="http://schemas.openxmlformats.org/drawingml/2006/main" xmlns:r="http://schemas.openxmlformats.org/officeDocument/2006/relationships" xmlns:p="http://schemas.openxmlformats.org/presentationml/2006/main">
+  <p:cSld>
+    <p:spTree>
+      <p:nvGrpSpPr>
+        <p:cNvPr id="1" name=""/>
+        <p:cNvGrpSpPr/>
+        <p:nvPr/>
+      </p:nvGrpSpPr>
+      <p:grpSpPr>
+        <a:xfrm>
+          <a:off x="0" y="0"/>
+          <a:ext cx="0" cy="0"/>
+          <a:chOff x="0" y="0"/>
+          <a:chExt cx="0" cy="0"/>
+        </a:xfrm>
+      </p:grpSpPr>
+      <p:sp>
+        <p:nvSpPr>
+          <p:cNvPr id="7" name="Title 6"/>
+          <p:cNvSpPr>
+            <a:spLocks noGrp="1"/>
+          </p:cNvSpPr>
+          <p:nvPr>
+            <p:ph type="title"/>
+          </p:nvPr>
+        </p:nvSpPr>
+        <p:spPr/>
+        <p:txBody>
+          <a:bodyPr/>
+          <a:lstStyle/>
+          <a:p>
+            <a:r>
+              <a:rPr lang="en-US" dirty="0">
+                <a:solidFill>
+                  <a:schemeClr val="accent1">
+                    <a:lumMod val="60000"/>
+                    <a:lumOff val="40000"/>
+                  </a:schemeClr>
+                </a:solidFill>
+              </a:rPr>
+              <a:t>r</a:t>
+            </a:r>
+            <a:r>
+              <a:rPr lang="en-US" dirty="0" smtClean="0">
+                <a:solidFill>
+                  <a:schemeClr val="accent1">
+                    <a:lumMod val="60000"/>
+                    <a:lumOff val="40000"/>
+                  </a:schemeClr>
+                </a:solidFill>
+              </a:rPr>
+              <a:t>ed</a:t>
+            </a:r>
+            <a:r>
+              <a:rPr lang="en-US" dirty="0" smtClean="0"/>
+              <a:t> </a:t>
+            </a:r>
+            <a:r>
+              <a:rPr lang="en-US" dirty="0" err="1" smtClean="0"/>
+              <a:t>porsche</a:t>
+            </a:r>
+            <a:endParaRPr lang="en-US" dirty="0"/>
+          </a:p>
+        </p:txBody>
+      </p:sp>
+      <p:sp>
+        <p:nvSpPr>
+          <p:cNvPr id="8" name="Content Placeholder 7"/>
+          <p:cNvSpPr>
+            <a:spLocks noGrp="1"/>
+          </p:cNvSpPr>
+          <p:nvPr>
+            <p:ph idx="1"/>
+          </p:nvPr>
+        </p:nvSpPr>
+        <p:spPr>
+          <a:xfrm>
+            <a:off x="1104293" y="1356103"/>
+            <a:ext cx="8946541" cy="5219726"/>
+          </a:xfrm>
+        </p:spPr>
+        <p:txBody>
+          <a:bodyPr>
+            <a:normAutofit fontScale="92500" lnSpcReduction="10000"/>
+          </a:bodyPr>
+          <a:lstStyle/>
+          <a:p>
+            <a:pPr marL="0" indent="0">
+              <a:buNone/>
+            </a:pPr>
+            <a:r>
+              <a:rPr lang="en-US" dirty="0">
+                <a:solidFill>
+                  <a:schemeClr val="accent1">
+                    <a:lumMod val="60000"/>
+                    <a:lumOff val="40000"/>
+                  </a:schemeClr>
+                </a:solidFill>
+                <a:latin typeface="Consolas" panose="020B0609020204030204" pitchFamily="49" charset="0"/>
+                <a:cs typeface="Consolas" panose="020B0609020204030204" pitchFamily="49" charset="0"/>
+              </a:rPr>
+              <a:t>class</a:t>
+            </a:r>
+            <a:r>
+              <a:rPr lang="en-US" dirty="0">
+                <a:latin typeface="Consolas" panose="020B0609020204030204" pitchFamily="49" charset="0"/>
+                <a:cs typeface="Consolas" panose="020B0609020204030204" pitchFamily="49" charset="0"/>
+              </a:rPr>
+              <a:t> Car </a:t>
+            </a:r>
+            <a:r>
+              <a:rPr lang="en-US" dirty="0" smtClean="0">
+                <a:latin typeface="Consolas" panose="020B0609020204030204" pitchFamily="49" charset="0"/>
+                <a:cs typeface="Consolas" panose="020B0609020204030204" pitchFamily="49" charset="0"/>
+              </a:rPr>
+              <a:t>{</a:t>
+            </a:r>
+          </a:p>
+          <a:p>
+            <a:pPr marL="0" indent="0">
+              <a:buNone/>
+            </a:pPr>
+            <a:r>
+              <a:rPr lang="en-US" dirty="0">
+                <a:latin typeface="Consolas" panose="020B0609020204030204" pitchFamily="49" charset="0"/>
+                <a:cs typeface="Consolas" panose="020B0609020204030204" pitchFamily="49" charset="0"/>
+              </a:rPr>
+              <a:t> </a:t>
+            </a:r>
+            <a:r>
+              <a:rPr lang="en-US" dirty="0" smtClean="0">
+                <a:latin typeface="Consolas" panose="020B0609020204030204" pitchFamily="49" charset="0"/>
+                <a:cs typeface="Consolas" panose="020B0609020204030204" pitchFamily="49" charset="0"/>
+              </a:rPr>
+              <a:t>   </a:t>
+            </a:r>
+            <a:br>
+              <a:rPr lang="en-US" dirty="0" smtClean="0">
+                <a:latin typeface="Consolas" panose="020B0609020204030204" pitchFamily="49" charset="0"/>
+                <a:cs typeface="Consolas" panose="020B0609020204030204" pitchFamily="49" charset="0"/>
+              </a:rPr>
+            </a:br>
+            <a:r>
+              <a:rPr lang="en-US" dirty="0" smtClean="0">
+                <a:latin typeface="Consolas" panose="020B0609020204030204" pitchFamily="49" charset="0"/>
+                <a:cs typeface="Consolas" panose="020B0609020204030204" pitchFamily="49" charset="0"/>
+              </a:rPr>
+              <a:t>    </a:t>
+            </a:r>
+            <a:r>
+              <a:rPr lang="en-US" dirty="0" smtClean="0">
+                <a:solidFill>
+                  <a:schemeClr val="accent1">
+                    <a:lumMod val="60000"/>
+                    <a:lumOff val="40000"/>
+                  </a:schemeClr>
+                </a:solidFill>
+                <a:latin typeface="Consolas" panose="020B0609020204030204" pitchFamily="49" charset="0"/>
+                <a:cs typeface="Consolas" panose="020B0609020204030204" pitchFamily="49" charset="0"/>
+              </a:rPr>
+              <a:t>constructor</a:t>
+            </a:r>
+            <a:r>
+              <a:rPr lang="en-US" dirty="0" smtClean="0">
+                <a:latin typeface="Consolas" panose="020B0609020204030204" pitchFamily="49" charset="0"/>
+                <a:cs typeface="Consolas" panose="020B0609020204030204" pitchFamily="49" charset="0"/>
+              </a:rPr>
+              <a:t>(color) {</a:t>
+            </a:r>
+            <a:br>
+              <a:rPr lang="en-US" dirty="0" smtClean="0">
+                <a:latin typeface="Consolas" panose="020B0609020204030204" pitchFamily="49" charset="0"/>
+                <a:cs typeface="Consolas" panose="020B0609020204030204" pitchFamily="49" charset="0"/>
+              </a:rPr>
+            </a:br>
+            <a:r>
+              <a:rPr lang="en-US" dirty="0" smtClean="0">
+                <a:latin typeface="Consolas" panose="020B0609020204030204" pitchFamily="49" charset="0"/>
+                <a:cs typeface="Consolas" panose="020B0609020204030204" pitchFamily="49" charset="0"/>
+              </a:rPr>
+              <a:t>        </a:t>
+            </a:r>
+            <a:r>
+              <a:rPr lang="en-US" dirty="0" err="1" smtClean="0">
+                <a:latin typeface="Consolas" panose="020B0609020204030204" pitchFamily="49" charset="0"/>
+                <a:cs typeface="Consolas" panose="020B0609020204030204" pitchFamily="49" charset="0"/>
+              </a:rPr>
+              <a:t>this._color</a:t>
+            </a:r>
+            <a:r>
+              <a:rPr lang="en-US" dirty="0" smtClean="0">
+                <a:latin typeface="Consolas" panose="020B0609020204030204" pitchFamily="49" charset="0"/>
+                <a:cs typeface="Consolas" panose="020B0609020204030204" pitchFamily="49" charset="0"/>
+              </a:rPr>
+              <a:t> = color;</a:t>
+            </a:r>
+            <a:br>
+              <a:rPr lang="en-US" dirty="0" smtClean="0">
+                <a:latin typeface="Consolas" panose="020B0609020204030204" pitchFamily="49" charset="0"/>
+                <a:cs typeface="Consolas" panose="020B0609020204030204" pitchFamily="49" charset="0"/>
+              </a:rPr>
+            </a:br>
+            <a:r>
+              <a:rPr lang="en-US" dirty="0" smtClean="0">
+                <a:latin typeface="Consolas" panose="020B0609020204030204" pitchFamily="49" charset="0"/>
+                <a:cs typeface="Consolas" panose="020B0609020204030204" pitchFamily="49" charset="0"/>
+              </a:rPr>
+              <a:t>    }</a:t>
+            </a:r>
+            <a:br>
+              <a:rPr lang="en-US" dirty="0" smtClean="0">
+                <a:latin typeface="Consolas" panose="020B0609020204030204" pitchFamily="49" charset="0"/>
+                <a:cs typeface="Consolas" panose="020B0609020204030204" pitchFamily="49" charset="0"/>
+              </a:rPr>
+            </a:br>
+            <a:r>
+              <a:rPr lang="en-US" dirty="0">
+                <a:latin typeface="Consolas" panose="020B0609020204030204" pitchFamily="49" charset="0"/>
+                <a:cs typeface="Consolas" panose="020B0609020204030204" pitchFamily="49" charset="0"/>
+              </a:rPr>
+              <a:t/>
+            </a:r>
+            <a:br>
+              <a:rPr lang="en-US" dirty="0">
+                <a:latin typeface="Consolas" panose="020B0609020204030204" pitchFamily="49" charset="0"/>
+                <a:cs typeface="Consolas" panose="020B0609020204030204" pitchFamily="49" charset="0"/>
+              </a:rPr>
+            </a:br>
+            <a:r>
+              <a:rPr lang="en-US" dirty="0">
+                <a:latin typeface="Consolas" panose="020B0609020204030204" pitchFamily="49" charset="0"/>
+                <a:cs typeface="Consolas" panose="020B0609020204030204" pitchFamily="49" charset="0"/>
+              </a:rPr>
+              <a:t>    </a:t>
+            </a:r>
+            <a:r>
+              <a:rPr lang="en-US" dirty="0" smtClean="0">
+                <a:solidFill>
+                  <a:schemeClr val="accent1">
+                    <a:lumMod val="60000"/>
+                    <a:lumOff val="40000"/>
+                  </a:schemeClr>
+                </a:solidFill>
+                <a:latin typeface="Consolas" panose="020B0609020204030204" pitchFamily="49" charset="0"/>
+                <a:cs typeface="Consolas" panose="020B0609020204030204" pitchFamily="49" charset="0"/>
+              </a:rPr>
+              <a:t>get</a:t>
+            </a:r>
+            <a:r>
+              <a:rPr lang="en-US" dirty="0" smtClean="0">
+                <a:latin typeface="Consolas" panose="020B0609020204030204" pitchFamily="49" charset="0"/>
+                <a:cs typeface="Consolas" panose="020B0609020204030204" pitchFamily="49" charset="0"/>
+              </a:rPr>
+              <a:t> color() </a:t>
+            </a:r>
+            <a:r>
+              <a:rPr lang="en-US" dirty="0">
+                <a:latin typeface="Consolas" panose="020B0609020204030204" pitchFamily="49" charset="0"/>
+                <a:cs typeface="Consolas" panose="020B0609020204030204" pitchFamily="49" charset="0"/>
+              </a:rPr>
+              <a:t>{</a:t>
+            </a:r>
+            <a:br>
+              <a:rPr lang="en-US" dirty="0">
+                <a:latin typeface="Consolas" panose="020B0609020204030204" pitchFamily="49" charset="0"/>
+                <a:cs typeface="Consolas" panose="020B0609020204030204" pitchFamily="49" charset="0"/>
+              </a:rPr>
+            </a:br>
+            <a:r>
+              <a:rPr lang="en-US" dirty="0">
+                <a:latin typeface="Consolas" panose="020B0609020204030204" pitchFamily="49" charset="0"/>
+                <a:cs typeface="Consolas" panose="020B0609020204030204" pitchFamily="49" charset="0"/>
+              </a:rPr>
+              <a:t>        return </a:t>
+            </a:r>
+            <a:r>
+              <a:rPr lang="en-US" dirty="0" err="1" smtClean="0">
+                <a:latin typeface="Consolas" panose="020B0609020204030204" pitchFamily="49" charset="0"/>
+                <a:cs typeface="Consolas" panose="020B0609020204030204" pitchFamily="49" charset="0"/>
+              </a:rPr>
+              <a:t>this._color</a:t>
+            </a:r>
+            <a:r>
+              <a:rPr lang="en-US" dirty="0" smtClean="0">
+                <a:latin typeface="Consolas" panose="020B0609020204030204" pitchFamily="49" charset="0"/>
+                <a:cs typeface="Consolas" panose="020B0609020204030204" pitchFamily="49" charset="0"/>
+              </a:rPr>
+              <a:t>;</a:t>
+            </a:r>
+            <a:r>
+              <a:rPr lang="en-US" dirty="0">
+                <a:latin typeface="Consolas" panose="020B0609020204030204" pitchFamily="49" charset="0"/>
+                <a:cs typeface="Consolas" panose="020B0609020204030204" pitchFamily="49" charset="0"/>
+              </a:rPr>
+              <a:t/>
+            </a:r>
+            <a:br>
+              <a:rPr lang="en-US" dirty="0">
+                <a:latin typeface="Consolas" panose="020B0609020204030204" pitchFamily="49" charset="0"/>
+                <a:cs typeface="Consolas" panose="020B0609020204030204" pitchFamily="49" charset="0"/>
+              </a:rPr>
+            </a:br>
+            <a:r>
+              <a:rPr lang="en-US" dirty="0">
+                <a:latin typeface="Consolas" panose="020B0609020204030204" pitchFamily="49" charset="0"/>
+                <a:cs typeface="Consolas" panose="020B0609020204030204" pitchFamily="49" charset="0"/>
+              </a:rPr>
+              <a:t>    </a:t>
+            </a:r>
+            <a:r>
+              <a:rPr lang="en-US" dirty="0" smtClean="0">
+                <a:latin typeface="Consolas" panose="020B0609020204030204" pitchFamily="49" charset="0"/>
+                <a:cs typeface="Consolas" panose="020B0609020204030204" pitchFamily="49" charset="0"/>
+              </a:rPr>
+              <a:t>}</a:t>
+            </a:r>
+            <a:br>
+              <a:rPr lang="en-US" dirty="0" smtClean="0">
+                <a:latin typeface="Consolas" panose="020B0609020204030204" pitchFamily="49" charset="0"/>
+                <a:cs typeface="Consolas" panose="020B0609020204030204" pitchFamily="49" charset="0"/>
+              </a:rPr>
+            </a:br>
+            <a:r>
+              <a:rPr lang="en-US" dirty="0" smtClean="0">
+                <a:latin typeface="Consolas" panose="020B0609020204030204" pitchFamily="49" charset="0"/>
+                <a:cs typeface="Consolas" panose="020B0609020204030204" pitchFamily="49" charset="0"/>
+              </a:rPr>
+              <a:t/>
+            </a:r>
+            <a:br>
+              <a:rPr lang="en-US" dirty="0" smtClean="0">
+                <a:latin typeface="Consolas" panose="020B0609020204030204" pitchFamily="49" charset="0"/>
+                <a:cs typeface="Consolas" panose="020B0609020204030204" pitchFamily="49" charset="0"/>
+              </a:rPr>
+            </a:br>
+            <a:r>
+              <a:rPr lang="en-US" dirty="0" smtClean="0">
+                <a:latin typeface="Consolas" panose="020B0609020204030204" pitchFamily="49" charset="0"/>
+                <a:cs typeface="Consolas" panose="020B0609020204030204" pitchFamily="49" charset="0"/>
+              </a:rPr>
+              <a:t>    </a:t>
+            </a:r>
+            <a:r>
+              <a:rPr lang="en-US" dirty="0" smtClean="0">
+                <a:solidFill>
+                  <a:schemeClr val="accent1">
+                    <a:lumMod val="60000"/>
+                    <a:lumOff val="40000"/>
+                  </a:schemeClr>
+                </a:solidFill>
+                <a:latin typeface="Consolas" panose="020B0609020204030204" pitchFamily="49" charset="0"/>
+                <a:cs typeface="Consolas" panose="020B0609020204030204" pitchFamily="49" charset="0"/>
+              </a:rPr>
+              <a:t>set </a:t>
+            </a:r>
+            <a:r>
+              <a:rPr lang="en-US" dirty="0" smtClean="0">
+                <a:latin typeface="Consolas" panose="020B0609020204030204" pitchFamily="49" charset="0"/>
+                <a:cs typeface="Consolas" panose="020B0609020204030204" pitchFamily="49" charset="0"/>
+              </a:rPr>
+              <a:t>color(</a:t>
+            </a:r>
+            <a:r>
+              <a:rPr lang="en-US" dirty="0" err="1" smtClean="0">
+                <a:latin typeface="Consolas" panose="020B0609020204030204" pitchFamily="49" charset="0"/>
+                <a:cs typeface="Consolas" panose="020B0609020204030204" pitchFamily="49" charset="0"/>
+              </a:rPr>
+              <a:t>newColor</a:t>
+            </a:r>
+            <a:r>
+              <a:rPr lang="en-US" dirty="0" smtClean="0">
+                <a:latin typeface="Consolas" panose="020B0609020204030204" pitchFamily="49" charset="0"/>
+                <a:cs typeface="Consolas" panose="020B0609020204030204" pitchFamily="49" charset="0"/>
+              </a:rPr>
+              <a:t>) {</a:t>
+            </a:r>
+            <a:br>
+              <a:rPr lang="en-US" dirty="0" smtClean="0">
+                <a:latin typeface="Consolas" panose="020B0609020204030204" pitchFamily="49" charset="0"/>
+                <a:cs typeface="Consolas" panose="020B0609020204030204" pitchFamily="49" charset="0"/>
+              </a:rPr>
+            </a:br>
+            <a:r>
+              <a:rPr lang="en-US" dirty="0" smtClean="0">
+                <a:latin typeface="Consolas" panose="020B0609020204030204" pitchFamily="49" charset="0"/>
+                <a:cs typeface="Consolas" panose="020B0609020204030204" pitchFamily="49" charset="0"/>
+              </a:rPr>
+              <a:t>        // validation</a:t>
+            </a:r>
+            <a:br>
+              <a:rPr lang="en-US" dirty="0" smtClean="0">
+                <a:latin typeface="Consolas" panose="020B0609020204030204" pitchFamily="49" charset="0"/>
+                <a:cs typeface="Consolas" panose="020B0609020204030204" pitchFamily="49" charset="0"/>
+              </a:rPr>
+            </a:br>
+            <a:r>
+              <a:rPr lang="en-US" dirty="0" smtClean="0">
+                <a:latin typeface="Consolas" panose="020B0609020204030204" pitchFamily="49" charset="0"/>
+                <a:cs typeface="Consolas" panose="020B0609020204030204" pitchFamily="49" charset="0"/>
+              </a:rPr>
+              <a:t>        </a:t>
+            </a:r>
+            <a:r>
+              <a:rPr lang="en-US" dirty="0" err="1" smtClean="0">
+                <a:latin typeface="Consolas" panose="020B0609020204030204" pitchFamily="49" charset="0"/>
+                <a:cs typeface="Consolas" panose="020B0609020204030204" pitchFamily="49" charset="0"/>
+              </a:rPr>
+              <a:t>this._color</a:t>
+            </a:r>
+            <a:r>
+              <a:rPr lang="en-US" dirty="0" smtClean="0">
+                <a:latin typeface="Consolas" panose="020B0609020204030204" pitchFamily="49" charset="0"/>
+                <a:cs typeface="Consolas" panose="020B0609020204030204" pitchFamily="49" charset="0"/>
+              </a:rPr>
+              <a:t> = </a:t>
+            </a:r>
+            <a:r>
+              <a:rPr lang="en-US" dirty="0" err="1" smtClean="0">
+                <a:latin typeface="Consolas" panose="020B0609020204030204" pitchFamily="49" charset="0"/>
+                <a:cs typeface="Consolas" panose="020B0609020204030204" pitchFamily="49" charset="0"/>
+              </a:rPr>
+              <a:t>newColor</a:t>
+            </a:r>
+            <a:r>
+              <a:rPr lang="en-US" dirty="0" smtClean="0">
+                <a:latin typeface="Consolas" panose="020B0609020204030204" pitchFamily="49" charset="0"/>
+                <a:cs typeface="Consolas" panose="020B0609020204030204" pitchFamily="49" charset="0"/>
+              </a:rPr>
+              <a:t>;</a:t>
+            </a:r>
+            <a:br>
+              <a:rPr lang="en-US" dirty="0" smtClean="0">
+                <a:latin typeface="Consolas" panose="020B0609020204030204" pitchFamily="49" charset="0"/>
+                <a:cs typeface="Consolas" panose="020B0609020204030204" pitchFamily="49" charset="0"/>
+              </a:rPr>
+            </a:br>
+            <a:r>
+              <a:rPr lang="en-US" dirty="0" smtClean="0">
+                <a:latin typeface="Consolas" panose="020B0609020204030204" pitchFamily="49" charset="0"/>
+                <a:cs typeface="Consolas" panose="020B0609020204030204" pitchFamily="49" charset="0"/>
+              </a:rPr>
+              <a:t>    }</a:t>
+            </a:r>
+            <a:r>
+              <a:rPr lang="en-US" dirty="0">
+                <a:latin typeface="Consolas" panose="020B0609020204030204" pitchFamily="49" charset="0"/>
+                <a:cs typeface="Consolas" panose="020B0609020204030204" pitchFamily="49" charset="0"/>
+              </a:rPr>
+              <a:t/>
+            </a:r>
+            <a:br>
+              <a:rPr lang="en-US" dirty="0">
+                <a:latin typeface="Consolas" panose="020B0609020204030204" pitchFamily="49" charset="0"/>
+                <a:cs typeface="Consolas" panose="020B0609020204030204" pitchFamily="49" charset="0"/>
+              </a:rPr>
+            </a:br>
+            <a:r>
+              <a:rPr lang="en-US" dirty="0">
+                <a:latin typeface="Consolas" panose="020B0609020204030204" pitchFamily="49" charset="0"/>
+                <a:cs typeface="Consolas" panose="020B0609020204030204" pitchFamily="49" charset="0"/>
+              </a:rPr>
+              <a:t>}</a:t>
+            </a:r>
+            <a:br>
+              <a:rPr lang="en-US" dirty="0">
+                <a:latin typeface="Consolas" panose="020B0609020204030204" pitchFamily="49" charset="0"/>
+                <a:cs typeface="Consolas" panose="020B0609020204030204" pitchFamily="49" charset="0"/>
+              </a:rPr>
+            </a:br>
+            <a:r>
+              <a:rPr lang="en-US" dirty="0" smtClean="0">
+                <a:latin typeface="Consolas" panose="020B0609020204030204" pitchFamily="49" charset="0"/>
+                <a:cs typeface="Consolas" panose="020B0609020204030204" pitchFamily="49" charset="0"/>
+              </a:rPr>
+              <a:t/>
+            </a:r>
+            <a:br>
+              <a:rPr lang="en-US" dirty="0" smtClean="0">
+                <a:latin typeface="Consolas" panose="020B0609020204030204" pitchFamily="49" charset="0"/>
+                <a:cs typeface="Consolas" panose="020B0609020204030204" pitchFamily="49" charset="0"/>
+              </a:rPr>
+            </a:br>
+            <a:r>
+              <a:rPr lang="en-US" dirty="0" smtClean="0">
+                <a:solidFill>
+                  <a:schemeClr val="accent1">
+                    <a:lumMod val="60000"/>
+                    <a:lumOff val="40000"/>
+                  </a:schemeClr>
+                </a:solidFill>
+                <a:latin typeface="Consolas" panose="020B0609020204030204" pitchFamily="49" charset="0"/>
+                <a:cs typeface="Consolas" panose="020B0609020204030204" pitchFamily="49" charset="0"/>
+              </a:rPr>
+              <a:t>let</a:t>
+            </a:r>
+            <a:r>
+              <a:rPr lang="en-US" dirty="0" smtClean="0">
+                <a:latin typeface="Consolas" panose="020B0609020204030204" pitchFamily="49" charset="0"/>
+                <a:cs typeface="Consolas" panose="020B0609020204030204" pitchFamily="49" charset="0"/>
+              </a:rPr>
+              <a:t> </a:t>
+            </a:r>
+            <a:r>
+              <a:rPr lang="en-US" dirty="0" err="1" smtClean="0">
+                <a:latin typeface="Consolas" panose="020B0609020204030204" pitchFamily="49" charset="0"/>
+                <a:cs typeface="Consolas" panose="020B0609020204030204" pitchFamily="49" charset="0"/>
+              </a:rPr>
+              <a:t>porsche</a:t>
+            </a:r>
+            <a:r>
+              <a:rPr lang="en-US" dirty="0" smtClean="0">
+                <a:latin typeface="Consolas" panose="020B0609020204030204" pitchFamily="49" charset="0"/>
+                <a:cs typeface="Consolas" panose="020B0609020204030204" pitchFamily="49" charset="0"/>
+              </a:rPr>
+              <a:t> = new Car(“red”);</a:t>
+            </a:r>
+            <a:br>
+              <a:rPr lang="en-US" dirty="0" smtClean="0">
+                <a:latin typeface="Consolas" panose="020B0609020204030204" pitchFamily="49" charset="0"/>
+                <a:cs typeface="Consolas" panose="020B0609020204030204" pitchFamily="49" charset="0"/>
+              </a:rPr>
+            </a:br>
+            <a:r>
+              <a:rPr lang="en-US" dirty="0" smtClean="0">
+                <a:latin typeface="Consolas" panose="020B0609020204030204" pitchFamily="49" charset="0"/>
+                <a:cs typeface="Consolas" panose="020B0609020204030204" pitchFamily="49" charset="0"/>
+              </a:rPr>
+              <a:t>console.log(</a:t>
+            </a:r>
+            <a:r>
+              <a:rPr lang="en-US" dirty="0" err="1" smtClean="0">
+                <a:latin typeface="Consolas" panose="020B0609020204030204" pitchFamily="49" charset="0"/>
+                <a:cs typeface="Consolas" panose="020B0609020204030204" pitchFamily="49" charset="0"/>
+              </a:rPr>
+              <a:t>porsche</a:t>
+            </a:r>
+            <a:r>
+              <a:rPr lang="en-US" dirty="0" err="1" smtClean="0">
+                <a:solidFill>
+                  <a:schemeClr val="accent1">
+                    <a:lumMod val="60000"/>
+                    <a:lumOff val="40000"/>
+                  </a:schemeClr>
+                </a:solidFill>
+                <a:latin typeface="Consolas" panose="020B0609020204030204" pitchFamily="49" charset="0"/>
+                <a:cs typeface="Consolas" panose="020B0609020204030204" pitchFamily="49" charset="0"/>
+              </a:rPr>
+              <a:t>.color</a:t>
+            </a:r>
+            <a:r>
+              <a:rPr lang="en-US" dirty="0" smtClean="0">
+                <a:latin typeface="Consolas" panose="020B0609020204030204" pitchFamily="49" charset="0"/>
+                <a:cs typeface="Consolas" panose="020B0609020204030204" pitchFamily="49" charset="0"/>
+              </a:rPr>
+              <a:t>);</a:t>
+            </a:r>
+            <a:br>
+              <a:rPr lang="en-US" dirty="0" smtClean="0">
+                <a:latin typeface="Consolas" panose="020B0609020204030204" pitchFamily="49" charset="0"/>
+                <a:cs typeface="Consolas" panose="020B0609020204030204" pitchFamily="49" charset="0"/>
+              </a:rPr>
+            </a:br>
+            <a:r>
+              <a:rPr lang="en-US" dirty="0" err="1" smtClean="0">
+                <a:latin typeface="Consolas" panose="020B0609020204030204" pitchFamily="49" charset="0"/>
+                <a:cs typeface="Consolas" panose="020B0609020204030204" pitchFamily="49" charset="0"/>
+              </a:rPr>
+              <a:t>porsche.color</a:t>
+            </a:r>
+            <a:r>
+              <a:rPr lang="en-US" dirty="0" smtClean="0">
+                <a:latin typeface="Consolas" panose="020B0609020204030204" pitchFamily="49" charset="0"/>
+                <a:cs typeface="Consolas" panose="020B0609020204030204" pitchFamily="49" charset="0"/>
+              </a:rPr>
+              <a:t> = “blue”;</a:t>
+            </a:r>
+            <a:br>
+              <a:rPr lang="en-US" dirty="0" smtClean="0">
+                <a:latin typeface="Consolas" panose="020B0609020204030204" pitchFamily="49" charset="0"/>
+                <a:cs typeface="Consolas" panose="020B0609020204030204" pitchFamily="49" charset="0"/>
+              </a:rPr>
+            </a:br>
+            <a:r>
+              <a:rPr lang="en-US" dirty="0" smtClean="0">
+                <a:latin typeface="Consolas" panose="020B0609020204030204" pitchFamily="49" charset="0"/>
+                <a:cs typeface="Consolas" panose="020B0609020204030204" pitchFamily="49" charset="0"/>
+              </a:rPr>
+              <a:t/>
+            </a:r>
+            <a:br>
+              <a:rPr lang="en-US" dirty="0" smtClean="0">
+                <a:latin typeface="Consolas" panose="020B0609020204030204" pitchFamily="49" charset="0"/>
+                <a:cs typeface="Consolas" panose="020B0609020204030204" pitchFamily="49" charset="0"/>
+              </a:rPr>
+            </a:br>
+            <a:r>
+              <a:rPr lang="en-US" dirty="0" err="1" smtClean="0">
+                <a:latin typeface="Consolas" panose="020B0609020204030204" pitchFamily="49" charset="0"/>
+                <a:cs typeface="Consolas" panose="020B0609020204030204" pitchFamily="49" charset="0"/>
+              </a:rPr>
+              <a:t>porsche</a:t>
+            </a:r>
+            <a:r>
+              <a:rPr lang="en-US" dirty="0" smtClean="0">
+                <a:latin typeface="Consolas" panose="020B0609020204030204" pitchFamily="49" charset="0"/>
+                <a:cs typeface="Consolas" panose="020B0609020204030204" pitchFamily="49" charset="0"/>
+              </a:rPr>
+              <a:t>._color</a:t>
+            </a:r>
+            <a:endParaRPr lang="en-US" dirty="0"/>
+          </a:p>
+        </p:txBody>
+      </p:sp>
+      <p:cxnSp>
+        <p:nvCxnSpPr>
+          <p:cNvPr id="9" name="Straight Arrow Connector 8"/>
+          <p:cNvCxnSpPr/>
+          <p:nvPr/>
+        </p:nvCxnSpPr>
+        <p:spPr>
+          <a:xfrm flipH="1" flipV="1">
+            <a:off x="3236883" y="6308661"/>
+            <a:ext cx="614446" cy="115386"/>
+          </a:xfrm>
+          <a:prstGeom prst="straightConnector1">
+            <a:avLst/>
+          </a:prstGeom>
+          <a:ln>
+            <a:tailEnd type="triangle"/>
+          </a:ln>
+        </p:spPr>
+        <p:style>
+          <a:lnRef idx="3">
+            <a:schemeClr val="accent3"/>
+          </a:lnRef>
+          <a:fillRef idx="0">
+            <a:schemeClr val="accent3"/>
+          </a:fillRef>
+          <a:effectRef idx="2">
+            <a:schemeClr val="accent3"/>
+          </a:effectRef>
+          <a:fontRef idx="minor">
+            <a:schemeClr val="tx1"/>
+          </a:fontRef>
+        </p:style>
+      </p:cxnSp>
+      <p:sp>
+        <p:nvSpPr>
+          <p:cNvPr id="10" name="TextBox 9"/>
+          <p:cNvSpPr txBox="1"/>
+          <p:nvPr/>
+        </p:nvSpPr>
+        <p:spPr>
+          <a:xfrm>
+            <a:off x="3618988" y="6336631"/>
+            <a:ext cx="6890028" cy="369332"/>
+          </a:xfrm>
+          <a:prstGeom prst="rect">
+            <a:avLst/>
+          </a:prstGeom>
+          <a:noFill/>
+        </p:spPr>
+        <p:txBody>
+          <a:bodyPr wrap="none" rtlCol="0">
+            <a:spAutoFit/>
+          </a:bodyPr>
+          <a:lstStyle/>
+          <a:p>
+            <a:r>
+              <a:rPr lang="en-US" dirty="0" smtClean="0">
+                <a:solidFill>
+                  <a:schemeClr val="accent3">
+                    <a:lumMod val="60000"/>
+                    <a:lumOff val="40000"/>
+                  </a:schemeClr>
+                </a:solidFill>
+              </a:rPr>
+              <a:t>you can still get to _color as a class is essentially a dictionary</a:t>
+            </a:r>
+            <a:endParaRPr lang="en-US" dirty="0">
+              <a:solidFill>
+                <a:schemeClr val="accent3">
+                  <a:lumMod val="60000"/>
+                  <a:lumOff val="40000"/>
+                </a:schemeClr>
+              </a:solidFill>
+            </a:endParaRPr>
+          </a:p>
+        </p:txBody>
+      </p:sp>
+    </p:spTree>
+    <p:extLst>
+      <p:ext uri="{BB962C8B-B14F-4D97-AF65-F5344CB8AC3E}">
+        <p14:creationId xmlns:p14="http://schemas.microsoft.com/office/powerpoint/2010/main" val="1722458361"/>
+      </p:ext>
+    </p:extLst>
+  </p:cSld>
+  <p:clrMapOvr>
+    <a:masterClrMapping/>
+  </p:clrMapOvr>
+  <p:timing>
+    <p:tnLst>
+      <p:par>
+        <p:cTn xmlns:p14="http://schemas.microsoft.com/office/powerpoint/2010/main" id="1" dur="indefinite" restart="never" nodeType="tmRoot"/>
+      </p:par>
+    </p:tnLst>
+  </p:timing>
+</p:sld>
+</file>
+
+<file path=ppt/slides/slide29.xml><?xml version="1.0" encoding="utf-8"?>
+<p:sld xmlns:a="http://schemas.openxmlformats.org/drawingml/2006/main" xmlns:r="http://schemas.openxmlformats.org/officeDocument/2006/relationships" xmlns:p="http://schemas.openxmlformats.org/presentationml/2006/main">
+  <p:cSld>
+    <p:spTree>
+      <p:nvGrpSpPr>
+        <p:cNvPr id="1" name=""/>
+        <p:cNvGrpSpPr/>
+        <p:nvPr/>
+      </p:nvGrpSpPr>
+      <p:grpSpPr>
+        <a:xfrm>
+          <a:off x="0" y="0"/>
+          <a:ext cx="0" cy="0"/>
+          <a:chOff x="0" y="0"/>
+          <a:chExt cx="0" cy="0"/>
+        </a:xfrm>
+      </p:grpSpPr>
+      <p:sp>
+        <p:nvSpPr>
+          <p:cNvPr id="2" name="Title 1"/>
+          <p:cNvSpPr>
+            <a:spLocks noGrp="1"/>
+          </p:cNvSpPr>
+          <p:nvPr>
+            <p:ph type="title"/>
+          </p:nvPr>
+        </p:nvSpPr>
+        <p:spPr/>
+        <p:txBody>
+          <a:bodyPr/>
+          <a:lstStyle/>
+          <a:p>
+            <a:r>
+              <a:rPr lang="en-US" dirty="0" smtClean="0">
+                <a:solidFill>
+                  <a:schemeClr val="accent1">
+                    <a:lumMod val="60000"/>
+                    <a:lumOff val="40000"/>
+                  </a:schemeClr>
+                </a:solidFill>
+              </a:rPr>
+              <a:t>super inherited</a:t>
+            </a:r>
+            <a:r>
+              <a:rPr lang="en-US" dirty="0" smtClean="0"/>
+              <a:t> red </a:t>
+            </a:r>
+            <a:r>
+              <a:rPr lang="en-US" dirty="0" err="1" smtClean="0"/>
+              <a:t>porsche</a:t>
             </a:r>
             <a:endParaRPr lang="en-US" dirty="0"/>
           </a:p>
@@ -13782,192 +16115,423 @@
         </p:nvSpPr>
         <p:spPr>
           <a:xfrm>
-            <a:off x="677334" y="2160589"/>
-            <a:ext cx="8596668" cy="4189411"/>
+            <a:off x="1103312" y="1853248"/>
+            <a:ext cx="8946541" cy="4749030"/>
           </a:xfrm>
         </p:spPr>
         <p:txBody>
           <a:bodyPr>
-            <a:normAutofit lnSpcReduction="10000"/>
+            <a:normAutofit/>
           </a:bodyPr>
           <a:lstStyle/>
           <a:p>
-            <a:r>
-              <a:rPr lang="en-US" u="sng" dirty="0">
-                <a:hlinkClick r:id="rId2"/>
-              </a:rPr>
-              <a:t>JavaScript: The Good </a:t>
-            </a:r>
-            <a:r>
-              <a:rPr lang="en-US" u="sng" dirty="0" smtClean="0">
-                <a:hlinkClick r:id="rId2"/>
-              </a:rPr>
-              <a:t>Parts</a:t>
-            </a:r>
-          </a:p>
-          <a:p>
-            <a:pPr lvl="1"/>
-            <a:r>
-              <a:rPr lang="en-US" u="sng" dirty="0" smtClean="0">
-                <a:hlinkClick r:id="rId2"/>
-              </a:rPr>
-              <a:t>http</a:t>
-            </a:r>
-            <a:r>
-              <a:rPr lang="en-US" u="sng" dirty="0">
-                <a:hlinkClick r:id="rId2"/>
-              </a:rPr>
-              <a:t>://www.amazon.com/JavaScript-Good-Parts-Douglas-Crockford/dp/0596517742</a:t>
-            </a:r>
-            <a:r>
-              <a:rPr lang="en-US" u="sng" dirty="0" smtClean="0">
-                <a:hlinkClick r:id="rId2"/>
-              </a:rPr>
-              <a:t> -</a:t>
-            </a:r>
-            <a:endParaRPr lang="en-US" u="sng" dirty="0" smtClean="0"/>
-          </a:p>
-          <a:p>
-            <a:r>
-              <a:rPr lang="en-US" u="sng" dirty="0" smtClean="0">
-                <a:hlinkClick r:id="rId3"/>
-              </a:rPr>
-              <a:t>Prototype </a:t>
-            </a:r>
-            <a:r>
-              <a:rPr lang="en-US" u="sng" dirty="0">
-                <a:hlinkClick r:id="rId3"/>
-              </a:rPr>
-              <a:t>In Plain </a:t>
-            </a:r>
-            <a:r>
-              <a:rPr lang="en-US" u="sng" dirty="0">
-                <a:hlinkClick r:id="rId3"/>
-              </a:rPr>
-              <a:t>Language </a:t>
-            </a:r>
-            <a:endParaRPr lang="en-US" u="sng" dirty="0" smtClean="0">
-              <a:hlinkClick r:id="rId3"/>
+            <a:pPr marL="0" indent="0">
+              <a:buNone/>
+            </a:pPr>
+            <a:r>
+              <a:rPr lang="en-US" dirty="0" smtClean="0">
+                <a:solidFill>
+                  <a:schemeClr val="accent1">
+                    <a:lumMod val="60000"/>
+                    <a:lumOff val="40000"/>
+                  </a:schemeClr>
+                </a:solidFill>
+                <a:latin typeface="Consolas" panose="020B0609020204030204" pitchFamily="49" charset="0"/>
+                <a:cs typeface="Consolas" panose="020B0609020204030204" pitchFamily="49" charset="0"/>
+              </a:rPr>
+              <a:t>class</a:t>
+            </a:r>
+            <a:r>
+              <a:rPr lang="en-US" dirty="0" smtClean="0">
+                <a:latin typeface="Consolas" panose="020B0609020204030204" pitchFamily="49" charset="0"/>
+                <a:cs typeface="Consolas" panose="020B0609020204030204" pitchFamily="49" charset="0"/>
+              </a:rPr>
+              <a:t> InheritedCar </a:t>
+            </a:r>
+            <a:r>
+              <a:rPr lang="en-US" dirty="0" smtClean="0">
+                <a:solidFill>
+                  <a:schemeClr val="accent1">
+                    <a:lumMod val="60000"/>
+                    <a:lumOff val="40000"/>
+                  </a:schemeClr>
+                </a:solidFill>
+                <a:latin typeface="Consolas" panose="020B0609020204030204" pitchFamily="49" charset="0"/>
+                <a:cs typeface="Consolas" panose="020B0609020204030204" pitchFamily="49" charset="0"/>
+              </a:rPr>
+              <a:t>extends</a:t>
+            </a:r>
+            <a:r>
+              <a:rPr lang="en-US" dirty="0" smtClean="0">
+                <a:latin typeface="Consolas" panose="020B0609020204030204" pitchFamily="49" charset="0"/>
+                <a:cs typeface="Consolas" panose="020B0609020204030204" pitchFamily="49" charset="0"/>
+              </a:rPr>
+              <a:t> Car {</a:t>
+            </a:r>
+            <a:br>
+              <a:rPr lang="en-US" dirty="0" smtClean="0">
+                <a:latin typeface="Consolas" panose="020B0609020204030204" pitchFamily="49" charset="0"/>
+                <a:cs typeface="Consolas" panose="020B0609020204030204" pitchFamily="49" charset="0"/>
+              </a:rPr>
+            </a:br>
+            <a:r>
+              <a:rPr lang="en-US" dirty="0">
+                <a:latin typeface="Consolas" panose="020B0609020204030204" pitchFamily="49" charset="0"/>
+                <a:cs typeface="Consolas" panose="020B0609020204030204" pitchFamily="49" charset="0"/>
+              </a:rPr>
+              <a:t> </a:t>
+            </a:r>
+            <a:r>
+              <a:rPr lang="en-US" dirty="0" smtClean="0">
+                <a:latin typeface="Consolas" panose="020B0609020204030204" pitchFamily="49" charset="0"/>
+                <a:cs typeface="Consolas" panose="020B0609020204030204" pitchFamily="49" charset="0"/>
+              </a:rPr>
+              <a:t>   </a:t>
+            </a:r>
+            <a:br>
+              <a:rPr lang="en-US" dirty="0" smtClean="0">
+                <a:latin typeface="Consolas" panose="020B0609020204030204" pitchFamily="49" charset="0"/>
+                <a:cs typeface="Consolas" panose="020B0609020204030204" pitchFamily="49" charset="0"/>
+              </a:rPr>
+            </a:br>
+            <a:r>
+              <a:rPr lang="en-US" dirty="0" smtClean="0">
+                <a:latin typeface="Consolas" panose="020B0609020204030204" pitchFamily="49" charset="0"/>
+                <a:cs typeface="Consolas" panose="020B0609020204030204" pitchFamily="49" charset="0"/>
+              </a:rPr>
+              <a:t>    </a:t>
+            </a:r>
+            <a:r>
+              <a:rPr lang="en-US" dirty="0" smtClean="0">
+                <a:solidFill>
+                  <a:schemeClr val="accent1">
+                    <a:lumMod val="60000"/>
+                    <a:lumOff val="40000"/>
+                  </a:schemeClr>
+                </a:solidFill>
+                <a:latin typeface="Consolas" panose="020B0609020204030204" pitchFamily="49" charset="0"/>
+                <a:cs typeface="Consolas" panose="020B0609020204030204" pitchFamily="49" charset="0"/>
+              </a:rPr>
+              <a:t>constructor</a:t>
+            </a:r>
+            <a:r>
+              <a:rPr lang="en-US" dirty="0" smtClean="0">
+                <a:latin typeface="Consolas" panose="020B0609020204030204" pitchFamily="49" charset="0"/>
+                <a:cs typeface="Consolas" panose="020B0609020204030204" pitchFamily="49" charset="0"/>
+              </a:rPr>
+              <a:t>(color</a:t>
+            </a:r>
+            <a:r>
+              <a:rPr lang="en-US" dirty="0">
+                <a:latin typeface="Consolas" panose="020B0609020204030204" pitchFamily="49" charset="0"/>
+                <a:cs typeface="Consolas" panose="020B0609020204030204" pitchFamily="49" charset="0"/>
+              </a:rPr>
+              <a:t>, previousOwner) {</a:t>
+            </a:r>
+            <a:br>
+              <a:rPr lang="en-US" dirty="0">
+                <a:latin typeface="Consolas" panose="020B0609020204030204" pitchFamily="49" charset="0"/>
+                <a:cs typeface="Consolas" panose="020B0609020204030204" pitchFamily="49" charset="0"/>
+              </a:rPr>
+            </a:br>
+            <a:r>
+              <a:rPr lang="en-US" dirty="0">
+                <a:latin typeface="Consolas" panose="020B0609020204030204" pitchFamily="49" charset="0"/>
+                <a:cs typeface="Consolas" panose="020B0609020204030204" pitchFamily="49" charset="0"/>
+              </a:rPr>
+              <a:t>        </a:t>
+            </a:r>
+            <a:r>
+              <a:rPr lang="en-US" dirty="0">
+                <a:solidFill>
+                  <a:schemeClr val="accent1">
+                    <a:lumMod val="60000"/>
+                    <a:lumOff val="40000"/>
+                  </a:schemeClr>
+                </a:solidFill>
+                <a:latin typeface="Consolas" panose="020B0609020204030204" pitchFamily="49" charset="0"/>
+                <a:cs typeface="Consolas" panose="020B0609020204030204" pitchFamily="49" charset="0"/>
+              </a:rPr>
+              <a:t>super</a:t>
+            </a:r>
+            <a:r>
+              <a:rPr lang="en-US" dirty="0">
+                <a:latin typeface="Consolas" panose="020B0609020204030204" pitchFamily="49" charset="0"/>
+                <a:cs typeface="Consolas" panose="020B0609020204030204" pitchFamily="49" charset="0"/>
+              </a:rPr>
+              <a:t>(color);</a:t>
+            </a:r>
+            <a:br>
+              <a:rPr lang="en-US" dirty="0">
+                <a:latin typeface="Consolas" panose="020B0609020204030204" pitchFamily="49" charset="0"/>
+                <a:cs typeface="Consolas" panose="020B0609020204030204" pitchFamily="49" charset="0"/>
+              </a:rPr>
+            </a:br>
+            <a:r>
+              <a:rPr lang="en-US" dirty="0">
+                <a:latin typeface="Consolas" panose="020B0609020204030204" pitchFamily="49" charset="0"/>
+                <a:cs typeface="Consolas" panose="020B0609020204030204" pitchFamily="49" charset="0"/>
+              </a:rPr>
+              <a:t>        this._previousOwner = previousOwner;</a:t>
+            </a:r>
+            <a:br>
+              <a:rPr lang="en-US" dirty="0">
+                <a:latin typeface="Consolas" panose="020B0609020204030204" pitchFamily="49" charset="0"/>
+                <a:cs typeface="Consolas" panose="020B0609020204030204" pitchFamily="49" charset="0"/>
+              </a:rPr>
+            </a:br>
+            <a:r>
+              <a:rPr lang="en-US" dirty="0">
+                <a:latin typeface="Consolas" panose="020B0609020204030204" pitchFamily="49" charset="0"/>
+                <a:cs typeface="Consolas" panose="020B0609020204030204" pitchFamily="49" charset="0"/>
+              </a:rPr>
+              <a:t>    </a:t>
+            </a:r>
+            <a:r>
+              <a:rPr lang="en-US" dirty="0" smtClean="0">
+                <a:latin typeface="Consolas" panose="020B0609020204030204" pitchFamily="49" charset="0"/>
+                <a:cs typeface="Consolas" panose="020B0609020204030204" pitchFamily="49" charset="0"/>
+              </a:rPr>
+              <a:t>}</a:t>
+            </a:r>
+            <a:br>
+              <a:rPr lang="en-US" dirty="0" smtClean="0">
+                <a:latin typeface="Consolas" panose="020B0609020204030204" pitchFamily="49" charset="0"/>
+                <a:cs typeface="Consolas" panose="020B0609020204030204" pitchFamily="49" charset="0"/>
+              </a:rPr>
+            </a:br>
+            <a:r>
+              <a:rPr lang="en-US" dirty="0" smtClean="0">
+                <a:latin typeface="Consolas" panose="020B0609020204030204" pitchFamily="49" charset="0"/>
+                <a:cs typeface="Consolas" panose="020B0609020204030204" pitchFamily="49" charset="0"/>
+              </a:rPr>
+              <a:t/>
+            </a:r>
+            <a:br>
+              <a:rPr lang="en-US" dirty="0" smtClean="0">
+                <a:latin typeface="Consolas" panose="020B0609020204030204" pitchFamily="49" charset="0"/>
+                <a:cs typeface="Consolas" panose="020B0609020204030204" pitchFamily="49" charset="0"/>
+              </a:rPr>
+            </a:br>
+            <a:r>
+              <a:rPr lang="en-US" dirty="0" smtClean="0">
+                <a:latin typeface="Consolas" panose="020B0609020204030204" pitchFamily="49" charset="0"/>
+                <a:cs typeface="Consolas" panose="020B0609020204030204" pitchFamily="49" charset="0"/>
+              </a:rPr>
+              <a:t>    foo() {</a:t>
+            </a:r>
+            <a:br>
+              <a:rPr lang="en-US" dirty="0" smtClean="0">
+                <a:latin typeface="Consolas" panose="020B0609020204030204" pitchFamily="49" charset="0"/>
+                <a:cs typeface="Consolas" panose="020B0609020204030204" pitchFamily="49" charset="0"/>
+              </a:rPr>
+            </a:br>
+            <a:r>
+              <a:rPr lang="en-US" dirty="0" smtClean="0">
+                <a:latin typeface="Consolas" panose="020B0609020204030204" pitchFamily="49" charset="0"/>
+                <a:cs typeface="Consolas" panose="020B0609020204030204" pitchFamily="49" charset="0"/>
+              </a:rPr>
+              <a:t>        </a:t>
+            </a:r>
+            <a:r>
+              <a:rPr lang="en-US" dirty="0" smtClean="0">
+                <a:solidFill>
+                  <a:schemeClr val="accent1">
+                    <a:lumMod val="60000"/>
+                    <a:lumOff val="40000"/>
+                  </a:schemeClr>
+                </a:solidFill>
+                <a:latin typeface="Consolas" panose="020B0609020204030204" pitchFamily="49" charset="0"/>
+                <a:cs typeface="Consolas" panose="020B0609020204030204" pitchFamily="49" charset="0"/>
+              </a:rPr>
+              <a:t>super</a:t>
+            </a:r>
+            <a:r>
+              <a:rPr lang="en-US" dirty="0" smtClean="0">
+                <a:latin typeface="Consolas" panose="020B0609020204030204" pitchFamily="49" charset="0"/>
+                <a:cs typeface="Consolas" panose="020B0609020204030204" pitchFamily="49" charset="0"/>
+              </a:rPr>
+              <a:t>();</a:t>
+            </a:r>
+            <a:br>
+              <a:rPr lang="en-US" dirty="0" smtClean="0">
+                <a:latin typeface="Consolas" panose="020B0609020204030204" pitchFamily="49" charset="0"/>
+                <a:cs typeface="Consolas" panose="020B0609020204030204" pitchFamily="49" charset="0"/>
+              </a:rPr>
+            </a:br>
+            <a:r>
+              <a:rPr lang="en-US" dirty="0" smtClean="0">
+                <a:latin typeface="Consolas" panose="020B0609020204030204" pitchFamily="49" charset="0"/>
+                <a:cs typeface="Consolas" panose="020B0609020204030204" pitchFamily="49" charset="0"/>
+              </a:rPr>
+              <a:t>        // add to parent’s behavior</a:t>
+            </a:r>
+            <a:br>
+              <a:rPr lang="en-US" dirty="0" smtClean="0">
+                <a:latin typeface="Consolas" panose="020B0609020204030204" pitchFamily="49" charset="0"/>
+                <a:cs typeface="Consolas" panose="020B0609020204030204" pitchFamily="49" charset="0"/>
+              </a:rPr>
+            </a:br>
+            <a:r>
+              <a:rPr lang="en-US" dirty="0" smtClean="0">
+                <a:latin typeface="Consolas" panose="020B0609020204030204" pitchFamily="49" charset="0"/>
+                <a:cs typeface="Consolas" panose="020B0609020204030204" pitchFamily="49" charset="0"/>
+              </a:rPr>
+              <a:t>    }</a:t>
+            </a:r>
+            <a:br>
+              <a:rPr lang="en-US" dirty="0" smtClean="0">
+                <a:latin typeface="Consolas" panose="020B0609020204030204" pitchFamily="49" charset="0"/>
+                <a:cs typeface="Consolas" panose="020B0609020204030204" pitchFamily="49" charset="0"/>
+              </a:rPr>
+            </a:br>
+            <a:r>
+              <a:rPr lang="en-US" dirty="0" smtClean="0">
+                <a:latin typeface="Consolas" panose="020B0609020204030204" pitchFamily="49" charset="0"/>
+                <a:cs typeface="Consolas" panose="020B0609020204030204" pitchFamily="49" charset="0"/>
+              </a:rPr>
+              <a:t/>
+            </a:r>
+            <a:br>
+              <a:rPr lang="en-US" dirty="0" smtClean="0">
+                <a:latin typeface="Consolas" panose="020B0609020204030204" pitchFamily="49" charset="0"/>
+                <a:cs typeface="Consolas" panose="020B0609020204030204" pitchFamily="49" charset="0"/>
+              </a:rPr>
+            </a:br>
+            <a:r>
+              <a:rPr lang="en-US" dirty="0" smtClean="0">
+                <a:latin typeface="Consolas" panose="020B0609020204030204" pitchFamily="49" charset="0"/>
+                <a:cs typeface="Consolas" panose="020B0609020204030204" pitchFamily="49" charset="0"/>
+              </a:rPr>
+              <a:t>    toString() {</a:t>
+            </a:r>
+            <a:br>
+              <a:rPr lang="en-US" dirty="0" smtClean="0">
+                <a:latin typeface="Consolas" panose="020B0609020204030204" pitchFamily="49" charset="0"/>
+                <a:cs typeface="Consolas" panose="020B0609020204030204" pitchFamily="49" charset="0"/>
+              </a:rPr>
+            </a:br>
+            <a:r>
+              <a:rPr lang="en-US" dirty="0" smtClean="0">
+                <a:latin typeface="Consolas" panose="020B0609020204030204" pitchFamily="49" charset="0"/>
+                <a:cs typeface="Consolas" panose="020B0609020204030204" pitchFamily="49" charset="0"/>
+              </a:rPr>
+              <a:t>        // no call to super, overriding</a:t>
+            </a:r>
+            <a:br>
+              <a:rPr lang="en-US" dirty="0" smtClean="0">
+                <a:latin typeface="Consolas" panose="020B0609020204030204" pitchFamily="49" charset="0"/>
+                <a:cs typeface="Consolas" panose="020B0609020204030204" pitchFamily="49" charset="0"/>
+              </a:rPr>
+            </a:br>
+            <a:r>
+              <a:rPr lang="en-US" dirty="0" smtClean="0">
+                <a:latin typeface="Consolas" panose="020B0609020204030204" pitchFamily="49" charset="0"/>
+                <a:cs typeface="Consolas" panose="020B0609020204030204" pitchFamily="49" charset="0"/>
+              </a:rPr>
+              <a:t>    }</a:t>
+            </a:r>
+            <a:br>
+              <a:rPr lang="en-US" dirty="0" smtClean="0">
+                <a:latin typeface="Consolas" panose="020B0609020204030204" pitchFamily="49" charset="0"/>
+                <a:cs typeface="Consolas" panose="020B0609020204030204" pitchFamily="49" charset="0"/>
+              </a:rPr>
+            </a:br>
+            <a:r>
+              <a:rPr lang="en-US" dirty="0" smtClean="0">
+                <a:latin typeface="Consolas" panose="020B0609020204030204" pitchFamily="49" charset="0"/>
+                <a:cs typeface="Consolas" panose="020B0609020204030204" pitchFamily="49" charset="0"/>
+              </a:rPr>
+              <a:t>}</a:t>
+            </a:r>
+            <a:endParaRPr lang="en-US" dirty="0">
+              <a:latin typeface="Consolas" panose="020B0609020204030204" pitchFamily="49" charset="0"/>
+              <a:cs typeface="Consolas" panose="020B0609020204030204" pitchFamily="49" charset="0"/>
             </a:endParaRPr>
-          </a:p>
-          <a:p>
-            <a:pPr lvl="1"/>
-            <a:r>
-              <a:rPr lang="en-US" u="sng" dirty="0" smtClean="0">
-                <a:hlinkClick r:id="rId3"/>
-              </a:rPr>
-              <a:t>http</a:t>
-            </a:r>
-            <a:r>
-              <a:rPr lang="en-US" u="sng" dirty="0">
-                <a:hlinkClick r:id="rId3"/>
-              </a:rPr>
-              <a:t>://javascriptissexy.com/javascript-prototype-in-plain-detailed-language/</a:t>
-            </a:r>
-            <a:r>
-              <a:rPr lang="en-US" u="sng" dirty="0" smtClean="0">
-                <a:hlinkClick r:id="rId3"/>
-              </a:rPr>
-              <a:t> -</a:t>
-            </a:r>
-            <a:endParaRPr lang="en-US" u="sng" dirty="0" smtClean="0"/>
-          </a:p>
-          <a:p>
-            <a:r>
-              <a:rPr lang="en-US" u="sng" dirty="0" smtClean="0">
-                <a:hlinkClick r:id="rId4"/>
-              </a:rPr>
-              <a:t>Methods </a:t>
-            </a:r>
-            <a:r>
-              <a:rPr lang="en-US" u="sng" dirty="0">
-                <a:hlinkClick r:id="rId4"/>
-              </a:rPr>
-              <a:t>Constructor Vs. </a:t>
-            </a:r>
-            <a:r>
-              <a:rPr lang="en-US" u="sng" dirty="0">
-                <a:hlinkClick r:id="rId4"/>
-              </a:rPr>
-              <a:t>Prootype </a:t>
-            </a:r>
-            <a:endParaRPr lang="en-US" u="sng" dirty="0" smtClean="0">
-              <a:hlinkClick r:id="rId4"/>
-            </a:endParaRPr>
-          </a:p>
-          <a:p>
-            <a:pPr lvl="1"/>
-            <a:r>
-              <a:rPr lang="en-US" u="sng" dirty="0" smtClean="0">
-                <a:hlinkClick r:id="rId4"/>
-              </a:rPr>
-              <a:t>http</a:t>
-            </a:r>
-            <a:r>
-              <a:rPr lang="en-US" u="sng" dirty="0">
-                <a:hlinkClick r:id="rId4"/>
-              </a:rPr>
-              <a:t>://thecodeship.com/web-development/methods-within-constructor-vs-prototype-in-javascript/ -</a:t>
-            </a:r>
-            <a:r>
-              <a:rPr lang="en-US" u="sng" dirty="0" smtClean="0"/>
-              <a:t> </a:t>
-            </a:r>
-          </a:p>
-          <a:p>
-            <a:r>
-              <a:rPr lang="en-US" u="sng" dirty="0" smtClean="0">
-                <a:hlinkClick r:id="rId5"/>
-              </a:rPr>
-              <a:t>Mozilla </a:t>
-            </a:r>
-            <a:r>
-              <a:rPr lang="en-US" u="sng" dirty="0">
-                <a:hlinkClick r:id="rId5"/>
-              </a:rPr>
-              <a:t>Developer </a:t>
-            </a:r>
-            <a:r>
-              <a:rPr lang="en-US" u="sng" dirty="0" smtClean="0">
-                <a:hlinkClick r:id="rId5"/>
-              </a:rPr>
-              <a:t>Network  </a:t>
-            </a:r>
-          </a:p>
-          <a:p>
-            <a:pPr lvl="1"/>
-            <a:r>
-              <a:rPr lang="en-US" u="sng" dirty="0" smtClean="0">
-                <a:hlinkClick r:id="rId5"/>
-              </a:rPr>
-              <a:t>https</a:t>
-            </a:r>
-            <a:r>
-              <a:rPr lang="en-US" u="sng" dirty="0">
-                <a:hlinkClick r:id="rId5"/>
-              </a:rPr>
-              <a:t>://developer.mozilla.org/en-US/docs/Web/</a:t>
-            </a:r>
-            <a:r>
-              <a:rPr lang="en-US" u="sng" dirty="0" smtClean="0">
-                <a:hlinkClick r:id="rId5"/>
-              </a:rPr>
-              <a:t>JavaScript</a:t>
-            </a:r>
-            <a:endParaRPr lang="en-US" u="sng" dirty="0" smtClean="0"/>
-          </a:p>
-          <a:p>
-            <a:endParaRPr lang="en-US" dirty="0"/>
           </a:p>
         </p:txBody>
       </p:sp>
+      <p:sp>
+        <p:nvSpPr>
+          <p:cNvPr id="5" name="TextBox 4"/>
+          <p:cNvSpPr txBox="1"/>
+          <p:nvPr/>
+        </p:nvSpPr>
+        <p:spPr>
+          <a:xfrm>
+            <a:off x="4512150" y="3765701"/>
+            <a:ext cx="2525050" cy="369332"/>
+          </a:xfrm>
+          <a:prstGeom prst="rect">
+            <a:avLst/>
+          </a:prstGeom>
+          <a:noFill/>
+        </p:spPr>
+        <p:txBody>
+          <a:bodyPr wrap="none" rtlCol="0">
+            <a:spAutoFit/>
+          </a:bodyPr>
+          <a:lstStyle/>
+          <a:p>
+            <a:r>
+              <a:rPr lang="en-US" dirty="0" smtClean="0">
+                <a:solidFill>
+                  <a:schemeClr val="accent3">
+                    <a:lumMod val="60000"/>
+                    <a:lumOff val="40000"/>
+                  </a:schemeClr>
+                </a:solidFill>
+              </a:rPr>
+              <a:t>call foo in the parent</a:t>
+            </a:r>
+            <a:endParaRPr lang="en-US" dirty="0">
+              <a:solidFill>
+                <a:schemeClr val="accent3">
+                  <a:lumMod val="60000"/>
+                  <a:lumOff val="40000"/>
+                </a:schemeClr>
+              </a:solidFill>
+            </a:endParaRPr>
+          </a:p>
+        </p:txBody>
+      </p:sp>
+      <p:cxnSp>
+        <p:nvCxnSpPr>
+          <p:cNvPr id="6" name="Straight Arrow Connector 5"/>
+          <p:cNvCxnSpPr/>
+          <p:nvPr/>
+        </p:nvCxnSpPr>
+        <p:spPr>
+          <a:xfrm flipH="1">
+            <a:off x="3564613" y="3959817"/>
+            <a:ext cx="743916" cy="216373"/>
+          </a:xfrm>
+          <a:prstGeom prst="straightConnector1">
+            <a:avLst/>
+          </a:prstGeom>
+          <a:ln>
+            <a:tailEnd type="triangle"/>
+          </a:ln>
+        </p:spPr>
+        <p:style>
+          <a:lnRef idx="3">
+            <a:schemeClr val="accent3"/>
+          </a:lnRef>
+          <a:fillRef idx="0">
+            <a:schemeClr val="accent3"/>
+          </a:fillRef>
+          <a:effectRef idx="2">
+            <a:schemeClr val="accent3"/>
+          </a:effectRef>
+          <a:fontRef idx="minor">
+            <a:schemeClr val="tx1"/>
+          </a:fontRef>
+        </p:style>
+      </p:cxnSp>
     </p:spTree>
     <p:extLst>
       <p:ext uri="{BB962C8B-B14F-4D97-AF65-F5344CB8AC3E}">
-        <p14:creationId xmlns:p14="http://schemas.microsoft.com/office/powerpoint/2010/main" val="2401350424"/>
+        <p14:creationId xmlns:p14="http://schemas.microsoft.com/office/powerpoint/2010/main" val="3467729248"/>
       </p:ext>
     </p:extLst>
   </p:cSld>
@@ -14053,6 +16617,248 @@
   <p:clrMapOvr>
     <a:masterClrMapping/>
   </p:clrMapOvr>
+</p:sld>
+</file>
+
+<file path=ppt/slides/slide30.xml><?xml version="1.0" encoding="utf-8"?>
+<p:sld xmlns:a="http://schemas.openxmlformats.org/drawingml/2006/main" xmlns:r="http://schemas.openxmlformats.org/officeDocument/2006/relationships" xmlns:p="http://schemas.openxmlformats.org/presentationml/2006/main">
+  <p:cSld>
+    <p:spTree>
+      <p:nvGrpSpPr>
+        <p:cNvPr id="1" name=""/>
+        <p:cNvGrpSpPr/>
+        <p:nvPr/>
+      </p:nvGrpSpPr>
+      <p:grpSpPr>
+        <a:xfrm>
+          <a:off x="0" y="0"/>
+          <a:ext cx="0" cy="0"/>
+          <a:chOff x="0" y="0"/>
+          <a:chExt cx="0" cy="0"/>
+        </a:xfrm>
+      </p:grpSpPr>
+      <p:sp>
+        <p:nvSpPr>
+          <p:cNvPr id="2" name="Title 1"/>
+          <p:cNvSpPr>
+            <a:spLocks noGrp="1"/>
+          </p:cNvSpPr>
+          <p:nvPr>
+            <p:ph type="title"/>
+          </p:nvPr>
+        </p:nvSpPr>
+        <p:spPr/>
+        <p:txBody>
+          <a:bodyPr/>
+          <a:lstStyle/>
+          <a:p>
+            <a:r>
+              <a:rPr lang="en-US" dirty="0" smtClean="0"/>
+              <a:t>Further Reading</a:t>
+            </a:r>
+            <a:endParaRPr lang="en-US" dirty="0"/>
+          </a:p>
+        </p:txBody>
+      </p:sp>
+      <p:sp>
+        <p:nvSpPr>
+          <p:cNvPr id="3" name="Content Placeholder 2"/>
+          <p:cNvSpPr>
+            <a:spLocks noGrp="1"/>
+          </p:cNvSpPr>
+          <p:nvPr>
+            <p:ph idx="1"/>
+          </p:nvPr>
+        </p:nvSpPr>
+        <p:spPr>
+          <a:xfrm>
+            <a:off x="677334" y="2160589"/>
+            <a:ext cx="8596668" cy="4189411"/>
+          </a:xfrm>
+        </p:spPr>
+        <p:txBody>
+          <a:bodyPr>
+            <a:normAutofit lnSpcReduction="10000"/>
+          </a:bodyPr>
+          <a:lstStyle/>
+          <a:p>
+            <a:r>
+              <a:rPr lang="en-US" u="sng" dirty="0">
+                <a:hlinkClick r:id="rId2"/>
+              </a:rPr>
+              <a:t>JavaScript: The Good </a:t>
+            </a:r>
+            <a:r>
+              <a:rPr lang="en-US" u="sng" dirty="0" smtClean="0">
+                <a:hlinkClick r:id="rId2"/>
+              </a:rPr>
+              <a:t>Parts</a:t>
+            </a:r>
+          </a:p>
+          <a:p>
+            <a:pPr lvl="1"/>
+            <a:r>
+              <a:rPr lang="en-US" u="sng" dirty="0" smtClean="0">
+                <a:hlinkClick r:id="rId2"/>
+              </a:rPr>
+              <a:t>http</a:t>
+            </a:r>
+            <a:r>
+              <a:rPr lang="en-US" u="sng" dirty="0">
+                <a:hlinkClick r:id="rId2"/>
+              </a:rPr>
+              <a:t>://www.amazon.com/JavaScript-Good-Parts-Douglas-Crockford/dp/0596517742</a:t>
+            </a:r>
+            <a:r>
+              <a:rPr lang="en-US" u="sng" dirty="0" smtClean="0">
+                <a:hlinkClick r:id="rId2"/>
+              </a:rPr>
+              <a:t> +</a:t>
+            </a:r>
+            <a:endParaRPr lang="en-US" u="sng" dirty="0" smtClean="0"/>
+          </a:p>
+          <a:p>
+            <a:r>
+              <a:rPr lang="en-US" u="sng" dirty="0" smtClean="0">
+                <a:hlinkClick r:id="rId3"/>
+              </a:rPr>
+              <a:t>Prototype </a:t>
+            </a:r>
+            <a:r>
+              <a:rPr lang="en-US" u="sng" dirty="0">
+                <a:hlinkClick r:id="rId3"/>
+              </a:rPr>
+              <a:t>In Plain Language </a:t>
+            </a:r>
+            <a:endParaRPr lang="en-US" u="sng" dirty="0" smtClean="0">
+              <a:hlinkClick r:id="rId3"/>
+            </a:endParaRPr>
+          </a:p>
+          <a:p>
+            <a:pPr lvl="1"/>
+            <a:r>
+              <a:rPr lang="en-US" u="sng" dirty="0" smtClean="0">
+                <a:hlinkClick r:id="rId3"/>
+              </a:rPr>
+              <a:t>http</a:t>
+            </a:r>
+            <a:r>
+              <a:rPr lang="en-US" u="sng" dirty="0">
+                <a:hlinkClick r:id="rId3"/>
+              </a:rPr>
+              <a:t>://javascriptissexy.com/javascript-prototype-in-plain-detailed-language/</a:t>
+            </a:r>
+            <a:r>
+              <a:rPr lang="en-US" u="sng" dirty="0" smtClean="0">
+                <a:hlinkClick r:id="rId3"/>
+              </a:rPr>
+              <a:t> +</a:t>
+            </a:r>
+            <a:endParaRPr lang="en-US" u="sng" dirty="0" smtClean="0"/>
+          </a:p>
+          <a:p>
+            <a:r>
+              <a:rPr lang="en-US" u="sng" dirty="0" smtClean="0">
+                <a:hlinkClick r:id="rId4"/>
+              </a:rPr>
+              <a:t>Methods </a:t>
+            </a:r>
+            <a:r>
+              <a:rPr lang="en-US" u="sng" dirty="0">
+                <a:hlinkClick r:id="rId4"/>
+              </a:rPr>
+              <a:t>Constructor Vs. Prootype </a:t>
+            </a:r>
+            <a:endParaRPr lang="en-US" u="sng" dirty="0" smtClean="0">
+              <a:hlinkClick r:id="rId4"/>
+            </a:endParaRPr>
+          </a:p>
+          <a:p>
+            <a:pPr lvl="1"/>
+            <a:r>
+              <a:rPr lang="en-US" u="sng" dirty="0" smtClean="0">
+                <a:hlinkClick r:id="rId4"/>
+              </a:rPr>
+              <a:t>http</a:t>
+            </a:r>
+            <a:r>
+              <a:rPr lang="en-US" u="sng" dirty="0">
+                <a:hlinkClick r:id="rId4"/>
+              </a:rPr>
+              <a:t>://thecodeship.com/web-development/methods-within-constructor-vs-prototype-in-javascript/ +</a:t>
+            </a:r>
+            <a:r>
+              <a:rPr lang="en-US" u="sng" dirty="0" smtClean="0"/>
+              <a:t> </a:t>
+            </a:r>
+          </a:p>
+          <a:p>
+            <a:r>
+              <a:rPr lang="en-US" u="sng" dirty="0" smtClean="0">
+                <a:hlinkClick r:id="rId5"/>
+              </a:rPr>
+              <a:t>Mozilla </a:t>
+            </a:r>
+            <a:r>
+              <a:rPr lang="en-US" u="sng" dirty="0">
+                <a:hlinkClick r:id="rId5"/>
+              </a:rPr>
+              <a:t>Developer </a:t>
+            </a:r>
+            <a:r>
+              <a:rPr lang="en-US" u="sng" dirty="0" smtClean="0">
+                <a:hlinkClick r:id="rId5"/>
+              </a:rPr>
+              <a:t>Network  </a:t>
+            </a:r>
+          </a:p>
+          <a:p>
+            <a:pPr lvl="1"/>
+            <a:r>
+              <a:rPr lang="en-US" u="sng" dirty="0" smtClean="0">
+                <a:hlinkClick r:id="rId5"/>
+              </a:rPr>
+              <a:t>https</a:t>
+            </a:r>
+            <a:r>
+              <a:rPr lang="en-US" u="sng" dirty="0">
+                <a:hlinkClick r:id="rId5"/>
+              </a:rPr>
+              <a:t>://developer.mozilla.org/en-US/docs/Web/</a:t>
+            </a:r>
+            <a:r>
+              <a:rPr lang="en-US" u="sng" dirty="0" smtClean="0">
+                <a:hlinkClick r:id="rId5"/>
+              </a:rPr>
+              <a:t>JavaScript</a:t>
+            </a:r>
+            <a:endParaRPr lang="en-US" u="sng" dirty="0" smtClean="0"/>
+          </a:p>
+          <a:p>
+            <a:endParaRPr lang="en-US" dirty="0"/>
+          </a:p>
+        </p:txBody>
+      </p:sp>
+    </p:spTree>
+    <p:extLst>
+      <p:ext uri="{BB962C8B-B14F-4D97-AF65-F5344CB8AC3E}">
+        <p14:creationId xmlns:p14="http://schemas.microsoft.com/office/powerpoint/2010/main" val="2401350424"/>
+      </p:ext>
+    </p:extLst>
+  </p:cSld>
+  <p:clrMapOvr>
+    <a:masterClrMapping/>
+  </p:clrMapOvr>
+  <p:timing>
+    <p:tnLst>
+      <p:par>
+        <p:cTn xmlns:p14="http://schemas.microsoft.com/office/powerpoint/2010/main" id="1" dur="indefinite" restart="never" nodeType="tmRoot"/>
+      </p:par>
+    </p:tnLst>
+  </p:timing>
 </p:sld>
 </file>
 
@@ -14391,50 +17197,70 @@
           <a:lstStyle/>
           <a:p>
             <a:r>
-              <a:rPr lang="en-US" dirty="0" smtClean="0"/>
-              <a:t>Single number type</a:t>
-            </a:r>
-          </a:p>
-          <a:p>
-            <a:r>
-              <a:rPr lang="en-US" dirty="0" smtClean="0"/>
-              <a:t>Internally represented as 64-bit floating point</a:t>
-            </a:r>
-          </a:p>
-          <a:p>
-            <a:r>
-              <a:rPr lang="en-US" dirty="0" smtClean="0"/>
-              <a:t>Supports exponents 1e2</a:t>
-            </a:r>
-          </a:p>
-          <a:p>
-            <a:r>
-              <a:rPr lang="en-US" b="1" dirty="0" err="1" smtClean="0"/>
-              <a:t>NaN</a:t>
-            </a:r>
-            <a:r>
-              <a:rPr lang="en-US" b="1" dirty="0" smtClean="0"/>
-              <a:t> </a:t>
-            </a:r>
-            <a:r>
-              <a:rPr lang="en-US" dirty="0" smtClean="0"/>
-              <a:t>result of operation that can’t produce a normal result</a:t>
-            </a:r>
-          </a:p>
-          <a:p>
-            <a:r>
-              <a:rPr lang="en-US" b="1" dirty="0" err="1" smtClean="0"/>
-              <a:t>NaN</a:t>
-            </a:r>
-            <a:r>
-              <a:rPr lang="en-US" dirty="0" smtClean="0"/>
-              <a:t> is not equal to any value, not even itself</a:t>
-            </a:r>
-            <a:r>
-              <a:rPr lang="en-US" b="1" dirty="0" smtClean="0"/>
-              <a:t> </a:t>
-            </a:r>
-            <a:endParaRPr lang="en-US" b="1" dirty="0"/>
+              <a:rPr lang="en-US" dirty="0">
+                <a:solidFill>
+                  <a:schemeClr val="tx1"/>
+                </a:solidFill>
+              </a:rPr>
+              <a:t>Single or Double quotes</a:t>
+            </a:r>
+          </a:p>
+          <a:p>
+            <a:r>
+              <a:rPr lang="en-US" dirty="0" smtClean="0">
+                <a:solidFill>
+                  <a:schemeClr val="tx1"/>
+                </a:solidFill>
+              </a:rPr>
+              <a:t>Backslash </a:t>
+            </a:r>
+            <a:r>
+              <a:rPr lang="en-US" dirty="0">
+                <a:solidFill>
+                  <a:schemeClr val="tx1"/>
+                </a:solidFill>
+              </a:rPr>
+              <a:t>is the escape character</a:t>
+            </a:r>
+          </a:p>
+          <a:p>
+            <a:r>
+              <a:rPr lang="en-US" dirty="0">
+                <a:solidFill>
+                  <a:schemeClr val="tx1"/>
+                </a:solidFill>
+              </a:rPr>
+              <a:t>There is no character type</a:t>
+            </a:r>
+          </a:p>
+          <a:p>
+            <a:r>
+              <a:rPr lang="en-US" dirty="0">
+                <a:solidFill>
+                  <a:schemeClr val="tx1"/>
+                </a:solidFill>
+              </a:rPr>
+              <a:t>Unicode 16 character set (16 bits wide</a:t>
+            </a:r>
+            <a:r>
+              <a:rPr lang="en-US" dirty="0" smtClean="0">
+                <a:solidFill>
+                  <a:schemeClr val="tx1"/>
+                </a:solidFill>
+              </a:rPr>
+              <a:t>)</a:t>
+            </a:r>
+          </a:p>
+          <a:p>
+            <a:r>
+              <a:rPr lang="en-US" dirty="0">
+                <a:solidFill>
+                  <a:schemeClr val="tx1"/>
+                </a:solidFill>
+              </a:rPr>
+              <a:t>String's have length and functions</a:t>
+            </a:r>
+            <a:endParaRPr lang="en-US" dirty="0"/>
           </a:p>
         </p:txBody>
       </p:sp>
@@ -14501,7 +17327,12 @@
             <p:ph idx="1"/>
           </p:nvPr>
         </p:nvSpPr>
-        <p:spPr/>
+        <p:spPr>
+          <a:xfrm>
+            <a:off x="702565" y="1697992"/>
+            <a:ext cx="8596668" cy="3880773"/>
+          </a:xfrm>
+        </p:spPr>
         <p:txBody>
           <a:bodyPr/>
           <a:lstStyle/>
@@ -14806,7 +17637,7 @@
         </p:nvSpPr>
         <p:spPr bwMode="auto">
           <a:xfrm>
-            <a:off x="1193800" y="4605568"/>
+            <a:off x="1193800" y="2906546"/>
             <a:ext cx="8166100" cy="1200328"/>
           </a:xfrm>
           <a:prstGeom prst="rect">
@@ -14952,6 +17783,13 @@
   <p:clrMapOvr>
     <a:masterClrMapping/>
   </p:clrMapOvr>
+  <p:timing>
+    <p:tnLst>
+      <p:par>
+        <p:cTn xmlns:p14="http://schemas.microsoft.com/office/powerpoint/2010/main" id="1" dur="indefinite" restart="never" nodeType="tmRoot"/>
+      </p:par>
+    </p:tnLst>
+  </p:timing>
 </p:sld>
 </file>
 
@@ -15031,7 +17869,7 @@
         </p:nvSpPr>
         <p:spPr bwMode="auto">
           <a:xfrm>
-            <a:off x="1193800" y="4605568"/>
+            <a:off x="1193800" y="2898135"/>
             <a:ext cx="8166100" cy="1200328"/>
           </a:xfrm>
           <a:prstGeom prst="rect">
@@ -15177,6 +18015,13 @@
   <p:clrMapOvr>
     <a:masterClrMapping/>
   </p:clrMapOvr>
+  <p:timing>
+    <p:tnLst>
+      <p:par>
+        <p:cTn xmlns:p14="http://schemas.microsoft.com/office/powerpoint/2010/main" id="1" dur="indefinite" restart="never" nodeType="tmRoot"/>
+      </p:par>
+    </p:tnLst>
+  </p:timing>
 </p:sld>
 </file>
 
@@ -15249,6 +18094,13 @@
   <p:clrMapOvr>
     <a:masterClrMapping/>
   </p:clrMapOvr>
+  <p:timing>
+    <p:tnLst>
+      <p:par>
+        <p:cTn xmlns:p14="http://schemas.microsoft.com/office/powerpoint/2010/main" id="1" dur="indefinite" restart="never" nodeType="tmRoot"/>
+      </p:par>
+    </p:tnLst>
+  </p:timing>
 </p:sld>
 </file>
 
@@ -15503,7 +18355,7 @@
   <a:extraClrSchemeLst/>
   <a:extLst>
     <a:ext uri="{05A4C25C-085E-4340-85A3-A5531E510DB2}">
-      <thm15:themeFamily xmlns:thm15="http://schemas.microsoft.com/office/thememl/2012/main" xmlns="" name="Facet" id="{C0C680CD-088A-49FC-A102-D699147F32B2}" vid="{CFBC31BA-B70F-4F30-BCAA-4F3011E16C4D}"/>
+      <thm15:themeFamily xmlns="" xmlns:thm15="http://schemas.microsoft.com/office/thememl/2012/main" name="Facet" id="{C0C680CD-088A-49FC-A102-D699147F32B2}" vid="{CFBC31BA-B70F-4F30-BCAA-4F3011E16C4D}"/>
     </a:ext>
   </a:extLst>
 </a:theme>
